--- a/school/eindpresentatie.pptx
+++ b/school/eindpresentatie.pptx
@@ -12,6 +12,8 @@
     <p:sldId id="260" r:id="rId6"/>
     <p:sldId id="261" r:id="rId7"/>
     <p:sldId id="262" r:id="rId8"/>
+    <p:sldId id="263" r:id="rId9"/>
+    <p:sldId id="264" r:id="rId10"/>
   </p:sldIdLst>
   <p:sldSz cx="12192000" cy="6858000"/>
   <p:notesSz cx="6858000" cy="9144000"/>
@@ -110,7 +112,20 @@
       </a:defRPr>
     </a:lvl9pPr>
   </p:defaultTextStyle>
+  <p:extLst>
+    <p:ext uri="{EFAFB233-063F-42B5-8137-9DF3F51BA10A}">
+      <p15:sldGuideLst xmlns:p15="http://schemas.microsoft.com/office/powerpoint/2012/main"/>
+    </p:ext>
+  </p:extLst>
 </p:presentation>
+</file>
+
+<file path=ppt/revisionInfo.xml><?xml version="1.0" encoding="utf-8"?>
+<p1510:revInfo xmlns:a="http://schemas.openxmlformats.org/drawingml/2006/main" xmlns:r="http://schemas.openxmlformats.org/officeDocument/2006/relationships" xmlns:p1510="http://schemas.microsoft.com/office/powerpoint/2015/10/main">
+  <p1510:revLst>
+    <p1510:client id="{0AA9A39B-73AC-4DFD-BE12-D0BA0F090D19}" v="5" dt="2025-05-20T16:35:36.505"/>
+  </p1510:revLst>
+</p1510:revInfo>
 </file>
 
 <file path=ppt/changesInfos/changesInfo1.xml><?xml version="1.0" encoding="utf-8"?>
@@ -118,7 +133,7 @@
   <pc:docChgLst>
     <pc:chgData name="Debakker Stan" userId="dcaf6aa6-4ff3-4b00-8b67-253531728245" providerId="ADAL" clId="{0AA9A39B-73AC-4DFD-BE12-D0BA0F090D19}"/>
     <pc:docChg chg="custSel addSld modSld">
-      <pc:chgData name="Debakker Stan" userId="dcaf6aa6-4ff3-4b00-8b67-253531728245" providerId="ADAL" clId="{0AA9A39B-73AC-4DFD-BE12-D0BA0F090D19}" dt="2025-05-11T15:24:00.772" v="888" actId="20577"/>
+      <pc:chgData name="Debakker Stan" userId="dcaf6aa6-4ff3-4b00-8b67-253531728245" providerId="ADAL" clId="{0AA9A39B-73AC-4DFD-BE12-D0BA0F090D19}" dt="2025-05-20T16:35:36.505" v="956" actId="478"/>
       <pc:docMkLst>
         <pc:docMk/>
       </pc:docMkLst>
@@ -192,7 +207,7 @@
         </pc:spChg>
       </pc:sldChg>
       <pc:sldChg chg="modSp new mod">
-        <pc:chgData name="Debakker Stan" userId="dcaf6aa6-4ff3-4b00-8b67-253531728245" providerId="ADAL" clId="{0AA9A39B-73AC-4DFD-BE12-D0BA0F090D19}" dt="2025-05-11T15:15:47.244" v="504" actId="20577"/>
+        <pc:chgData name="Debakker Stan" userId="dcaf6aa6-4ff3-4b00-8b67-253531728245" providerId="ADAL" clId="{0AA9A39B-73AC-4DFD-BE12-D0BA0F090D19}" dt="2025-05-20T16:19:11.558" v="889" actId="20577"/>
         <pc:sldMkLst>
           <pc:docMk/>
           <pc:sldMk cId="1630845430" sldId="259"/>
@@ -206,7 +221,7 @@
           </ac:spMkLst>
         </pc:spChg>
         <pc:spChg chg="mod">
-          <ac:chgData name="Debakker Stan" userId="dcaf6aa6-4ff3-4b00-8b67-253531728245" providerId="ADAL" clId="{0AA9A39B-73AC-4DFD-BE12-D0BA0F090D19}" dt="2025-05-11T15:15:47.244" v="504" actId="20577"/>
+          <ac:chgData name="Debakker Stan" userId="dcaf6aa6-4ff3-4b00-8b67-253531728245" providerId="ADAL" clId="{0AA9A39B-73AC-4DFD-BE12-D0BA0F090D19}" dt="2025-05-20T16:19:11.558" v="889" actId="20577"/>
           <ac:spMkLst>
             <pc:docMk/>
             <pc:sldMk cId="1630845430" sldId="259"/>
@@ -237,8 +252,8 @@
           </ac:spMkLst>
         </pc:spChg>
       </pc:sldChg>
-      <pc:sldChg chg="modSp new mod">
-        <pc:chgData name="Debakker Stan" userId="dcaf6aa6-4ff3-4b00-8b67-253531728245" providerId="ADAL" clId="{0AA9A39B-73AC-4DFD-BE12-D0BA0F090D19}" dt="2025-05-11T15:21:34.504" v="772" actId="20577"/>
+      <pc:sldChg chg="addSp modSp new mod">
+        <pc:chgData name="Debakker Stan" userId="dcaf6aa6-4ff3-4b00-8b67-253531728245" providerId="ADAL" clId="{0AA9A39B-73AC-4DFD-BE12-D0BA0F090D19}" dt="2025-05-20T16:25:21.586" v="900" actId="14100"/>
         <pc:sldMkLst>
           <pc:docMk/>
           <pc:sldMk cId="2107465529" sldId="261"/>
@@ -252,16 +267,24 @@
           </ac:spMkLst>
         </pc:spChg>
         <pc:spChg chg="mod">
-          <ac:chgData name="Debakker Stan" userId="dcaf6aa6-4ff3-4b00-8b67-253531728245" providerId="ADAL" clId="{0AA9A39B-73AC-4DFD-BE12-D0BA0F090D19}" dt="2025-05-11T15:21:34.504" v="772" actId="20577"/>
+          <ac:chgData name="Debakker Stan" userId="dcaf6aa6-4ff3-4b00-8b67-253531728245" providerId="ADAL" clId="{0AA9A39B-73AC-4DFD-BE12-D0BA0F090D19}" dt="2025-05-20T16:19:40.691" v="891" actId="20577"/>
           <ac:spMkLst>
             <pc:docMk/>
             <pc:sldMk cId="2107465529" sldId="261"/>
             <ac:spMk id="3" creationId="{25AFCCE5-279C-F675-7F2B-042FC85B3354}"/>
           </ac:spMkLst>
         </pc:spChg>
+        <pc:picChg chg="add mod modCrop">
+          <ac:chgData name="Debakker Stan" userId="dcaf6aa6-4ff3-4b00-8b67-253531728245" providerId="ADAL" clId="{0AA9A39B-73AC-4DFD-BE12-D0BA0F090D19}" dt="2025-05-20T16:25:21.586" v="900" actId="14100"/>
+          <ac:picMkLst>
+            <pc:docMk/>
+            <pc:sldMk cId="2107465529" sldId="261"/>
+            <ac:picMk id="5" creationId="{58DCC40F-E9A5-3FDE-5775-3DE6E1882AE2}"/>
+          </ac:picMkLst>
+        </pc:picChg>
       </pc:sldChg>
       <pc:sldChg chg="modSp new mod">
-        <pc:chgData name="Debakker Stan" userId="dcaf6aa6-4ff3-4b00-8b67-253531728245" providerId="ADAL" clId="{0AA9A39B-73AC-4DFD-BE12-D0BA0F090D19}" dt="2025-05-11T15:24:00.772" v="888" actId="20577"/>
+        <pc:chgData name="Debakker Stan" userId="dcaf6aa6-4ff3-4b00-8b67-253531728245" providerId="ADAL" clId="{0AA9A39B-73AC-4DFD-BE12-D0BA0F090D19}" dt="2025-05-20T16:26:09.459" v="921" actId="313"/>
         <pc:sldMkLst>
           <pc:docMk/>
           <pc:sldMk cId="783345087" sldId="262"/>
@@ -275,13 +298,67 @@
           </ac:spMkLst>
         </pc:spChg>
         <pc:spChg chg="mod">
-          <ac:chgData name="Debakker Stan" userId="dcaf6aa6-4ff3-4b00-8b67-253531728245" providerId="ADAL" clId="{0AA9A39B-73AC-4DFD-BE12-D0BA0F090D19}" dt="2025-05-11T15:24:00.772" v="888" actId="20577"/>
+          <ac:chgData name="Debakker Stan" userId="dcaf6aa6-4ff3-4b00-8b67-253531728245" providerId="ADAL" clId="{0AA9A39B-73AC-4DFD-BE12-D0BA0F090D19}" dt="2025-05-20T16:26:09.459" v="921" actId="313"/>
           <ac:spMkLst>
             <pc:docMk/>
             <pc:sldMk cId="783345087" sldId="262"/>
             <ac:spMk id="3" creationId="{0C1AAD72-7AD2-666B-BEE6-1CAA4118FDCB}"/>
           </ac:spMkLst>
         </pc:spChg>
+      </pc:sldChg>
+      <pc:sldChg chg="addSp delSp modSp new mod">
+        <pc:chgData name="Debakker Stan" userId="dcaf6aa6-4ff3-4b00-8b67-253531728245" providerId="ADAL" clId="{0AA9A39B-73AC-4DFD-BE12-D0BA0F090D19}" dt="2025-05-20T16:35:36.505" v="956" actId="478"/>
+        <pc:sldMkLst>
+          <pc:docMk/>
+          <pc:sldMk cId="2897846572" sldId="263"/>
+        </pc:sldMkLst>
+        <pc:spChg chg="mod">
+          <ac:chgData name="Debakker Stan" userId="dcaf6aa6-4ff3-4b00-8b67-253531728245" providerId="ADAL" clId="{0AA9A39B-73AC-4DFD-BE12-D0BA0F090D19}" dt="2025-05-20T16:26:18.399" v="925" actId="20577"/>
+          <ac:spMkLst>
+            <pc:docMk/>
+            <pc:sldMk cId="2897846572" sldId="263"/>
+            <ac:spMk id="2" creationId="{D5CAACA4-779B-17C5-E54D-439422E4B821}"/>
+          </ac:spMkLst>
+        </pc:spChg>
+        <pc:spChg chg="mod">
+          <ac:chgData name="Debakker Stan" userId="dcaf6aa6-4ff3-4b00-8b67-253531728245" providerId="ADAL" clId="{0AA9A39B-73AC-4DFD-BE12-D0BA0F090D19}" dt="2025-05-20T16:27:22.077" v="948" actId="20577"/>
+          <ac:spMkLst>
+            <pc:docMk/>
+            <pc:sldMk cId="2897846572" sldId="263"/>
+            <ac:spMk id="3" creationId="{A0FB64FB-D377-C3B3-B269-B1EE32E505C8}"/>
+          </ac:spMkLst>
+        </pc:spChg>
+        <pc:picChg chg="add del mod">
+          <ac:chgData name="Debakker Stan" userId="dcaf6aa6-4ff3-4b00-8b67-253531728245" providerId="ADAL" clId="{0AA9A39B-73AC-4DFD-BE12-D0BA0F090D19}" dt="2025-05-20T16:35:25.773" v="952" actId="478"/>
+          <ac:picMkLst>
+            <pc:docMk/>
+            <pc:sldMk cId="2897846572" sldId="263"/>
+            <ac:picMk id="4" creationId="{C49FE8CA-7E83-58F2-67D7-3E61B8C2DBBD}"/>
+          </ac:picMkLst>
+        </pc:picChg>
+        <pc:picChg chg="add del mod">
+          <ac:chgData name="Debakker Stan" userId="dcaf6aa6-4ff3-4b00-8b67-253531728245" providerId="ADAL" clId="{0AA9A39B-73AC-4DFD-BE12-D0BA0F090D19}" dt="2025-05-20T16:35:36.505" v="956" actId="478"/>
+          <ac:picMkLst>
+            <pc:docMk/>
+            <pc:sldMk cId="2897846572" sldId="263"/>
+            <ac:picMk id="1026" creationId="{86940FE7-9B06-F4DA-3516-9B193203EBA9}"/>
+          </ac:picMkLst>
+        </pc:picChg>
+        <pc:picChg chg="add del">
+          <ac:chgData name="Debakker Stan" userId="dcaf6aa6-4ff3-4b00-8b67-253531728245" providerId="ADAL" clId="{0AA9A39B-73AC-4DFD-BE12-D0BA0F090D19}" dt="2025-05-20T16:35:36.505" v="956" actId="478"/>
+          <ac:picMkLst>
+            <pc:docMk/>
+            <pc:sldMk cId="2897846572" sldId="263"/>
+            <ac:picMk id="1028" creationId="{95A6F4C6-50CD-94DB-53C2-540145A6F63E}"/>
+          </ac:picMkLst>
+        </pc:picChg>
+      </pc:sldChg>
+      <pc:sldChg chg="new">
+        <pc:chgData name="Debakker Stan" userId="dcaf6aa6-4ff3-4b00-8b67-253531728245" providerId="ADAL" clId="{0AA9A39B-73AC-4DFD-BE12-D0BA0F090D19}" dt="2025-05-20T16:27:50.060" v="949" actId="680"/>
+        <pc:sldMkLst>
+          <pc:docMk/>
+          <pc:sldMk cId="1950788829" sldId="264"/>
+        </pc:sldMkLst>
       </pc:sldChg>
     </pc:docChg>
   </pc:docChgLst>
@@ -435,7 +512,7 @@
           <a:p>
             <a:fld id="{D3A58194-11B3-4AEE-8F9C-7C4B4F2B911F}" type="datetimeFigureOut">
               <a:rPr lang="nl-NL" smtClean="0"/>
-              <a:t>11-5-2025</a:t>
+              <a:t>20-5-2025</a:t>
             </a:fld>
             <a:endParaRPr lang="nl-NL"/>
           </a:p>
@@ -633,7 +710,7 @@
           <a:p>
             <a:fld id="{D3A58194-11B3-4AEE-8F9C-7C4B4F2B911F}" type="datetimeFigureOut">
               <a:rPr lang="nl-NL" smtClean="0"/>
-              <a:t>11-5-2025</a:t>
+              <a:t>20-5-2025</a:t>
             </a:fld>
             <a:endParaRPr lang="nl-NL"/>
           </a:p>
@@ -841,7 +918,7 @@
           <a:p>
             <a:fld id="{D3A58194-11B3-4AEE-8F9C-7C4B4F2B911F}" type="datetimeFigureOut">
               <a:rPr lang="nl-NL" smtClean="0"/>
-              <a:t>11-5-2025</a:t>
+              <a:t>20-5-2025</a:t>
             </a:fld>
             <a:endParaRPr lang="nl-NL"/>
           </a:p>
@@ -1039,7 +1116,7 @@
           <a:p>
             <a:fld id="{D3A58194-11B3-4AEE-8F9C-7C4B4F2B911F}" type="datetimeFigureOut">
               <a:rPr lang="nl-NL" smtClean="0"/>
-              <a:t>11-5-2025</a:t>
+              <a:t>20-5-2025</a:t>
             </a:fld>
             <a:endParaRPr lang="nl-NL"/>
           </a:p>
@@ -1314,7 +1391,7 @@
           <a:p>
             <a:fld id="{D3A58194-11B3-4AEE-8F9C-7C4B4F2B911F}" type="datetimeFigureOut">
               <a:rPr lang="nl-NL" smtClean="0"/>
-              <a:t>11-5-2025</a:t>
+              <a:t>20-5-2025</a:t>
             </a:fld>
             <a:endParaRPr lang="nl-NL"/>
           </a:p>
@@ -1579,7 +1656,7 @@
           <a:p>
             <a:fld id="{D3A58194-11B3-4AEE-8F9C-7C4B4F2B911F}" type="datetimeFigureOut">
               <a:rPr lang="nl-NL" smtClean="0"/>
-              <a:t>11-5-2025</a:t>
+              <a:t>20-5-2025</a:t>
             </a:fld>
             <a:endParaRPr lang="nl-NL"/>
           </a:p>
@@ -1991,7 +2068,7 @@
           <a:p>
             <a:fld id="{D3A58194-11B3-4AEE-8F9C-7C4B4F2B911F}" type="datetimeFigureOut">
               <a:rPr lang="nl-NL" smtClean="0"/>
-              <a:t>11-5-2025</a:t>
+              <a:t>20-5-2025</a:t>
             </a:fld>
             <a:endParaRPr lang="nl-NL"/>
           </a:p>
@@ -2132,7 +2209,7 @@
           <a:p>
             <a:fld id="{D3A58194-11B3-4AEE-8F9C-7C4B4F2B911F}" type="datetimeFigureOut">
               <a:rPr lang="nl-NL" smtClean="0"/>
-              <a:t>11-5-2025</a:t>
+              <a:t>20-5-2025</a:t>
             </a:fld>
             <a:endParaRPr lang="nl-NL"/>
           </a:p>
@@ -2245,7 +2322,7 @@
           <a:p>
             <a:fld id="{D3A58194-11B3-4AEE-8F9C-7C4B4F2B911F}" type="datetimeFigureOut">
               <a:rPr lang="nl-NL" smtClean="0"/>
-              <a:t>11-5-2025</a:t>
+              <a:t>20-5-2025</a:t>
             </a:fld>
             <a:endParaRPr lang="nl-NL"/>
           </a:p>
@@ -2556,7 +2633,7 @@
           <a:p>
             <a:fld id="{D3A58194-11B3-4AEE-8F9C-7C4B4F2B911F}" type="datetimeFigureOut">
               <a:rPr lang="nl-NL" smtClean="0"/>
-              <a:t>11-5-2025</a:t>
+              <a:t>20-5-2025</a:t>
             </a:fld>
             <a:endParaRPr lang="nl-NL"/>
           </a:p>
@@ -2844,7 +2921,7 @@
           <a:p>
             <a:fld id="{D3A58194-11B3-4AEE-8F9C-7C4B4F2B911F}" type="datetimeFigureOut">
               <a:rPr lang="nl-NL" smtClean="0"/>
-              <a:t>11-5-2025</a:t>
+              <a:t>20-5-2025</a:t>
             </a:fld>
             <a:endParaRPr lang="nl-NL"/>
           </a:p>
@@ -3085,7 +3162,7 @@
           <a:p>
             <a:fld id="{D3A58194-11B3-4AEE-8F9C-7C4B4F2B911F}" type="datetimeFigureOut">
               <a:rPr lang="nl-NL" smtClean="0"/>
-              <a:t>11-5-2025</a:t>
+              <a:t>20-5-2025</a:t>
             </a:fld>
             <a:endParaRPr lang="nl-NL"/>
           </a:p>
@@ -3875,7 +3952,7 @@
               <a:rPr lang="nl-NL" dirty="0">
                 <a:sym typeface="Wingdings" panose="05000000000000000000" pitchFamily="2" charset="2"/>
               </a:rPr>
-              <a:t>14 Chanels)(38 sensoren)</a:t>
+              <a:t>13 Chanels)(38 sensoren)</a:t>
             </a:r>
           </a:p>
           <a:p>
@@ -4166,7 +4243,7 @@
           <a:p>
             <a:r>
               <a:rPr lang="nl-NL" dirty="0"/>
-              <a:t>Van 1 naar 14 meetbare lichtbanden</a:t>
+              <a:t>Van 1 naar 13 meetbare lichtbanden</a:t>
             </a:r>
           </a:p>
           <a:p>
@@ -4177,6 +4254,35 @@
           </a:p>
         </p:txBody>
       </p:sp>
+      <p:pic>
+        <p:nvPicPr>
+          <p:cNvPr id="5" name="Afbeelding 4">
+            <a:extLst>
+              <a:ext uri="{FF2B5EF4-FFF2-40B4-BE49-F238E27FC236}">
+                <a16:creationId xmlns:a16="http://schemas.microsoft.com/office/drawing/2014/main" id="{58DCC40F-E9A5-3FDE-5775-3DE6E1882AE2}"/>
+              </a:ext>
+            </a:extLst>
+          </p:cNvPr>
+          <p:cNvPicPr>
+            <a:picLocks noChangeAspect="1"/>
+          </p:cNvPicPr>
+          <p:nvPr/>
+        </p:nvPicPr>
+        <p:blipFill>
+          <a:blip r:embed="rId2"/>
+          <a:srcRect l="3164" t="3088" r="1969" b="1193"/>
+          <a:stretch/>
+        </p:blipFill>
+        <p:spPr>
+          <a:xfrm>
+            <a:off x="4697129" y="2370290"/>
+            <a:ext cx="7494872" cy="4487710"/>
+          </a:xfrm>
+          <a:prstGeom prst="rect">
+            <a:avLst/>
+          </a:prstGeom>
+        </p:spPr>
+      </p:pic>
     </p:spTree>
     <p:extLst>
       <p:ext uri="{BB962C8B-B14F-4D97-AF65-F5344CB8AC3E}">
@@ -4280,11 +4386,7 @@
           <a:p>
             <a:r>
               <a:rPr lang="nl-NL" dirty="0"/>
-              <a:t>Lichtsensor van </a:t>
-            </a:r>
-            <a:r>
-              <a:rPr lang="nl-NL"/>
-              <a:t>8 bit naar 12 bit</a:t>
+              <a:t>Lichtsensor van 8 bit naar 12 bit (dynamisch bereik)</a:t>
             </a:r>
           </a:p>
         </p:txBody>
@@ -4293,6 +4395,179 @@
     <p:extLst>
       <p:ext uri="{BB962C8B-B14F-4D97-AF65-F5344CB8AC3E}">
         <p14:creationId xmlns:p14="http://schemas.microsoft.com/office/powerpoint/2010/main" val="783345087"/>
+      </p:ext>
+    </p:extLst>
+  </p:cSld>
+  <p:clrMapOvr>
+    <a:masterClrMapping/>
+  </p:clrMapOvr>
+</p:sld>
+</file>
+
+<file path=ppt/slides/slide8.xml><?xml version="1.0" encoding="utf-8"?>
+<p:sld xmlns:a="http://schemas.openxmlformats.org/drawingml/2006/main" xmlns:r="http://schemas.openxmlformats.org/officeDocument/2006/relationships" xmlns:p="http://schemas.openxmlformats.org/presentationml/2006/main">
+  <p:cSld>
+    <p:spTree>
+      <p:nvGrpSpPr>
+        <p:cNvPr id="1" name=""/>
+        <p:cNvGrpSpPr/>
+        <p:nvPr/>
+      </p:nvGrpSpPr>
+      <p:grpSpPr>
+        <a:xfrm>
+          <a:off x="0" y="0"/>
+          <a:ext cx="0" cy="0"/>
+          <a:chOff x="0" y="0"/>
+          <a:chExt cx="0" cy="0"/>
+        </a:xfrm>
+      </p:grpSpPr>
+      <p:sp>
+        <p:nvSpPr>
+          <p:cNvPr id="2" name="Titel 1">
+            <a:extLst>
+              <a:ext uri="{FF2B5EF4-FFF2-40B4-BE49-F238E27FC236}">
+                <a16:creationId xmlns:a16="http://schemas.microsoft.com/office/drawing/2014/main" id="{D5CAACA4-779B-17C5-E54D-439422E4B821}"/>
+              </a:ext>
+            </a:extLst>
+          </p:cNvPr>
+          <p:cNvSpPr>
+            <a:spLocks noGrp="1"/>
+          </p:cNvSpPr>
+          <p:nvPr>
+            <p:ph type="title"/>
+          </p:nvPr>
+        </p:nvSpPr>
+        <p:spPr/>
+        <p:txBody>
+          <a:bodyPr/>
+          <a:lstStyle/>
+          <a:p>
+            <a:r>
+              <a:rPr lang="nl-NL" dirty="0"/>
+              <a:t>hoe</a:t>
+            </a:r>
+          </a:p>
+        </p:txBody>
+      </p:sp>
+      <p:sp>
+        <p:nvSpPr>
+          <p:cNvPr id="3" name="Tijdelijke aanduiding voor inhoud 2">
+            <a:extLst>
+              <a:ext uri="{FF2B5EF4-FFF2-40B4-BE49-F238E27FC236}">
+                <a16:creationId xmlns:a16="http://schemas.microsoft.com/office/drawing/2014/main" id="{A0FB64FB-D377-C3B3-B269-B1EE32E505C8}"/>
+              </a:ext>
+            </a:extLst>
+          </p:cNvPr>
+          <p:cNvSpPr>
+            <a:spLocks noGrp="1"/>
+          </p:cNvSpPr>
+          <p:nvPr>
+            <p:ph idx="1"/>
+          </p:nvPr>
+        </p:nvSpPr>
+        <p:spPr/>
+        <p:txBody>
+          <a:bodyPr/>
+          <a:lstStyle/>
+          <a:p>
+            <a:r>
+              <a:rPr lang="nl-NL" dirty="0" err="1"/>
+              <a:t>Kicad</a:t>
+            </a:r>
+            <a:endParaRPr lang="nl-NL" dirty="0"/>
+          </a:p>
+          <a:p>
+            <a:r>
+              <a:rPr lang="nl-NL" dirty="0"/>
+              <a:t>Zelf aangeleerd</a:t>
+            </a:r>
+          </a:p>
+        </p:txBody>
+      </p:sp>
+    </p:spTree>
+    <p:extLst>
+      <p:ext uri="{BB962C8B-B14F-4D97-AF65-F5344CB8AC3E}">
+        <p14:creationId xmlns:p14="http://schemas.microsoft.com/office/powerpoint/2010/main" val="2897846572"/>
+      </p:ext>
+    </p:extLst>
+  </p:cSld>
+  <p:clrMapOvr>
+    <a:masterClrMapping/>
+  </p:clrMapOvr>
+</p:sld>
+</file>
+
+<file path=ppt/slides/slide9.xml><?xml version="1.0" encoding="utf-8"?>
+<p:sld xmlns:a="http://schemas.openxmlformats.org/drawingml/2006/main" xmlns:r="http://schemas.openxmlformats.org/officeDocument/2006/relationships" xmlns:p="http://schemas.openxmlformats.org/presentationml/2006/main">
+  <p:cSld>
+    <p:spTree>
+      <p:nvGrpSpPr>
+        <p:cNvPr id="1" name=""/>
+        <p:cNvGrpSpPr/>
+        <p:nvPr/>
+      </p:nvGrpSpPr>
+      <p:grpSpPr>
+        <a:xfrm>
+          <a:off x="0" y="0"/>
+          <a:ext cx="0" cy="0"/>
+          <a:chOff x="0" y="0"/>
+          <a:chExt cx="0" cy="0"/>
+        </a:xfrm>
+      </p:grpSpPr>
+      <p:sp>
+        <p:nvSpPr>
+          <p:cNvPr id="2" name="Titel 1">
+            <a:extLst>
+              <a:ext uri="{FF2B5EF4-FFF2-40B4-BE49-F238E27FC236}">
+                <a16:creationId xmlns:a16="http://schemas.microsoft.com/office/drawing/2014/main" id="{AE9D27F4-B44C-56B8-64AC-1B159CE59D78}"/>
+              </a:ext>
+            </a:extLst>
+          </p:cNvPr>
+          <p:cNvSpPr>
+            <a:spLocks noGrp="1"/>
+          </p:cNvSpPr>
+          <p:nvPr>
+            <p:ph type="title"/>
+          </p:nvPr>
+        </p:nvSpPr>
+        <p:spPr/>
+        <p:txBody>
+          <a:bodyPr/>
+          <a:lstStyle/>
+          <a:p>
+            <a:endParaRPr lang="nl-NL"/>
+          </a:p>
+        </p:txBody>
+      </p:sp>
+      <p:sp>
+        <p:nvSpPr>
+          <p:cNvPr id="3" name="Tijdelijke aanduiding voor inhoud 2">
+            <a:extLst>
+              <a:ext uri="{FF2B5EF4-FFF2-40B4-BE49-F238E27FC236}">
+                <a16:creationId xmlns:a16="http://schemas.microsoft.com/office/drawing/2014/main" id="{3CC036E1-3F02-C8D2-4983-17B928C294FD}"/>
+              </a:ext>
+            </a:extLst>
+          </p:cNvPr>
+          <p:cNvSpPr>
+            <a:spLocks noGrp="1"/>
+          </p:cNvSpPr>
+          <p:nvPr>
+            <p:ph idx="1"/>
+          </p:nvPr>
+        </p:nvSpPr>
+        <p:spPr/>
+        <p:txBody>
+          <a:bodyPr/>
+          <a:lstStyle/>
+          <a:p>
+            <a:endParaRPr lang="nl-NL"/>
+          </a:p>
+        </p:txBody>
+      </p:sp>
+    </p:spTree>
+    <p:extLst>
+      <p:ext uri="{BB962C8B-B14F-4D97-AF65-F5344CB8AC3E}">
+        <p14:creationId xmlns:p14="http://schemas.microsoft.com/office/powerpoint/2010/main" val="1950788829"/>
       </p:ext>
     </p:extLst>
   </p:cSld>

--- a/school/eindpresentatie.pptx
+++ b/school/eindpresentatie.pptx
@@ -2,7 +2,7 @@
 <file path=ppt/presentation.xml><?xml version="1.0" encoding="utf-8"?>
 <p:presentation xmlns:a="http://schemas.openxmlformats.org/drawingml/2006/main" xmlns:r="http://schemas.openxmlformats.org/officeDocument/2006/relationships" xmlns:p="http://schemas.openxmlformats.org/presentationml/2006/main" saveSubsetFonts="1">
   <p:sldMasterIdLst>
-    <p:sldMasterId id="2147483648" r:id="rId1"/>
+    <p:sldMasterId id="2147483672" r:id="rId1"/>
   </p:sldMasterIdLst>
   <p:sldIdLst>
     <p:sldId id="256" r:id="rId2"/>
@@ -131,9 +131,582 @@
 <file path=ppt/changesInfos/changesInfo1.xml><?xml version="1.0" encoding="utf-8"?>
 <pc:chgInfo xmlns:a="http://schemas.openxmlformats.org/drawingml/2006/main" xmlns:r="http://schemas.openxmlformats.org/officeDocument/2006/relationships" xmlns:ac="http://schemas.microsoft.com/office/drawing/2013/main/command" xmlns:pc="http://schemas.microsoft.com/office/powerpoint/2013/main/command">
   <pc:docChgLst>
+    <pc:chgData name="Debakker Stan" userId="S::stan.debakker@leerling.pti.be::dcaf6aa6-4ff3-4b00-8b67-253531728245" providerId="AD" clId="Web-{CDA6040E-08BC-C94E-91A6-1F3999364B6B}"/>
+    <pc:docChg chg="modSld addMainMaster delMainMaster">
+      <pc:chgData name="Debakker Stan" userId="S::stan.debakker@leerling.pti.be::dcaf6aa6-4ff3-4b00-8b67-253531728245" providerId="AD" clId="Web-{CDA6040E-08BC-C94E-91A6-1F3999364B6B}" dt="2025-05-20T17:21:12.854" v="181" actId="20577"/>
+      <pc:docMkLst>
+        <pc:docMk/>
+      </pc:docMkLst>
+      <pc:sldChg chg="addSp delSp modSp mod setBg modClrScheme delDesignElem chgLayout">
+        <pc:chgData name="Debakker Stan" userId="S::stan.debakker@leerling.pti.be::dcaf6aa6-4ff3-4b00-8b67-253531728245" providerId="AD" clId="Web-{CDA6040E-08BC-C94E-91A6-1F3999364B6B}" dt="2025-05-20T17:16:24.522" v="89" actId="1076"/>
+        <pc:sldMkLst>
+          <pc:docMk/>
+          <pc:sldMk cId="2420199233" sldId="256"/>
+        </pc:sldMkLst>
+        <pc:spChg chg="mod ord">
+          <ac:chgData name="Debakker Stan" userId="S::stan.debakker@leerling.pti.be::dcaf6aa6-4ff3-4b00-8b67-253531728245" providerId="AD" clId="Web-{CDA6040E-08BC-C94E-91A6-1F3999364B6B}" dt="2025-05-20T17:16:08.708" v="86" actId="1076"/>
+          <ac:spMkLst>
+            <pc:docMk/>
+            <pc:sldMk cId="2420199233" sldId="256"/>
+            <ac:spMk id="2" creationId="{B9DD19F4-B7B2-5BA2-91E0-48697E841758}"/>
+          </ac:spMkLst>
+        </pc:spChg>
+        <pc:spChg chg="mod ord">
+          <ac:chgData name="Debakker Stan" userId="S::stan.debakker@leerling.pti.be::dcaf6aa6-4ff3-4b00-8b67-253531728245" providerId="AD" clId="Web-{CDA6040E-08BC-C94E-91A6-1F3999364B6B}" dt="2025-05-20T17:16:15.365" v="87" actId="1076"/>
+          <ac:spMkLst>
+            <pc:docMk/>
+            <pc:sldMk cId="2420199233" sldId="256"/>
+            <ac:spMk id="3" creationId="{A0A1883A-5F50-F3F7-B73B-3874AD6E682D}"/>
+          </ac:spMkLst>
+        </pc:spChg>
+        <pc:spChg chg="add del">
+          <ac:chgData name="Debakker Stan" userId="S::stan.debakker@leerling.pti.be::dcaf6aa6-4ff3-4b00-8b67-253531728245" providerId="AD" clId="Web-{CDA6040E-08BC-C94E-91A6-1F3999364B6B}" dt="2025-05-20T17:15:26.736" v="82"/>
+          <ac:spMkLst>
+            <pc:docMk/>
+            <pc:sldMk cId="2420199233" sldId="256"/>
+            <ac:spMk id="10" creationId="{2151139A-886F-4B97-8815-729AD3831BBD}"/>
+          </ac:spMkLst>
+        </pc:spChg>
+        <pc:spChg chg="add del">
+          <ac:chgData name="Debakker Stan" userId="S::stan.debakker@leerling.pti.be::dcaf6aa6-4ff3-4b00-8b67-253531728245" providerId="AD" clId="Web-{CDA6040E-08BC-C94E-91A6-1F3999364B6B}" dt="2025-05-20T17:15:26.736" v="82"/>
+          <ac:spMkLst>
+            <pc:docMk/>
+            <pc:sldMk cId="2420199233" sldId="256"/>
+            <ac:spMk id="12" creationId="{AB5E08C4-8CDD-4623-A5B8-E998C6DEE3B7}"/>
+          </ac:spMkLst>
+        </pc:spChg>
+        <pc:spChg chg="add del">
+          <ac:chgData name="Debakker Stan" userId="S::stan.debakker@leerling.pti.be::dcaf6aa6-4ff3-4b00-8b67-253531728245" providerId="AD" clId="Web-{CDA6040E-08BC-C94E-91A6-1F3999364B6B}" dt="2025-05-20T17:15:26.736" v="82"/>
+          <ac:spMkLst>
+            <pc:docMk/>
+            <pc:sldMk cId="2420199233" sldId="256"/>
+            <ac:spMk id="14" creationId="{15F33878-D502-4FFA-8ACE-F2AECDB2A23F}"/>
+          </ac:spMkLst>
+        </pc:spChg>
+        <pc:spChg chg="add del">
+          <ac:chgData name="Debakker Stan" userId="S::stan.debakker@leerling.pti.be::dcaf6aa6-4ff3-4b00-8b67-253531728245" providerId="AD" clId="Web-{CDA6040E-08BC-C94E-91A6-1F3999364B6B}" dt="2025-05-20T17:15:26.736" v="82"/>
+          <ac:spMkLst>
+            <pc:docMk/>
+            <pc:sldMk cId="2420199233" sldId="256"/>
+            <ac:spMk id="16" creationId="{D3539FEE-81D3-4406-802E-60B20B16F4F6}"/>
+          </ac:spMkLst>
+        </pc:spChg>
+        <pc:spChg chg="add del">
+          <ac:chgData name="Debakker Stan" userId="S::stan.debakker@leerling.pti.be::dcaf6aa6-4ff3-4b00-8b67-253531728245" providerId="AD" clId="Web-{CDA6040E-08BC-C94E-91A6-1F3999364B6B}" dt="2025-05-20T17:15:26.736" v="82"/>
+          <ac:spMkLst>
+            <pc:docMk/>
+            <pc:sldMk cId="2420199233" sldId="256"/>
+            <ac:spMk id="18" creationId="{DC701763-729E-462F-A5A8-E0DEFEB1E2E4}"/>
+          </ac:spMkLst>
+        </pc:spChg>
+        <pc:picChg chg="add mod ord">
+          <ac:chgData name="Debakker Stan" userId="S::stan.debakker@leerling.pti.be::dcaf6aa6-4ff3-4b00-8b67-253531728245" providerId="AD" clId="Web-{CDA6040E-08BC-C94E-91A6-1F3999364B6B}" dt="2025-05-20T17:16:17.037" v="88" actId="1076"/>
+          <ac:picMkLst>
+            <pc:docMk/>
+            <pc:sldMk cId="2420199233" sldId="256"/>
+            <ac:picMk id="4" creationId="{410A9A31-1962-E1D5-5CDC-FAF444849BA9}"/>
+          </ac:picMkLst>
+        </pc:picChg>
+        <pc:picChg chg="add mod">
+          <ac:chgData name="Debakker Stan" userId="S::stan.debakker@leerling.pti.be::dcaf6aa6-4ff3-4b00-8b67-253531728245" providerId="AD" clId="Web-{CDA6040E-08BC-C94E-91A6-1F3999364B6B}" dt="2025-05-20T17:16:24.522" v="89" actId="1076"/>
+          <ac:picMkLst>
+            <pc:docMk/>
+            <pc:sldMk cId="2420199233" sldId="256"/>
+            <ac:picMk id="5" creationId="{3DB743BA-F190-16AD-A517-5B878FA686E9}"/>
+          </ac:picMkLst>
+        </pc:picChg>
+      </pc:sldChg>
+      <pc:sldChg chg="addSp modSp mod modClrScheme chgLayout">
+        <pc:chgData name="Debakker Stan" userId="S::stan.debakker@leerling.pti.be::dcaf6aa6-4ff3-4b00-8b67-253531728245" providerId="AD" clId="Web-{CDA6040E-08BC-C94E-91A6-1F3999364B6B}" dt="2025-05-20T17:19:41.614" v="123" actId="20577"/>
+        <pc:sldMkLst>
+          <pc:docMk/>
+          <pc:sldMk cId="3221039808" sldId="257"/>
+        </pc:sldMkLst>
+        <pc:spChg chg="mod ord">
+          <ac:chgData name="Debakker Stan" userId="S::stan.debakker@leerling.pti.be::dcaf6aa6-4ff3-4b00-8b67-253531728245" providerId="AD" clId="Web-{CDA6040E-08BC-C94E-91A6-1F3999364B6B}" dt="2025-05-20T17:15:58.395" v="84"/>
+          <ac:spMkLst>
+            <pc:docMk/>
+            <pc:sldMk cId="3221039808" sldId="257"/>
+            <ac:spMk id="2" creationId="{1650E7F5-88CB-C168-BA6E-536C06243187}"/>
+          </ac:spMkLst>
+        </pc:spChg>
+        <pc:spChg chg="mod ord">
+          <ac:chgData name="Debakker Stan" userId="S::stan.debakker@leerling.pti.be::dcaf6aa6-4ff3-4b00-8b67-253531728245" providerId="AD" clId="Web-{CDA6040E-08BC-C94E-91A6-1F3999364B6B}" dt="2025-05-20T17:19:41.614" v="123" actId="20577"/>
+          <ac:spMkLst>
+            <pc:docMk/>
+            <pc:sldMk cId="3221039808" sldId="257"/>
+            <ac:spMk id="3" creationId="{CBA34A9D-A350-52C4-99B2-4F514089FCB3}"/>
+          </ac:spMkLst>
+        </pc:spChg>
+        <pc:picChg chg="add mod">
+          <ac:chgData name="Debakker Stan" userId="S::stan.debakker@leerling.pti.be::dcaf6aa6-4ff3-4b00-8b67-253531728245" providerId="AD" clId="Web-{CDA6040E-08BC-C94E-91A6-1F3999364B6B}" dt="2025-05-20T17:17:42.949" v="115" actId="1076"/>
+          <ac:picMkLst>
+            <pc:docMk/>
+            <pc:sldMk cId="3221039808" sldId="257"/>
+            <ac:picMk id="5" creationId="{C0201DDE-E7C0-6863-96A5-375545235C51}"/>
+          </ac:picMkLst>
+        </pc:picChg>
+      </pc:sldChg>
+      <pc:sldChg chg="modSp mod modClrScheme chgLayout">
+        <pc:chgData name="Debakker Stan" userId="S::stan.debakker@leerling.pti.be::dcaf6aa6-4ff3-4b00-8b67-253531728245" providerId="AD" clId="Web-{CDA6040E-08BC-C94E-91A6-1F3999364B6B}" dt="2025-05-20T17:15:58.395" v="84"/>
+        <pc:sldMkLst>
+          <pc:docMk/>
+          <pc:sldMk cId="1887511346" sldId="258"/>
+        </pc:sldMkLst>
+        <pc:spChg chg="mod ord">
+          <ac:chgData name="Debakker Stan" userId="S::stan.debakker@leerling.pti.be::dcaf6aa6-4ff3-4b00-8b67-253531728245" providerId="AD" clId="Web-{CDA6040E-08BC-C94E-91A6-1F3999364B6B}" dt="2025-05-20T17:15:58.395" v="84"/>
+          <ac:spMkLst>
+            <pc:docMk/>
+            <pc:sldMk cId="1887511346" sldId="258"/>
+            <ac:spMk id="2" creationId="{A1E0C90D-EE39-39CA-BF09-354C7C2D2D6A}"/>
+          </ac:spMkLst>
+        </pc:spChg>
+        <pc:spChg chg="mod ord">
+          <ac:chgData name="Debakker Stan" userId="S::stan.debakker@leerling.pti.be::dcaf6aa6-4ff3-4b00-8b67-253531728245" providerId="AD" clId="Web-{CDA6040E-08BC-C94E-91A6-1F3999364B6B}" dt="2025-05-20T17:15:58.395" v="84"/>
+          <ac:spMkLst>
+            <pc:docMk/>
+            <pc:sldMk cId="1887511346" sldId="258"/>
+            <ac:spMk id="3" creationId="{7190FB53-879D-50F8-5178-809FF594B5D2}"/>
+          </ac:spMkLst>
+        </pc:spChg>
+      </pc:sldChg>
+      <pc:sldChg chg="modSp mod modClrScheme chgLayout">
+        <pc:chgData name="Debakker Stan" userId="S::stan.debakker@leerling.pti.be::dcaf6aa6-4ff3-4b00-8b67-253531728245" providerId="AD" clId="Web-{CDA6040E-08BC-C94E-91A6-1F3999364B6B}" dt="2025-05-20T17:20:34.492" v="175" actId="20577"/>
+        <pc:sldMkLst>
+          <pc:docMk/>
+          <pc:sldMk cId="1630845430" sldId="259"/>
+        </pc:sldMkLst>
+        <pc:spChg chg="mod ord">
+          <ac:chgData name="Debakker Stan" userId="S::stan.debakker@leerling.pti.be::dcaf6aa6-4ff3-4b00-8b67-253531728245" providerId="AD" clId="Web-{CDA6040E-08BC-C94E-91A6-1F3999364B6B}" dt="2025-05-20T17:20:12.475" v="171" actId="20577"/>
+          <ac:spMkLst>
+            <pc:docMk/>
+            <pc:sldMk cId="1630845430" sldId="259"/>
+            <ac:spMk id="2" creationId="{86055EF0-B1A5-9643-CE84-9B8EF6A28238}"/>
+          </ac:spMkLst>
+        </pc:spChg>
+        <pc:spChg chg="mod ord">
+          <ac:chgData name="Debakker Stan" userId="S::stan.debakker@leerling.pti.be::dcaf6aa6-4ff3-4b00-8b67-253531728245" providerId="AD" clId="Web-{CDA6040E-08BC-C94E-91A6-1F3999364B6B}" dt="2025-05-20T17:20:34.492" v="175" actId="20577"/>
+          <ac:spMkLst>
+            <pc:docMk/>
+            <pc:sldMk cId="1630845430" sldId="259"/>
+            <ac:spMk id="3" creationId="{CBD5305B-54B0-CB87-0155-2911FD019814}"/>
+          </ac:spMkLst>
+        </pc:spChg>
+      </pc:sldChg>
+      <pc:sldChg chg="modSp mod modClrScheme chgLayout">
+        <pc:chgData name="Debakker Stan" userId="S::stan.debakker@leerling.pti.be::dcaf6aa6-4ff3-4b00-8b67-253531728245" providerId="AD" clId="Web-{CDA6040E-08BC-C94E-91A6-1F3999364B6B}" dt="2025-05-20T17:15:58.395" v="84"/>
+        <pc:sldMkLst>
+          <pc:docMk/>
+          <pc:sldMk cId="1323475361" sldId="260"/>
+        </pc:sldMkLst>
+        <pc:spChg chg="mod ord">
+          <ac:chgData name="Debakker Stan" userId="S::stan.debakker@leerling.pti.be::dcaf6aa6-4ff3-4b00-8b67-253531728245" providerId="AD" clId="Web-{CDA6040E-08BC-C94E-91A6-1F3999364B6B}" dt="2025-05-20T17:15:58.395" v="84"/>
+          <ac:spMkLst>
+            <pc:docMk/>
+            <pc:sldMk cId="1323475361" sldId="260"/>
+            <ac:spMk id="2" creationId="{9FF24FD3-DFA7-2BD5-32FE-D96B9FE7A581}"/>
+          </ac:spMkLst>
+        </pc:spChg>
+        <pc:spChg chg="mod ord">
+          <ac:chgData name="Debakker Stan" userId="S::stan.debakker@leerling.pti.be::dcaf6aa6-4ff3-4b00-8b67-253531728245" providerId="AD" clId="Web-{CDA6040E-08BC-C94E-91A6-1F3999364B6B}" dt="2025-05-20T17:15:58.395" v="84"/>
+          <ac:spMkLst>
+            <pc:docMk/>
+            <pc:sldMk cId="1323475361" sldId="260"/>
+            <ac:spMk id="3" creationId="{D9CCB8FC-B83F-1887-36A4-F6C929BC8D08}"/>
+          </ac:spMkLst>
+        </pc:spChg>
+      </pc:sldChg>
+      <pc:sldChg chg="modSp mod modClrScheme chgLayout">
+        <pc:chgData name="Debakker Stan" userId="S::stan.debakker@leerling.pti.be::dcaf6aa6-4ff3-4b00-8b67-253531728245" providerId="AD" clId="Web-{CDA6040E-08BC-C94E-91A6-1F3999364B6B}" dt="2025-05-20T17:20:59.244" v="178" actId="1076"/>
+        <pc:sldMkLst>
+          <pc:docMk/>
+          <pc:sldMk cId="2107465529" sldId="261"/>
+        </pc:sldMkLst>
+        <pc:spChg chg="mod ord">
+          <ac:chgData name="Debakker Stan" userId="S::stan.debakker@leerling.pti.be::dcaf6aa6-4ff3-4b00-8b67-253531728245" providerId="AD" clId="Web-{CDA6040E-08BC-C94E-91A6-1F3999364B6B}" dt="2025-05-20T17:15:58.395" v="84"/>
+          <ac:spMkLst>
+            <pc:docMk/>
+            <pc:sldMk cId="2107465529" sldId="261"/>
+            <ac:spMk id="2" creationId="{F69FDD97-6625-4605-7B9C-17BC0E96D204}"/>
+          </ac:spMkLst>
+        </pc:spChg>
+        <pc:spChg chg="mod ord">
+          <ac:chgData name="Debakker Stan" userId="S::stan.debakker@leerling.pti.be::dcaf6aa6-4ff3-4b00-8b67-253531728245" providerId="AD" clId="Web-{CDA6040E-08BC-C94E-91A6-1F3999364B6B}" dt="2025-05-20T17:15:58.395" v="84"/>
+          <ac:spMkLst>
+            <pc:docMk/>
+            <pc:sldMk cId="2107465529" sldId="261"/>
+            <ac:spMk id="3" creationId="{25AFCCE5-279C-F675-7F2B-042FC85B3354}"/>
+          </ac:spMkLst>
+        </pc:spChg>
+        <pc:picChg chg="mod">
+          <ac:chgData name="Debakker Stan" userId="S::stan.debakker@leerling.pti.be::dcaf6aa6-4ff3-4b00-8b67-253531728245" providerId="AD" clId="Web-{CDA6040E-08BC-C94E-91A6-1F3999364B6B}" dt="2025-05-20T17:20:59.244" v="178" actId="1076"/>
+          <ac:picMkLst>
+            <pc:docMk/>
+            <pc:sldMk cId="2107465529" sldId="261"/>
+            <ac:picMk id="5" creationId="{58DCC40F-E9A5-3FDE-5775-3DE6E1882AE2}"/>
+          </ac:picMkLst>
+        </pc:picChg>
+      </pc:sldChg>
+      <pc:sldChg chg="modSp mod modClrScheme chgLayout">
+        <pc:chgData name="Debakker Stan" userId="S::stan.debakker@leerling.pti.be::dcaf6aa6-4ff3-4b00-8b67-253531728245" providerId="AD" clId="Web-{CDA6040E-08BC-C94E-91A6-1F3999364B6B}" dt="2025-05-20T17:15:58.395" v="84"/>
+        <pc:sldMkLst>
+          <pc:docMk/>
+          <pc:sldMk cId="783345087" sldId="262"/>
+        </pc:sldMkLst>
+        <pc:spChg chg="mod ord">
+          <ac:chgData name="Debakker Stan" userId="S::stan.debakker@leerling.pti.be::dcaf6aa6-4ff3-4b00-8b67-253531728245" providerId="AD" clId="Web-{CDA6040E-08BC-C94E-91A6-1F3999364B6B}" dt="2025-05-20T17:15:58.395" v="84"/>
+          <ac:spMkLst>
+            <pc:docMk/>
+            <pc:sldMk cId="783345087" sldId="262"/>
+            <ac:spMk id="2" creationId="{95C90E66-3580-C236-4D52-955C97F2359D}"/>
+          </ac:spMkLst>
+        </pc:spChg>
+        <pc:spChg chg="mod ord">
+          <ac:chgData name="Debakker Stan" userId="S::stan.debakker@leerling.pti.be::dcaf6aa6-4ff3-4b00-8b67-253531728245" providerId="AD" clId="Web-{CDA6040E-08BC-C94E-91A6-1F3999364B6B}" dt="2025-05-20T17:15:58.395" v="84"/>
+          <ac:spMkLst>
+            <pc:docMk/>
+            <pc:sldMk cId="783345087" sldId="262"/>
+            <ac:spMk id="3" creationId="{0C1AAD72-7AD2-666B-BEE6-1CAA4118FDCB}"/>
+          </ac:spMkLst>
+        </pc:spChg>
+      </pc:sldChg>
+      <pc:sldChg chg="modSp mod modClrScheme chgLayout">
+        <pc:chgData name="Debakker Stan" userId="S::stan.debakker@leerling.pti.be::dcaf6aa6-4ff3-4b00-8b67-253531728245" providerId="AD" clId="Web-{CDA6040E-08BC-C94E-91A6-1F3999364B6B}" dt="2025-05-20T17:21:12.854" v="181" actId="20577"/>
+        <pc:sldMkLst>
+          <pc:docMk/>
+          <pc:sldMk cId="2897846572" sldId="263"/>
+        </pc:sldMkLst>
+        <pc:spChg chg="mod ord">
+          <ac:chgData name="Debakker Stan" userId="S::stan.debakker@leerling.pti.be::dcaf6aa6-4ff3-4b00-8b67-253531728245" providerId="AD" clId="Web-{CDA6040E-08BC-C94E-91A6-1F3999364B6B}" dt="2025-05-20T17:21:12.854" v="181" actId="20577"/>
+          <ac:spMkLst>
+            <pc:docMk/>
+            <pc:sldMk cId="2897846572" sldId="263"/>
+            <ac:spMk id="2" creationId="{D5CAACA4-779B-17C5-E54D-439422E4B821}"/>
+          </ac:spMkLst>
+        </pc:spChg>
+        <pc:spChg chg="mod ord">
+          <ac:chgData name="Debakker Stan" userId="S::stan.debakker@leerling.pti.be::dcaf6aa6-4ff3-4b00-8b67-253531728245" providerId="AD" clId="Web-{CDA6040E-08BC-C94E-91A6-1F3999364B6B}" dt="2025-05-20T17:15:58.395" v="84"/>
+          <ac:spMkLst>
+            <pc:docMk/>
+            <pc:sldMk cId="2897846572" sldId="263"/>
+            <ac:spMk id="3" creationId="{A0FB64FB-D377-C3B3-B269-B1EE32E505C8}"/>
+          </ac:spMkLst>
+        </pc:spChg>
+      </pc:sldChg>
+      <pc:sldChg chg="modSp mod modClrScheme chgLayout">
+        <pc:chgData name="Debakker Stan" userId="S::stan.debakker@leerling.pti.be::dcaf6aa6-4ff3-4b00-8b67-253531728245" providerId="AD" clId="Web-{CDA6040E-08BC-C94E-91A6-1F3999364B6B}" dt="2025-05-20T17:15:58.395" v="84"/>
+        <pc:sldMkLst>
+          <pc:docMk/>
+          <pc:sldMk cId="1950788829" sldId="264"/>
+        </pc:sldMkLst>
+        <pc:spChg chg="mod ord">
+          <ac:chgData name="Debakker Stan" userId="S::stan.debakker@leerling.pti.be::dcaf6aa6-4ff3-4b00-8b67-253531728245" providerId="AD" clId="Web-{CDA6040E-08BC-C94E-91A6-1F3999364B6B}" dt="2025-05-20T17:15:58.395" v="84"/>
+          <ac:spMkLst>
+            <pc:docMk/>
+            <pc:sldMk cId="1950788829" sldId="264"/>
+            <ac:spMk id="2" creationId="{AE9D27F4-B44C-56B8-64AC-1B159CE59D78}"/>
+          </ac:spMkLst>
+        </pc:spChg>
+        <pc:spChg chg="mod ord">
+          <ac:chgData name="Debakker Stan" userId="S::stan.debakker@leerling.pti.be::dcaf6aa6-4ff3-4b00-8b67-253531728245" providerId="AD" clId="Web-{CDA6040E-08BC-C94E-91A6-1F3999364B6B}" dt="2025-05-20T17:15:58.395" v="84"/>
+          <ac:spMkLst>
+            <pc:docMk/>
+            <pc:sldMk cId="1950788829" sldId="264"/>
+            <ac:spMk id="3" creationId="{3CC036E1-3F02-C8D2-4983-17B928C294FD}"/>
+          </ac:spMkLst>
+        </pc:spChg>
+      </pc:sldChg>
+      <pc:sldMasterChg chg="del delSldLayout">
+        <pc:chgData name="Debakker Stan" userId="S::stan.debakker@leerling.pti.be::dcaf6aa6-4ff3-4b00-8b67-253531728245" providerId="AD" clId="Web-{CDA6040E-08BC-C94E-91A6-1F3999364B6B}" dt="2025-05-20T17:15:26.736" v="82"/>
+        <pc:sldMasterMkLst>
+          <pc:docMk/>
+          <pc:sldMasterMk cId="3411261727" sldId="2147483648"/>
+        </pc:sldMasterMkLst>
+        <pc:sldLayoutChg chg="del">
+          <pc:chgData name="Debakker Stan" userId="S::stan.debakker@leerling.pti.be::dcaf6aa6-4ff3-4b00-8b67-253531728245" providerId="AD" clId="Web-{CDA6040E-08BC-C94E-91A6-1F3999364B6B}" dt="2025-05-20T17:15:26.736" v="82"/>
+          <pc:sldLayoutMkLst>
+            <pc:docMk/>
+            <pc:sldMasterMk cId="3411261727" sldId="2147483648"/>
+            <pc:sldLayoutMk cId="3174767326" sldId="2147483649"/>
+          </pc:sldLayoutMkLst>
+        </pc:sldLayoutChg>
+        <pc:sldLayoutChg chg="del">
+          <pc:chgData name="Debakker Stan" userId="S::stan.debakker@leerling.pti.be::dcaf6aa6-4ff3-4b00-8b67-253531728245" providerId="AD" clId="Web-{CDA6040E-08BC-C94E-91A6-1F3999364B6B}" dt="2025-05-20T17:15:26.736" v="82"/>
+          <pc:sldLayoutMkLst>
+            <pc:docMk/>
+            <pc:sldMasterMk cId="3411261727" sldId="2147483648"/>
+            <pc:sldLayoutMk cId="132387843" sldId="2147483650"/>
+          </pc:sldLayoutMkLst>
+        </pc:sldLayoutChg>
+        <pc:sldLayoutChg chg="del">
+          <pc:chgData name="Debakker Stan" userId="S::stan.debakker@leerling.pti.be::dcaf6aa6-4ff3-4b00-8b67-253531728245" providerId="AD" clId="Web-{CDA6040E-08BC-C94E-91A6-1F3999364B6B}" dt="2025-05-20T17:15:26.736" v="82"/>
+          <pc:sldLayoutMkLst>
+            <pc:docMk/>
+            <pc:sldMasterMk cId="3411261727" sldId="2147483648"/>
+            <pc:sldLayoutMk cId="3061280970" sldId="2147483651"/>
+          </pc:sldLayoutMkLst>
+        </pc:sldLayoutChg>
+        <pc:sldLayoutChg chg="del">
+          <pc:chgData name="Debakker Stan" userId="S::stan.debakker@leerling.pti.be::dcaf6aa6-4ff3-4b00-8b67-253531728245" providerId="AD" clId="Web-{CDA6040E-08BC-C94E-91A6-1F3999364B6B}" dt="2025-05-20T17:15:26.736" v="82"/>
+          <pc:sldLayoutMkLst>
+            <pc:docMk/>
+            <pc:sldMasterMk cId="3411261727" sldId="2147483648"/>
+            <pc:sldLayoutMk cId="2333097451" sldId="2147483652"/>
+          </pc:sldLayoutMkLst>
+        </pc:sldLayoutChg>
+        <pc:sldLayoutChg chg="del">
+          <pc:chgData name="Debakker Stan" userId="S::stan.debakker@leerling.pti.be::dcaf6aa6-4ff3-4b00-8b67-253531728245" providerId="AD" clId="Web-{CDA6040E-08BC-C94E-91A6-1F3999364B6B}" dt="2025-05-20T17:15:26.736" v="82"/>
+          <pc:sldLayoutMkLst>
+            <pc:docMk/>
+            <pc:sldMasterMk cId="3411261727" sldId="2147483648"/>
+            <pc:sldLayoutMk cId="1933292807" sldId="2147483653"/>
+          </pc:sldLayoutMkLst>
+        </pc:sldLayoutChg>
+        <pc:sldLayoutChg chg="del">
+          <pc:chgData name="Debakker Stan" userId="S::stan.debakker@leerling.pti.be::dcaf6aa6-4ff3-4b00-8b67-253531728245" providerId="AD" clId="Web-{CDA6040E-08BC-C94E-91A6-1F3999364B6B}" dt="2025-05-20T17:15:26.736" v="82"/>
+          <pc:sldLayoutMkLst>
+            <pc:docMk/>
+            <pc:sldMasterMk cId="3411261727" sldId="2147483648"/>
+            <pc:sldLayoutMk cId="3888566098" sldId="2147483654"/>
+          </pc:sldLayoutMkLst>
+        </pc:sldLayoutChg>
+        <pc:sldLayoutChg chg="del">
+          <pc:chgData name="Debakker Stan" userId="S::stan.debakker@leerling.pti.be::dcaf6aa6-4ff3-4b00-8b67-253531728245" providerId="AD" clId="Web-{CDA6040E-08BC-C94E-91A6-1F3999364B6B}" dt="2025-05-20T17:15:26.736" v="82"/>
+          <pc:sldLayoutMkLst>
+            <pc:docMk/>
+            <pc:sldMasterMk cId="3411261727" sldId="2147483648"/>
+            <pc:sldLayoutMk cId="1714124319" sldId="2147483655"/>
+          </pc:sldLayoutMkLst>
+        </pc:sldLayoutChg>
+        <pc:sldLayoutChg chg="del">
+          <pc:chgData name="Debakker Stan" userId="S::stan.debakker@leerling.pti.be::dcaf6aa6-4ff3-4b00-8b67-253531728245" providerId="AD" clId="Web-{CDA6040E-08BC-C94E-91A6-1F3999364B6B}" dt="2025-05-20T17:15:26.736" v="82"/>
+          <pc:sldLayoutMkLst>
+            <pc:docMk/>
+            <pc:sldMasterMk cId="3411261727" sldId="2147483648"/>
+            <pc:sldLayoutMk cId="674766694" sldId="2147483656"/>
+          </pc:sldLayoutMkLst>
+        </pc:sldLayoutChg>
+        <pc:sldLayoutChg chg="del">
+          <pc:chgData name="Debakker Stan" userId="S::stan.debakker@leerling.pti.be::dcaf6aa6-4ff3-4b00-8b67-253531728245" providerId="AD" clId="Web-{CDA6040E-08BC-C94E-91A6-1F3999364B6B}" dt="2025-05-20T17:15:26.736" v="82"/>
+          <pc:sldLayoutMkLst>
+            <pc:docMk/>
+            <pc:sldMasterMk cId="3411261727" sldId="2147483648"/>
+            <pc:sldLayoutMk cId="2208058834" sldId="2147483657"/>
+          </pc:sldLayoutMkLst>
+        </pc:sldLayoutChg>
+        <pc:sldLayoutChg chg="del">
+          <pc:chgData name="Debakker Stan" userId="S::stan.debakker@leerling.pti.be::dcaf6aa6-4ff3-4b00-8b67-253531728245" providerId="AD" clId="Web-{CDA6040E-08BC-C94E-91A6-1F3999364B6B}" dt="2025-05-20T17:15:26.736" v="82"/>
+          <pc:sldLayoutMkLst>
+            <pc:docMk/>
+            <pc:sldMasterMk cId="3411261727" sldId="2147483648"/>
+            <pc:sldLayoutMk cId="1976541618" sldId="2147483658"/>
+          </pc:sldLayoutMkLst>
+        </pc:sldLayoutChg>
+        <pc:sldLayoutChg chg="del">
+          <pc:chgData name="Debakker Stan" userId="S::stan.debakker@leerling.pti.be::dcaf6aa6-4ff3-4b00-8b67-253531728245" providerId="AD" clId="Web-{CDA6040E-08BC-C94E-91A6-1F3999364B6B}" dt="2025-05-20T17:15:26.736" v="82"/>
+          <pc:sldLayoutMkLst>
+            <pc:docMk/>
+            <pc:sldMasterMk cId="3411261727" sldId="2147483648"/>
+            <pc:sldLayoutMk cId="3698474734" sldId="2147483659"/>
+          </pc:sldLayoutMkLst>
+        </pc:sldLayoutChg>
+      </pc:sldMasterChg>
+      <pc:sldMasterChg chg="add del addSldLayout delSldLayout modSldLayout">
+        <pc:chgData name="Debakker Stan" userId="S::stan.debakker@leerling.pti.be::dcaf6aa6-4ff3-4b00-8b67-253531728245" providerId="AD" clId="Web-{CDA6040E-08BC-C94E-91A6-1F3999364B6B}" dt="2025-05-20T17:15:58.395" v="84"/>
+        <pc:sldMasterMkLst>
+          <pc:docMk/>
+          <pc:sldMasterMk cId="2235598099" sldId="2147483660"/>
+        </pc:sldMasterMkLst>
+        <pc:sldLayoutChg chg="add del mod replId">
+          <pc:chgData name="Debakker Stan" userId="S::stan.debakker@leerling.pti.be::dcaf6aa6-4ff3-4b00-8b67-253531728245" providerId="AD" clId="Web-{CDA6040E-08BC-C94E-91A6-1F3999364B6B}" dt="2025-05-20T17:15:58.395" v="84"/>
+          <pc:sldLayoutMkLst>
+            <pc:docMk/>
+            <pc:sldMasterMk cId="2235598099" sldId="2147483660"/>
+            <pc:sldLayoutMk cId="2205372810" sldId="2147483661"/>
+          </pc:sldLayoutMkLst>
+        </pc:sldLayoutChg>
+        <pc:sldLayoutChg chg="add del mod replId">
+          <pc:chgData name="Debakker Stan" userId="S::stan.debakker@leerling.pti.be::dcaf6aa6-4ff3-4b00-8b67-253531728245" providerId="AD" clId="Web-{CDA6040E-08BC-C94E-91A6-1F3999364B6B}" dt="2025-05-20T17:15:58.395" v="84"/>
+          <pc:sldLayoutMkLst>
+            <pc:docMk/>
+            <pc:sldMasterMk cId="2235598099" sldId="2147483660"/>
+            <pc:sldLayoutMk cId="556872512" sldId="2147483662"/>
+          </pc:sldLayoutMkLst>
+        </pc:sldLayoutChg>
+        <pc:sldLayoutChg chg="add del mod replId">
+          <pc:chgData name="Debakker Stan" userId="S::stan.debakker@leerling.pti.be::dcaf6aa6-4ff3-4b00-8b67-253531728245" providerId="AD" clId="Web-{CDA6040E-08BC-C94E-91A6-1F3999364B6B}" dt="2025-05-20T17:15:58.395" v="84"/>
+          <pc:sldLayoutMkLst>
+            <pc:docMk/>
+            <pc:sldMasterMk cId="2235598099" sldId="2147483660"/>
+            <pc:sldLayoutMk cId="1629800970" sldId="2147483663"/>
+          </pc:sldLayoutMkLst>
+        </pc:sldLayoutChg>
+        <pc:sldLayoutChg chg="add del mod replId">
+          <pc:chgData name="Debakker Stan" userId="S::stan.debakker@leerling.pti.be::dcaf6aa6-4ff3-4b00-8b67-253531728245" providerId="AD" clId="Web-{CDA6040E-08BC-C94E-91A6-1F3999364B6B}" dt="2025-05-20T17:15:58.395" v="84"/>
+          <pc:sldLayoutMkLst>
+            <pc:docMk/>
+            <pc:sldMasterMk cId="2235598099" sldId="2147483660"/>
+            <pc:sldLayoutMk cId="633122685" sldId="2147483664"/>
+          </pc:sldLayoutMkLst>
+        </pc:sldLayoutChg>
+        <pc:sldLayoutChg chg="add del mod replId">
+          <pc:chgData name="Debakker Stan" userId="S::stan.debakker@leerling.pti.be::dcaf6aa6-4ff3-4b00-8b67-253531728245" providerId="AD" clId="Web-{CDA6040E-08BC-C94E-91A6-1F3999364B6B}" dt="2025-05-20T17:15:58.395" v="84"/>
+          <pc:sldLayoutMkLst>
+            <pc:docMk/>
+            <pc:sldMasterMk cId="2235598099" sldId="2147483660"/>
+            <pc:sldLayoutMk cId="3928940886" sldId="2147483665"/>
+          </pc:sldLayoutMkLst>
+        </pc:sldLayoutChg>
+        <pc:sldLayoutChg chg="add del mod replId">
+          <pc:chgData name="Debakker Stan" userId="S::stan.debakker@leerling.pti.be::dcaf6aa6-4ff3-4b00-8b67-253531728245" providerId="AD" clId="Web-{CDA6040E-08BC-C94E-91A6-1F3999364B6B}" dt="2025-05-20T17:15:58.395" v="84"/>
+          <pc:sldLayoutMkLst>
+            <pc:docMk/>
+            <pc:sldMasterMk cId="2235598099" sldId="2147483660"/>
+            <pc:sldLayoutMk cId="2161405716" sldId="2147483666"/>
+          </pc:sldLayoutMkLst>
+        </pc:sldLayoutChg>
+        <pc:sldLayoutChg chg="add del mod replId">
+          <pc:chgData name="Debakker Stan" userId="S::stan.debakker@leerling.pti.be::dcaf6aa6-4ff3-4b00-8b67-253531728245" providerId="AD" clId="Web-{CDA6040E-08BC-C94E-91A6-1F3999364B6B}" dt="2025-05-20T17:15:58.395" v="84"/>
+          <pc:sldLayoutMkLst>
+            <pc:docMk/>
+            <pc:sldMasterMk cId="2235598099" sldId="2147483660"/>
+            <pc:sldLayoutMk cId="803893404" sldId="2147483667"/>
+          </pc:sldLayoutMkLst>
+        </pc:sldLayoutChg>
+        <pc:sldLayoutChg chg="add del mod replId">
+          <pc:chgData name="Debakker Stan" userId="S::stan.debakker@leerling.pti.be::dcaf6aa6-4ff3-4b00-8b67-253531728245" providerId="AD" clId="Web-{CDA6040E-08BC-C94E-91A6-1F3999364B6B}" dt="2025-05-20T17:15:58.395" v="84"/>
+          <pc:sldLayoutMkLst>
+            <pc:docMk/>
+            <pc:sldMasterMk cId="2235598099" sldId="2147483660"/>
+            <pc:sldLayoutMk cId="858594102" sldId="2147483668"/>
+          </pc:sldLayoutMkLst>
+        </pc:sldLayoutChg>
+        <pc:sldLayoutChg chg="add del mod replId">
+          <pc:chgData name="Debakker Stan" userId="S::stan.debakker@leerling.pti.be::dcaf6aa6-4ff3-4b00-8b67-253531728245" providerId="AD" clId="Web-{CDA6040E-08BC-C94E-91A6-1F3999364B6B}" dt="2025-05-20T17:15:58.395" v="84"/>
+          <pc:sldLayoutMkLst>
+            <pc:docMk/>
+            <pc:sldMasterMk cId="2235598099" sldId="2147483660"/>
+            <pc:sldLayoutMk cId="130182152" sldId="2147483669"/>
+          </pc:sldLayoutMkLst>
+        </pc:sldLayoutChg>
+        <pc:sldLayoutChg chg="add del mod replId">
+          <pc:chgData name="Debakker Stan" userId="S::stan.debakker@leerling.pti.be::dcaf6aa6-4ff3-4b00-8b67-253531728245" providerId="AD" clId="Web-{CDA6040E-08BC-C94E-91A6-1F3999364B6B}" dt="2025-05-20T17:15:58.395" v="84"/>
+          <pc:sldLayoutMkLst>
+            <pc:docMk/>
+            <pc:sldMasterMk cId="2235598099" sldId="2147483660"/>
+            <pc:sldLayoutMk cId="341497256" sldId="2147483670"/>
+          </pc:sldLayoutMkLst>
+        </pc:sldLayoutChg>
+        <pc:sldLayoutChg chg="add del mod replId">
+          <pc:chgData name="Debakker Stan" userId="S::stan.debakker@leerling.pti.be::dcaf6aa6-4ff3-4b00-8b67-253531728245" providerId="AD" clId="Web-{CDA6040E-08BC-C94E-91A6-1F3999364B6B}" dt="2025-05-20T17:15:58.395" v="84"/>
+          <pc:sldLayoutMkLst>
+            <pc:docMk/>
+            <pc:sldMasterMk cId="2235598099" sldId="2147483660"/>
+            <pc:sldLayoutMk cId="394339845" sldId="2147483671"/>
+          </pc:sldLayoutMkLst>
+        </pc:sldLayoutChg>
+      </pc:sldMasterChg>
+      <pc:sldMasterChg chg="add addSldLayout modSldLayout">
+        <pc:chgData name="Debakker Stan" userId="S::stan.debakker@leerling.pti.be::dcaf6aa6-4ff3-4b00-8b67-253531728245" providerId="AD" clId="Web-{CDA6040E-08BC-C94E-91A6-1F3999364B6B}" dt="2025-05-20T17:15:58.395" v="84"/>
+        <pc:sldMasterMkLst>
+          <pc:docMk/>
+          <pc:sldMasterMk cId="3841217708" sldId="2147483672"/>
+        </pc:sldMasterMkLst>
+        <pc:sldLayoutChg chg="add mod replId">
+          <pc:chgData name="Debakker Stan" userId="S::stan.debakker@leerling.pti.be::dcaf6aa6-4ff3-4b00-8b67-253531728245" providerId="AD" clId="Web-{CDA6040E-08BC-C94E-91A6-1F3999364B6B}" dt="2025-05-20T17:15:58.395" v="84"/>
+          <pc:sldLayoutMkLst>
+            <pc:docMk/>
+            <pc:sldMasterMk cId="3841217708" sldId="2147483672"/>
+            <pc:sldLayoutMk cId="168150130" sldId="2147483673"/>
+          </pc:sldLayoutMkLst>
+        </pc:sldLayoutChg>
+        <pc:sldLayoutChg chg="add mod replId">
+          <pc:chgData name="Debakker Stan" userId="S::stan.debakker@leerling.pti.be::dcaf6aa6-4ff3-4b00-8b67-253531728245" providerId="AD" clId="Web-{CDA6040E-08BC-C94E-91A6-1F3999364B6B}" dt="2025-05-20T17:15:58.395" v="84"/>
+          <pc:sldLayoutMkLst>
+            <pc:docMk/>
+            <pc:sldMasterMk cId="3841217708" sldId="2147483672"/>
+            <pc:sldLayoutMk cId="981956986" sldId="2147483674"/>
+          </pc:sldLayoutMkLst>
+        </pc:sldLayoutChg>
+        <pc:sldLayoutChg chg="add mod replId">
+          <pc:chgData name="Debakker Stan" userId="S::stan.debakker@leerling.pti.be::dcaf6aa6-4ff3-4b00-8b67-253531728245" providerId="AD" clId="Web-{CDA6040E-08BC-C94E-91A6-1F3999364B6B}" dt="2025-05-20T17:15:58.395" v="84"/>
+          <pc:sldLayoutMkLst>
+            <pc:docMk/>
+            <pc:sldMasterMk cId="3841217708" sldId="2147483672"/>
+            <pc:sldLayoutMk cId="530790293" sldId="2147483675"/>
+          </pc:sldLayoutMkLst>
+        </pc:sldLayoutChg>
+        <pc:sldLayoutChg chg="add mod replId">
+          <pc:chgData name="Debakker Stan" userId="S::stan.debakker@leerling.pti.be::dcaf6aa6-4ff3-4b00-8b67-253531728245" providerId="AD" clId="Web-{CDA6040E-08BC-C94E-91A6-1F3999364B6B}" dt="2025-05-20T17:15:58.395" v="84"/>
+          <pc:sldLayoutMkLst>
+            <pc:docMk/>
+            <pc:sldMasterMk cId="3841217708" sldId="2147483672"/>
+            <pc:sldLayoutMk cId="3347561464" sldId="2147483676"/>
+          </pc:sldLayoutMkLst>
+        </pc:sldLayoutChg>
+        <pc:sldLayoutChg chg="add mod replId">
+          <pc:chgData name="Debakker Stan" userId="S::stan.debakker@leerling.pti.be::dcaf6aa6-4ff3-4b00-8b67-253531728245" providerId="AD" clId="Web-{CDA6040E-08BC-C94E-91A6-1F3999364B6B}" dt="2025-05-20T17:15:58.395" v="84"/>
+          <pc:sldLayoutMkLst>
+            <pc:docMk/>
+            <pc:sldMasterMk cId="3841217708" sldId="2147483672"/>
+            <pc:sldLayoutMk cId="699020197" sldId="2147483677"/>
+          </pc:sldLayoutMkLst>
+        </pc:sldLayoutChg>
+        <pc:sldLayoutChg chg="add mod replId">
+          <pc:chgData name="Debakker Stan" userId="S::stan.debakker@leerling.pti.be::dcaf6aa6-4ff3-4b00-8b67-253531728245" providerId="AD" clId="Web-{CDA6040E-08BC-C94E-91A6-1F3999364B6B}" dt="2025-05-20T17:15:58.395" v="84"/>
+          <pc:sldLayoutMkLst>
+            <pc:docMk/>
+            <pc:sldMasterMk cId="3841217708" sldId="2147483672"/>
+            <pc:sldLayoutMk cId="3387393070" sldId="2147483678"/>
+          </pc:sldLayoutMkLst>
+        </pc:sldLayoutChg>
+        <pc:sldLayoutChg chg="add mod replId">
+          <pc:chgData name="Debakker Stan" userId="S::stan.debakker@leerling.pti.be::dcaf6aa6-4ff3-4b00-8b67-253531728245" providerId="AD" clId="Web-{CDA6040E-08BC-C94E-91A6-1F3999364B6B}" dt="2025-05-20T17:15:58.395" v="84"/>
+          <pc:sldLayoutMkLst>
+            <pc:docMk/>
+            <pc:sldMasterMk cId="3841217708" sldId="2147483672"/>
+            <pc:sldLayoutMk cId="559999285" sldId="2147483679"/>
+          </pc:sldLayoutMkLst>
+        </pc:sldLayoutChg>
+        <pc:sldLayoutChg chg="add mod replId">
+          <pc:chgData name="Debakker Stan" userId="S::stan.debakker@leerling.pti.be::dcaf6aa6-4ff3-4b00-8b67-253531728245" providerId="AD" clId="Web-{CDA6040E-08BC-C94E-91A6-1F3999364B6B}" dt="2025-05-20T17:15:58.395" v="84"/>
+          <pc:sldLayoutMkLst>
+            <pc:docMk/>
+            <pc:sldMasterMk cId="3841217708" sldId="2147483672"/>
+            <pc:sldLayoutMk cId="2132262262" sldId="2147483680"/>
+          </pc:sldLayoutMkLst>
+        </pc:sldLayoutChg>
+        <pc:sldLayoutChg chg="add mod replId">
+          <pc:chgData name="Debakker Stan" userId="S::stan.debakker@leerling.pti.be::dcaf6aa6-4ff3-4b00-8b67-253531728245" providerId="AD" clId="Web-{CDA6040E-08BC-C94E-91A6-1F3999364B6B}" dt="2025-05-20T17:15:58.395" v="84"/>
+          <pc:sldLayoutMkLst>
+            <pc:docMk/>
+            <pc:sldMasterMk cId="3841217708" sldId="2147483672"/>
+            <pc:sldLayoutMk cId="2933474894" sldId="2147483681"/>
+          </pc:sldLayoutMkLst>
+        </pc:sldLayoutChg>
+        <pc:sldLayoutChg chg="add mod replId">
+          <pc:chgData name="Debakker Stan" userId="S::stan.debakker@leerling.pti.be::dcaf6aa6-4ff3-4b00-8b67-253531728245" providerId="AD" clId="Web-{CDA6040E-08BC-C94E-91A6-1F3999364B6B}" dt="2025-05-20T17:15:58.395" v="84"/>
+          <pc:sldLayoutMkLst>
+            <pc:docMk/>
+            <pc:sldMasterMk cId="3841217708" sldId="2147483672"/>
+            <pc:sldLayoutMk cId="1409229748" sldId="2147483682"/>
+          </pc:sldLayoutMkLst>
+        </pc:sldLayoutChg>
+        <pc:sldLayoutChg chg="add mod replId">
+          <pc:chgData name="Debakker Stan" userId="S::stan.debakker@leerling.pti.be::dcaf6aa6-4ff3-4b00-8b67-253531728245" providerId="AD" clId="Web-{CDA6040E-08BC-C94E-91A6-1F3999364B6B}" dt="2025-05-20T17:15:58.395" v="84"/>
+          <pc:sldLayoutMkLst>
+            <pc:docMk/>
+            <pc:sldMasterMk cId="3841217708" sldId="2147483672"/>
+            <pc:sldLayoutMk cId="228536410" sldId="2147483683"/>
+          </pc:sldLayoutMkLst>
+        </pc:sldLayoutChg>
+      </pc:sldMasterChg>
+    </pc:docChg>
+  </pc:docChgLst>
+  <pc:docChgLst>
     <pc:chgData name="Debakker Stan" userId="dcaf6aa6-4ff3-4b00-8b67-253531728245" providerId="ADAL" clId="{0AA9A39B-73AC-4DFD-BE12-D0BA0F090D19}"/>
-    <pc:docChg chg="custSel addSld modSld">
-      <pc:chgData name="Debakker Stan" userId="dcaf6aa6-4ff3-4b00-8b67-253531728245" providerId="ADAL" clId="{0AA9A39B-73AC-4DFD-BE12-D0BA0F090D19}" dt="2025-05-20T16:35:36.505" v="956" actId="478"/>
+    <pc:docChg chg="undo custSel addSld modSld">
+      <pc:chgData name="Debakker Stan" userId="dcaf6aa6-4ff3-4b00-8b67-253531728245" providerId="ADAL" clId="{0AA9A39B-73AC-4DFD-BE12-D0BA0F090D19}" dt="2025-05-21T19:10:47.577" v="1014" actId="1076"/>
       <pc:docMkLst>
         <pc:docMk/>
       </pc:docMkLst>
@@ -229,8 +802,8 @@
           </ac:spMkLst>
         </pc:spChg>
       </pc:sldChg>
-      <pc:sldChg chg="modSp new mod">
-        <pc:chgData name="Debakker Stan" userId="dcaf6aa6-4ff3-4b00-8b67-253531728245" providerId="ADAL" clId="{0AA9A39B-73AC-4DFD-BE12-D0BA0F090D19}" dt="2025-05-11T15:19:14.009" v="660" actId="313"/>
+      <pc:sldChg chg="addSp modSp new mod">
+        <pc:chgData name="Debakker Stan" userId="dcaf6aa6-4ff3-4b00-8b67-253531728245" providerId="ADAL" clId="{0AA9A39B-73AC-4DFD-BE12-D0BA0F090D19}" dt="2025-05-21T19:10:47.577" v="1014" actId="1076"/>
         <pc:sldMkLst>
           <pc:docMk/>
           <pc:sldMk cId="1323475361" sldId="260"/>
@@ -251,9 +824,25 @@
             <ac:spMk id="3" creationId="{D9CCB8FC-B83F-1887-36A4-F6C929BC8D08}"/>
           </ac:spMkLst>
         </pc:spChg>
+        <pc:picChg chg="add mod modCrop">
+          <ac:chgData name="Debakker Stan" userId="dcaf6aa6-4ff3-4b00-8b67-253531728245" providerId="ADAL" clId="{0AA9A39B-73AC-4DFD-BE12-D0BA0F090D19}" dt="2025-05-21T18:41:01.974" v="973" actId="14100"/>
+          <ac:picMkLst>
+            <pc:docMk/>
+            <pc:sldMk cId="1323475361" sldId="260"/>
+            <ac:picMk id="5" creationId="{67152253-B16D-FF82-3650-15DE4511B656}"/>
+          </ac:picMkLst>
+        </pc:picChg>
+        <pc:picChg chg="add mod modCrop">
+          <ac:chgData name="Debakker Stan" userId="dcaf6aa6-4ff3-4b00-8b67-253531728245" providerId="ADAL" clId="{0AA9A39B-73AC-4DFD-BE12-D0BA0F090D19}" dt="2025-05-21T19:10:47.577" v="1014" actId="1076"/>
+          <ac:picMkLst>
+            <pc:docMk/>
+            <pc:sldMk cId="1323475361" sldId="260"/>
+            <ac:picMk id="7" creationId="{CA1307D1-04A8-24C3-BD12-5F2A810DAFF5}"/>
+          </ac:picMkLst>
+        </pc:picChg>
       </pc:sldChg>
       <pc:sldChg chg="addSp modSp new mod">
-        <pc:chgData name="Debakker Stan" userId="dcaf6aa6-4ff3-4b00-8b67-253531728245" providerId="ADAL" clId="{0AA9A39B-73AC-4DFD-BE12-D0BA0F090D19}" dt="2025-05-20T16:25:21.586" v="900" actId="14100"/>
+        <pc:chgData name="Debakker Stan" userId="dcaf6aa6-4ff3-4b00-8b67-253531728245" providerId="ADAL" clId="{0AA9A39B-73AC-4DFD-BE12-D0BA0F090D19}" dt="2025-05-21T18:44:34.116" v="981" actId="14100"/>
         <pc:sldMkLst>
           <pc:docMk/>
           <pc:sldMk cId="2107465529" sldId="261"/>
@@ -282,15 +871,23 @@
             <ac:picMk id="5" creationId="{58DCC40F-E9A5-3FDE-5775-3DE6E1882AE2}"/>
           </ac:picMkLst>
         </pc:picChg>
+        <pc:picChg chg="add mod modCrop">
+          <ac:chgData name="Debakker Stan" userId="dcaf6aa6-4ff3-4b00-8b67-253531728245" providerId="ADAL" clId="{0AA9A39B-73AC-4DFD-BE12-D0BA0F090D19}" dt="2025-05-21T18:44:34.116" v="981" actId="14100"/>
+          <ac:picMkLst>
+            <pc:docMk/>
+            <pc:sldMk cId="2107465529" sldId="261"/>
+            <ac:picMk id="6" creationId="{8C820836-5DAA-0459-A144-23DC8FF18198}"/>
+          </ac:picMkLst>
+        </pc:picChg>
       </pc:sldChg>
-      <pc:sldChg chg="modSp new mod">
-        <pc:chgData name="Debakker Stan" userId="dcaf6aa6-4ff3-4b00-8b67-253531728245" providerId="ADAL" clId="{0AA9A39B-73AC-4DFD-BE12-D0BA0F090D19}" dt="2025-05-20T16:26:09.459" v="921" actId="313"/>
+      <pc:sldChg chg="addSp delSp modSp new mod modClrScheme chgLayout">
+        <pc:chgData name="Debakker Stan" userId="dcaf6aa6-4ff3-4b00-8b67-253531728245" providerId="ADAL" clId="{0AA9A39B-73AC-4DFD-BE12-D0BA0F090D19}" dt="2025-05-21T19:08:53.104" v="1005" actId="14100"/>
         <pc:sldMkLst>
           <pc:docMk/>
           <pc:sldMk cId="783345087" sldId="262"/>
         </pc:sldMkLst>
         <pc:spChg chg="mod">
-          <ac:chgData name="Debakker Stan" userId="dcaf6aa6-4ff3-4b00-8b67-253531728245" providerId="ADAL" clId="{0AA9A39B-73AC-4DFD-BE12-D0BA0F090D19}" dt="2025-05-11T15:21:40.940" v="778" actId="20577"/>
+          <ac:chgData name="Debakker Stan" userId="dcaf6aa6-4ff3-4b00-8b67-253531728245" providerId="ADAL" clId="{0AA9A39B-73AC-4DFD-BE12-D0BA0F090D19}" dt="2025-05-21T18:36:33.054" v="958" actId="26606"/>
           <ac:spMkLst>
             <pc:docMk/>
             <pc:sldMk cId="783345087" sldId="262"/>
@@ -298,13 +895,69 @@
           </ac:spMkLst>
         </pc:spChg>
         <pc:spChg chg="mod">
-          <ac:chgData name="Debakker Stan" userId="dcaf6aa6-4ff3-4b00-8b67-253531728245" providerId="ADAL" clId="{0AA9A39B-73AC-4DFD-BE12-D0BA0F090D19}" dt="2025-05-20T16:26:09.459" v="921" actId="313"/>
+          <ac:chgData name="Debakker Stan" userId="dcaf6aa6-4ff3-4b00-8b67-253531728245" providerId="ADAL" clId="{0AA9A39B-73AC-4DFD-BE12-D0BA0F090D19}" dt="2025-05-21T18:36:33.054" v="958" actId="26606"/>
           <ac:spMkLst>
             <pc:docMk/>
             <pc:sldMk cId="783345087" sldId="262"/>
             <ac:spMk id="3" creationId="{0C1AAD72-7AD2-666B-BEE6-1CAA4118FDCB}"/>
           </ac:spMkLst>
         </pc:spChg>
+        <pc:spChg chg="add mod">
+          <ac:chgData name="Debakker Stan" userId="dcaf6aa6-4ff3-4b00-8b67-253531728245" providerId="ADAL" clId="{0AA9A39B-73AC-4DFD-BE12-D0BA0F090D19}" dt="2025-05-21T18:36:56.278" v="964" actId="26606"/>
+          <ac:spMkLst>
+            <pc:docMk/>
+            <pc:sldMk cId="783345087" sldId="262"/>
+            <ac:spMk id="10" creationId="{B0C82FC4-0042-AA28-A1E6-5C35D3EC9E8E}"/>
+          </ac:spMkLst>
+        </pc:spChg>
+        <pc:spChg chg="add mod">
+          <ac:chgData name="Debakker Stan" userId="dcaf6aa6-4ff3-4b00-8b67-253531728245" providerId="ADAL" clId="{0AA9A39B-73AC-4DFD-BE12-D0BA0F090D19}" dt="2025-05-21T18:36:56.278" v="964" actId="26606"/>
+          <ac:spMkLst>
+            <pc:docMk/>
+            <pc:sldMk cId="783345087" sldId="262"/>
+            <ac:spMk id="12" creationId="{FCB605D1-0A35-E65F-5439-04B9568CD4ED}"/>
+          </ac:spMkLst>
+        </pc:spChg>
+        <pc:spChg chg="add mod">
+          <ac:chgData name="Debakker Stan" userId="dcaf6aa6-4ff3-4b00-8b67-253531728245" providerId="ADAL" clId="{0AA9A39B-73AC-4DFD-BE12-D0BA0F090D19}" dt="2025-05-21T18:36:56.278" v="964" actId="26606"/>
+          <ac:spMkLst>
+            <pc:docMk/>
+            <pc:sldMk cId="783345087" sldId="262"/>
+            <ac:spMk id="14" creationId="{F2A1BFEA-1D99-2933-BD82-9751BAC68E98}"/>
+          </ac:spMkLst>
+        </pc:spChg>
+        <pc:picChg chg="add del mod modCrop">
+          <ac:chgData name="Debakker Stan" userId="dcaf6aa6-4ff3-4b00-8b67-253531728245" providerId="ADAL" clId="{0AA9A39B-73AC-4DFD-BE12-D0BA0F090D19}" dt="2025-05-21T19:08:09.506" v="998" actId="478"/>
+          <ac:picMkLst>
+            <pc:docMk/>
+            <pc:sldMk cId="783345087" sldId="262"/>
+            <ac:picMk id="5" creationId="{D6EA653A-8173-E8F7-F071-BD335ADD9931}"/>
+          </ac:picMkLst>
+        </pc:picChg>
+        <pc:picChg chg="add del">
+          <ac:chgData name="Debakker Stan" userId="dcaf6aa6-4ff3-4b00-8b67-253531728245" providerId="ADAL" clId="{0AA9A39B-73AC-4DFD-BE12-D0BA0F090D19}" dt="2025-05-21T19:06:58.583" v="983" actId="22"/>
+          <ac:picMkLst>
+            <pc:docMk/>
+            <pc:sldMk cId="783345087" sldId="262"/>
+            <ac:picMk id="7" creationId="{3B7BF13E-376D-EFA3-3A53-07C22E3079D2}"/>
+          </ac:picMkLst>
+        </pc:picChg>
+        <pc:picChg chg="add del mod modCrop">
+          <ac:chgData name="Debakker Stan" userId="dcaf6aa6-4ff3-4b00-8b67-253531728245" providerId="ADAL" clId="{0AA9A39B-73AC-4DFD-BE12-D0BA0F090D19}" dt="2025-05-21T19:08:06.573" v="997" actId="478"/>
+          <ac:picMkLst>
+            <pc:docMk/>
+            <pc:sldMk cId="783345087" sldId="262"/>
+            <ac:picMk id="9" creationId="{769A1B39-7C8F-1633-1683-DC936654E26B}"/>
+          </ac:picMkLst>
+        </pc:picChg>
+        <pc:picChg chg="add mod modCrop">
+          <ac:chgData name="Debakker Stan" userId="dcaf6aa6-4ff3-4b00-8b67-253531728245" providerId="ADAL" clId="{0AA9A39B-73AC-4DFD-BE12-D0BA0F090D19}" dt="2025-05-21T19:08:53.104" v="1005" actId="14100"/>
+          <ac:picMkLst>
+            <pc:docMk/>
+            <pc:sldMk cId="783345087" sldId="262"/>
+            <ac:picMk id="13" creationId="{28A9E81A-F788-C008-0CAC-BF479FE893CF}"/>
+          </ac:picMkLst>
+        </pc:picChg>
       </pc:sldChg>
       <pc:sldChg chg="addSp delSp modSp new mod">
         <pc:chgData name="Debakker Stan" userId="dcaf6aa6-4ff3-4b00-8b67-253531728245" providerId="ADAL" clId="{0AA9A39B-73AC-4DFD-BE12-D0BA0F090D19}" dt="2025-05-20T16:35:36.505" v="956" actId="478"/>
@@ -367,7 +1020,7 @@
 
 <file path=ppt/slideLayouts/slideLayout1.xml><?xml version="1.0" encoding="utf-8"?>
 <p:sldLayout xmlns:a="http://schemas.openxmlformats.org/drawingml/2006/main" xmlns:r="http://schemas.openxmlformats.org/officeDocument/2006/relationships" xmlns:p="http://schemas.openxmlformats.org/presentationml/2006/main" type="title" preserve="1">
-  <p:cSld name="Titeldia">
+  <p:cSld name="Title Slide">
     <p:spTree>
       <p:nvGrpSpPr>
         <p:cNvPr id="1" name=""/>
@@ -384,10 +1037,10 @@
       </p:grpSpPr>
       <p:sp>
         <p:nvSpPr>
-          <p:cNvPr id="2" name="Titel 1">
-            <a:extLst>
-              <a:ext uri="{FF2B5EF4-FFF2-40B4-BE49-F238E27FC236}">
-                <a16:creationId xmlns:a16="http://schemas.microsoft.com/office/drawing/2014/main" id="{0D532911-9EAC-23BC-BD8D-02A1ACB8604A}"/>
+          <p:cNvPr id="2" name="Title 1">
+            <a:extLst>
+              <a:ext uri="{FF2B5EF4-FFF2-40B4-BE49-F238E27FC236}">
+                <a16:creationId xmlns:a16="http://schemas.microsoft.com/office/drawing/2014/main" id="{898DE6C8-AB1D-4204-BC9C-3366B0BF0435}"/>
               </a:ext>
             </a:extLst>
           </p:cNvPr>
@@ -400,31 +1053,33 @@
         </p:nvSpPr>
         <p:spPr>
           <a:xfrm>
-            <a:off x="1524000" y="1122363"/>
-            <a:ext cx="9144000" cy="2387600"/>
+            <a:off x="678426" y="889820"/>
+            <a:ext cx="9989574" cy="3598606"/>
           </a:xfrm>
         </p:spPr>
         <p:txBody>
-          <a:bodyPr anchor="b"/>
+          <a:bodyPr anchor="t">
+            <a:normAutofit/>
+          </a:bodyPr>
           <a:lstStyle>
-            <a:lvl1pPr algn="ctr">
-              <a:defRPr sz="6000"/>
+            <a:lvl1pPr algn="l">
+              <a:defRPr sz="5400"/>
             </a:lvl1pPr>
           </a:lstStyle>
           <a:p>
             <a:r>
-              <a:rPr lang="nl-NL"/>
-              <a:t>Klik om stijl te bewerken</a:t>
-            </a:r>
-          </a:p>
-        </p:txBody>
-      </p:sp>
-      <p:sp>
-        <p:nvSpPr>
-          <p:cNvPr id="3" name="Ondertitel 2">
-            <a:extLst>
-              <a:ext uri="{FF2B5EF4-FFF2-40B4-BE49-F238E27FC236}">
-                <a16:creationId xmlns:a16="http://schemas.microsoft.com/office/drawing/2014/main" id="{B58F4638-13A7-FAF7-033C-19E914B5FE7C}"/>
+              <a:rPr lang="en-US" dirty="0"/>
+              <a:t>Click to edit Master title style</a:t>
+            </a:r>
+          </a:p>
+        </p:txBody>
+      </p:sp>
+      <p:sp>
+        <p:nvSpPr>
+          <p:cNvPr id="3" name="Subtitle 2">
+            <a:extLst>
+              <a:ext uri="{FF2B5EF4-FFF2-40B4-BE49-F238E27FC236}">
+                <a16:creationId xmlns:a16="http://schemas.microsoft.com/office/drawing/2014/main" id="{7A7B9009-EE50-4EE5-B6EB-CD6EC83D3FA3}"/>
               </a:ext>
             </a:extLst>
           </p:cNvPr>
@@ -437,16 +1092,18 @@
         </p:nvSpPr>
         <p:spPr>
           <a:xfrm>
-            <a:off x="1524000" y="3602038"/>
-            <a:ext cx="9144000" cy="1655762"/>
+            <a:off x="678426" y="4488426"/>
+            <a:ext cx="6991776" cy="1302774"/>
           </a:xfrm>
         </p:spPr>
         <p:txBody>
-          <a:bodyPr/>
+          <a:bodyPr anchor="b">
+            <a:normAutofit/>
+          </a:bodyPr>
           <a:lstStyle>
-            <a:lvl1pPr marL="0" indent="0" algn="ctr">
-              <a:buNone/>
-              <a:defRPr sz="2400"/>
+            <a:lvl1pPr marL="0" indent="0" algn="l">
+              <a:buNone/>
+              <a:defRPr sz="2000"/>
             </a:lvl1pPr>
             <a:lvl2pPr marL="457200" indent="0" algn="ctr">
               <a:buNone/>
@@ -483,18 +1140,18 @@
           </a:lstStyle>
           <a:p>
             <a:r>
-              <a:rPr lang="nl-NL"/>
-              <a:t>Klikken om de ondertitelstijl van het model te bewerken</a:t>
-            </a:r>
-          </a:p>
-        </p:txBody>
-      </p:sp>
-      <p:sp>
-        <p:nvSpPr>
-          <p:cNvPr id="4" name="Tijdelijke aanduiding voor datum 3">
-            <a:extLst>
-              <a:ext uri="{FF2B5EF4-FFF2-40B4-BE49-F238E27FC236}">
-                <a16:creationId xmlns:a16="http://schemas.microsoft.com/office/drawing/2014/main" id="{EBFA1996-9A7F-037D-16A5-297081A38005}"/>
+              <a:rPr lang="en-US" dirty="0"/>
+              <a:t>Click to edit Master subtitle style</a:t>
+            </a:r>
+          </a:p>
+        </p:txBody>
+      </p:sp>
+      <p:sp>
+        <p:nvSpPr>
+          <p:cNvPr id="4" name="Date Placeholder 3">
+            <a:extLst>
+              <a:ext uri="{FF2B5EF4-FFF2-40B4-BE49-F238E27FC236}">
+                <a16:creationId xmlns:a16="http://schemas.microsoft.com/office/drawing/2014/main" id="{99C8667E-058A-436F-B8EA-5B3A99D43D09}"/>
               </a:ext>
             </a:extLst>
           </p:cNvPr>
@@ -510,20 +1167,20 @@
           <a:bodyPr/>
           <a:lstStyle/>
           <a:p>
-            <a:fld id="{D3A58194-11B3-4AEE-8F9C-7C4B4F2B911F}" type="datetimeFigureOut">
-              <a:rPr lang="nl-NL" smtClean="0"/>
-              <a:t>20-5-2025</a:t>
+            <a:fld id="{12575099-B3AD-44D7-919B-BCB6DC3E7F21}" type="datetimeFigureOut">
+              <a:rPr lang="en-US" dirty="0"/>
+              <a:t>5/21/2025</a:t>
             </a:fld>
-            <a:endParaRPr lang="nl-NL"/>
-          </a:p>
-        </p:txBody>
-      </p:sp>
-      <p:sp>
-        <p:nvSpPr>
-          <p:cNvPr id="5" name="Tijdelijke aanduiding voor voettekst 4">
-            <a:extLst>
-              <a:ext uri="{FF2B5EF4-FFF2-40B4-BE49-F238E27FC236}">
-                <a16:creationId xmlns:a16="http://schemas.microsoft.com/office/drawing/2014/main" id="{45ED3822-4678-860A-B9C9-12E1796E9495}"/>
+            <a:endParaRPr lang="en-US" dirty="0"/>
+          </a:p>
+        </p:txBody>
+      </p:sp>
+      <p:sp>
+        <p:nvSpPr>
+          <p:cNvPr id="5" name="Footer Placeholder 4">
+            <a:extLst>
+              <a:ext uri="{FF2B5EF4-FFF2-40B4-BE49-F238E27FC236}">
+                <a16:creationId xmlns:a16="http://schemas.microsoft.com/office/drawing/2014/main" id="{52680305-1AD7-482D-BFFD-6CDB83AB39A4}"/>
               </a:ext>
             </a:extLst>
           </p:cNvPr>
@@ -539,16 +1196,20 @@
           <a:bodyPr/>
           <a:lstStyle/>
           <a:p>
-            <a:endParaRPr lang="nl-NL"/>
-          </a:p>
-        </p:txBody>
-      </p:sp>
-      <p:sp>
-        <p:nvSpPr>
-          <p:cNvPr id="6" name="Tijdelijke aanduiding voor dianummer 5">
-            <a:extLst>
-              <a:ext uri="{FF2B5EF4-FFF2-40B4-BE49-F238E27FC236}">
-                <a16:creationId xmlns:a16="http://schemas.microsoft.com/office/drawing/2014/main" id="{B9C73B2C-5373-A565-EF18-0F9B68F15954}"/>
+            <a:r>
+              <a:rPr lang="en-US" dirty="0"/>
+              <a:t>
+              </a:t>
+            </a:r>
+          </a:p>
+        </p:txBody>
+      </p:sp>
+      <p:sp>
+        <p:nvSpPr>
+          <p:cNvPr id="6" name="Slide Number Placeholder 5">
+            <a:extLst>
+              <a:ext uri="{FF2B5EF4-FFF2-40B4-BE49-F238E27FC236}">
+                <a16:creationId xmlns:a16="http://schemas.microsoft.com/office/drawing/2014/main" id="{BE5762A1-52E9-402D-B65E-DF193E44CE83}"/>
               </a:ext>
             </a:extLst>
           </p:cNvPr>
@@ -564,30 +1225,35 @@
           <a:bodyPr/>
           <a:lstStyle/>
           <a:p>
-            <a:fld id="{E39FA209-AB76-4517-953C-48CC81EAE92A}" type="slidenum">
-              <a:rPr lang="nl-NL" smtClean="0"/>
+            <a:fld id="{E30AF5A0-43BB-4336-8627-9123B9144D80}" type="slidenum">
+              <a:rPr lang="en-US" dirty="0"/>
               <a:t>‹nr.›</a:t>
             </a:fld>
-            <a:endParaRPr lang="nl-NL"/>
+            <a:endParaRPr lang="en-US" dirty="0"/>
           </a:p>
         </p:txBody>
       </p:sp>
     </p:spTree>
     <p:extLst>
       <p:ext uri="{BB962C8B-B14F-4D97-AF65-F5344CB8AC3E}">
-        <p14:creationId xmlns:p14="http://schemas.microsoft.com/office/powerpoint/2010/main" val="3174767326"/>
+        <p14:creationId xmlns:p14="http://schemas.microsoft.com/office/powerpoint/2010/main" val="168150130"/>
       </p:ext>
     </p:extLst>
   </p:cSld>
   <p:clrMapOvr>
     <a:masterClrMapping/>
   </p:clrMapOvr>
+  <p:extLst>
+    <p:ext uri="{DCECCB84-F9BA-43D5-87BE-67443E8EF086}">
+      <p15:sldGuideLst xmlns:p15="http://schemas.microsoft.com/office/powerpoint/2012/main"/>
+    </p:ext>
+  </p:extLst>
 </p:sldLayout>
 </file>
 
 <file path=ppt/slideLayouts/slideLayout10.xml><?xml version="1.0" encoding="utf-8"?>
 <p:sldLayout xmlns:a="http://schemas.openxmlformats.org/drawingml/2006/main" xmlns:r="http://schemas.openxmlformats.org/officeDocument/2006/relationships" xmlns:p="http://schemas.openxmlformats.org/presentationml/2006/main" type="vertTx" preserve="1">
-  <p:cSld name="Titel en verticale tekst">
+  <p:cSld name="Title and Vertical Text">
     <p:spTree>
       <p:nvGrpSpPr>
         <p:cNvPr id="1" name=""/>
@@ -604,10 +1270,10 @@
       </p:grpSpPr>
       <p:sp>
         <p:nvSpPr>
-          <p:cNvPr id="2" name="Titel 1">
-            <a:extLst>
-              <a:ext uri="{FF2B5EF4-FFF2-40B4-BE49-F238E27FC236}">
-                <a16:creationId xmlns:a16="http://schemas.microsoft.com/office/drawing/2014/main" id="{0789B8AC-A508-E775-1A71-56B530027AE4}"/>
+          <p:cNvPr id="2" name="Title 1">
+            <a:extLst>
+              <a:ext uri="{FF2B5EF4-FFF2-40B4-BE49-F238E27FC236}">
+                <a16:creationId xmlns:a16="http://schemas.microsoft.com/office/drawing/2014/main" id="{7D6359C1-C098-4BF4-A55D-782F4E606B8A}"/>
               </a:ext>
             </a:extLst>
           </p:cNvPr>
@@ -624,18 +1290,18 @@
           <a:lstStyle/>
           <a:p>
             <a:r>
-              <a:rPr lang="nl-NL"/>
-              <a:t>Klik om stijl te bewerken</a:t>
-            </a:r>
-          </a:p>
-        </p:txBody>
-      </p:sp>
-      <p:sp>
-        <p:nvSpPr>
-          <p:cNvPr id="3" name="Tijdelijke aanduiding voor verticale tekst 2">
-            <a:extLst>
-              <a:ext uri="{FF2B5EF4-FFF2-40B4-BE49-F238E27FC236}">
-                <a16:creationId xmlns:a16="http://schemas.microsoft.com/office/drawing/2014/main" id="{77D5D28C-669D-1C6A-BF74-0BF16CFFCFCA}"/>
+              <a:rPr lang="en-US" dirty="0"/>
+              <a:t>Click to edit Master title style</a:t>
+            </a:r>
+          </a:p>
+        </p:txBody>
+      </p:sp>
+      <p:sp>
+        <p:nvSpPr>
+          <p:cNvPr id="3" name="Vertical Text Placeholder 2">
+            <a:extLst>
+              <a:ext uri="{FF2B5EF4-FFF2-40B4-BE49-F238E27FC236}">
+                <a16:creationId xmlns:a16="http://schemas.microsoft.com/office/drawing/2014/main" id="{3D343C7E-1E8B-4D38-9B81-1AA2A8978EDE}"/>
               </a:ext>
             </a:extLst>
           </p:cNvPr>
@@ -653,46 +1319,46 @@
           <a:p>
             <a:pPr lvl="0"/>
             <a:r>
-              <a:rPr lang="nl-NL"/>
-              <a:t>Klikken om de tekststijl van het model te bewerken</a:t>
+              <a:rPr lang="en-US" dirty="0"/>
+              <a:t>Click to edit Master text styles</a:t>
             </a:r>
           </a:p>
           <a:p>
             <a:pPr lvl="1"/>
             <a:r>
-              <a:rPr lang="nl-NL"/>
-              <a:t>Tweede niveau</a:t>
+              <a:rPr lang="en-US" dirty="0"/>
+              <a:t>Second level</a:t>
             </a:r>
           </a:p>
           <a:p>
             <a:pPr lvl="2"/>
             <a:r>
-              <a:rPr lang="nl-NL"/>
-              <a:t>Derde niveau</a:t>
+              <a:rPr lang="en-US" dirty="0"/>
+              <a:t>Third level</a:t>
             </a:r>
           </a:p>
           <a:p>
             <a:pPr lvl="3"/>
             <a:r>
-              <a:rPr lang="nl-NL"/>
-              <a:t>Vierde niveau</a:t>
+              <a:rPr lang="en-US" dirty="0"/>
+              <a:t>Fourth level</a:t>
             </a:r>
           </a:p>
           <a:p>
             <a:pPr lvl="4"/>
             <a:r>
-              <a:rPr lang="nl-NL"/>
-              <a:t>Vijfde niveau</a:t>
-            </a:r>
-          </a:p>
-        </p:txBody>
-      </p:sp>
-      <p:sp>
-        <p:nvSpPr>
-          <p:cNvPr id="4" name="Tijdelijke aanduiding voor datum 3">
-            <a:extLst>
-              <a:ext uri="{FF2B5EF4-FFF2-40B4-BE49-F238E27FC236}">
-                <a16:creationId xmlns:a16="http://schemas.microsoft.com/office/drawing/2014/main" id="{DDE4E4C2-C13B-3356-A736-928A9DAF3881}"/>
+              <a:rPr lang="en-US" dirty="0"/>
+              <a:t>Fifth level</a:t>
+            </a:r>
+          </a:p>
+        </p:txBody>
+      </p:sp>
+      <p:sp>
+        <p:nvSpPr>
+          <p:cNvPr id="4" name="Date Placeholder 3">
+            <a:extLst>
+              <a:ext uri="{FF2B5EF4-FFF2-40B4-BE49-F238E27FC236}">
+                <a16:creationId xmlns:a16="http://schemas.microsoft.com/office/drawing/2014/main" id="{C8A70B00-53AE-4D3F-91BE-A8D789ED9864}"/>
               </a:ext>
             </a:extLst>
           </p:cNvPr>
@@ -708,20 +1374,20 @@
           <a:bodyPr/>
           <a:lstStyle/>
           <a:p>
-            <a:fld id="{D3A58194-11B3-4AEE-8F9C-7C4B4F2B911F}" type="datetimeFigureOut">
-              <a:rPr lang="nl-NL" smtClean="0"/>
-              <a:t>20-5-2025</a:t>
+            <a:fld id="{F18115DA-6CBC-4AEF-A85F-371C66916CF8}" type="datetimeFigureOut">
+              <a:rPr lang="en-US" dirty="0"/>
+              <a:t>5/21/2025</a:t>
             </a:fld>
-            <a:endParaRPr lang="nl-NL"/>
-          </a:p>
-        </p:txBody>
-      </p:sp>
-      <p:sp>
-        <p:nvSpPr>
-          <p:cNvPr id="5" name="Tijdelijke aanduiding voor voettekst 4">
-            <a:extLst>
-              <a:ext uri="{FF2B5EF4-FFF2-40B4-BE49-F238E27FC236}">
-                <a16:creationId xmlns:a16="http://schemas.microsoft.com/office/drawing/2014/main" id="{8536FA94-2CA6-E49D-D501-BF4233A24868}"/>
+            <a:endParaRPr lang="en-US" dirty="0"/>
+          </a:p>
+        </p:txBody>
+      </p:sp>
+      <p:sp>
+        <p:nvSpPr>
+          <p:cNvPr id="5" name="Footer Placeholder 4">
+            <a:extLst>
+              <a:ext uri="{FF2B5EF4-FFF2-40B4-BE49-F238E27FC236}">
+                <a16:creationId xmlns:a16="http://schemas.microsoft.com/office/drawing/2014/main" id="{06647FC7-8124-4F70-A849-B6BCC5189CC3}"/>
               </a:ext>
             </a:extLst>
           </p:cNvPr>
@@ -737,16 +1403,20 @@
           <a:bodyPr/>
           <a:lstStyle/>
           <a:p>
-            <a:endParaRPr lang="nl-NL"/>
-          </a:p>
-        </p:txBody>
-      </p:sp>
-      <p:sp>
-        <p:nvSpPr>
-          <p:cNvPr id="6" name="Tijdelijke aanduiding voor dianummer 5">
-            <a:extLst>
-              <a:ext uri="{FF2B5EF4-FFF2-40B4-BE49-F238E27FC236}">
-                <a16:creationId xmlns:a16="http://schemas.microsoft.com/office/drawing/2014/main" id="{2C01A027-56CF-4270-124E-A04ADB4BEC9A}"/>
+            <a:r>
+              <a:rPr lang="en-US" dirty="0"/>
+              <a:t>
+              </a:t>
+            </a:r>
+          </a:p>
+        </p:txBody>
+      </p:sp>
+      <p:sp>
+        <p:nvSpPr>
+          <p:cNvPr id="6" name="Slide Number Placeholder 5">
+            <a:extLst>
+              <a:ext uri="{FF2B5EF4-FFF2-40B4-BE49-F238E27FC236}">
+                <a16:creationId xmlns:a16="http://schemas.microsoft.com/office/drawing/2014/main" id="{B47CEBE4-50DC-47DB-B699-CCC024336C9F}"/>
               </a:ext>
             </a:extLst>
           </p:cNvPr>
@@ -762,30 +1432,35 @@
           <a:bodyPr/>
           <a:lstStyle/>
           <a:p>
-            <a:fld id="{E39FA209-AB76-4517-953C-48CC81EAE92A}" type="slidenum">
-              <a:rPr lang="nl-NL" smtClean="0"/>
+            <a:fld id="{E30AF5A0-43BB-4336-8627-9123B9144D80}" type="slidenum">
+              <a:rPr lang="en-US" dirty="0"/>
               <a:t>‹nr.›</a:t>
             </a:fld>
-            <a:endParaRPr lang="nl-NL"/>
+            <a:endParaRPr lang="en-US" dirty="0"/>
           </a:p>
         </p:txBody>
       </p:sp>
     </p:spTree>
     <p:extLst>
       <p:ext uri="{BB962C8B-B14F-4D97-AF65-F5344CB8AC3E}">
-        <p14:creationId xmlns:p14="http://schemas.microsoft.com/office/powerpoint/2010/main" val="1976541618"/>
+        <p14:creationId xmlns:p14="http://schemas.microsoft.com/office/powerpoint/2010/main" val="1409229748"/>
       </p:ext>
     </p:extLst>
   </p:cSld>
   <p:clrMapOvr>
     <a:masterClrMapping/>
   </p:clrMapOvr>
+  <p:extLst>
+    <p:ext uri="{DCECCB84-F9BA-43D5-87BE-67443E8EF086}">
+      <p15:sldGuideLst xmlns:p15="http://schemas.microsoft.com/office/powerpoint/2012/main"/>
+    </p:ext>
+  </p:extLst>
 </p:sldLayout>
 </file>
 
 <file path=ppt/slideLayouts/slideLayout11.xml><?xml version="1.0" encoding="utf-8"?>
 <p:sldLayout xmlns:a="http://schemas.openxmlformats.org/drawingml/2006/main" xmlns:r="http://schemas.openxmlformats.org/officeDocument/2006/relationships" xmlns:p="http://schemas.openxmlformats.org/presentationml/2006/main" type="vertTitleAndTx" preserve="1">
-  <p:cSld name="Verticale titel en tekst">
+  <p:cSld name="Vertical Title and Text">
     <p:spTree>
       <p:nvGrpSpPr>
         <p:cNvPr id="1" name=""/>
@@ -802,10 +1477,10 @@
       </p:grpSpPr>
       <p:sp>
         <p:nvSpPr>
-          <p:cNvPr id="2" name="Verticale titel 1">
-            <a:extLst>
-              <a:ext uri="{FF2B5EF4-FFF2-40B4-BE49-F238E27FC236}">
-                <a16:creationId xmlns:a16="http://schemas.microsoft.com/office/drawing/2014/main" id="{DAA343BC-54A1-DB51-7ED0-AE608354445E}"/>
+          <p:cNvPr id="2" name="Vertical Title 1">
+            <a:extLst>
+              <a:ext uri="{FF2B5EF4-FFF2-40B4-BE49-F238E27FC236}">
+                <a16:creationId xmlns:a16="http://schemas.microsoft.com/office/drawing/2014/main" id="{4B418279-D3B8-4C6A-AB74-9DE377771270}"/>
               </a:ext>
             </a:extLst>
           </p:cNvPr>
@@ -818,8 +1493,8 @@
         </p:nvSpPr>
         <p:spPr>
           <a:xfrm>
-            <a:off x="8724900" y="365125"/>
-            <a:ext cx="2628900" cy="5811838"/>
+            <a:off x="9242322" y="997974"/>
+            <a:ext cx="2349043" cy="4984956"/>
           </a:xfrm>
         </p:spPr>
         <p:txBody>
@@ -827,18 +1502,18 @@
           <a:lstStyle/>
           <a:p>
             <a:r>
-              <a:rPr lang="nl-NL"/>
-              <a:t>Klik om stijl te bewerken</a:t>
-            </a:r>
-          </a:p>
-        </p:txBody>
-      </p:sp>
-      <p:sp>
-        <p:nvSpPr>
-          <p:cNvPr id="3" name="Tijdelijke aanduiding voor verticale tekst 2">
-            <a:extLst>
-              <a:ext uri="{FF2B5EF4-FFF2-40B4-BE49-F238E27FC236}">
-                <a16:creationId xmlns:a16="http://schemas.microsoft.com/office/drawing/2014/main" id="{53CF86A9-868E-1E26-961F-1E6A306A7AB0}"/>
+              <a:rPr lang="en-US" dirty="0"/>
+              <a:t>Click to edit Master title style</a:t>
+            </a:r>
+          </a:p>
+        </p:txBody>
+      </p:sp>
+      <p:sp>
+        <p:nvSpPr>
+          <p:cNvPr id="3" name="Vertical Text Placeholder 2">
+            <a:extLst>
+              <a:ext uri="{FF2B5EF4-FFF2-40B4-BE49-F238E27FC236}">
+                <a16:creationId xmlns:a16="http://schemas.microsoft.com/office/drawing/2014/main" id="{E28F733C-9309-4197-BACA-207CDC8935C9}"/>
               </a:ext>
             </a:extLst>
           </p:cNvPr>
@@ -851,8 +1526,8 @@
         </p:nvSpPr>
         <p:spPr>
           <a:xfrm>
-            <a:off x="838200" y="365125"/>
-            <a:ext cx="7734300" cy="5811838"/>
+            <a:off x="838200" y="997973"/>
+            <a:ext cx="8404122" cy="4984956"/>
           </a:xfrm>
         </p:spPr>
         <p:txBody>
@@ -861,46 +1536,46 @@
           <a:p>
             <a:pPr lvl="0"/>
             <a:r>
-              <a:rPr lang="nl-NL"/>
-              <a:t>Klikken om de tekststijl van het model te bewerken</a:t>
+              <a:rPr lang="en-US" dirty="0"/>
+              <a:t>Click to edit Master text styles</a:t>
             </a:r>
           </a:p>
           <a:p>
             <a:pPr lvl="1"/>
             <a:r>
-              <a:rPr lang="nl-NL"/>
-              <a:t>Tweede niveau</a:t>
+              <a:rPr lang="en-US" dirty="0"/>
+              <a:t>Second level</a:t>
             </a:r>
           </a:p>
           <a:p>
             <a:pPr lvl="2"/>
             <a:r>
-              <a:rPr lang="nl-NL"/>
-              <a:t>Derde niveau</a:t>
+              <a:rPr lang="en-US" dirty="0"/>
+              <a:t>Third level</a:t>
             </a:r>
           </a:p>
           <a:p>
             <a:pPr lvl="3"/>
             <a:r>
-              <a:rPr lang="nl-NL"/>
-              <a:t>Vierde niveau</a:t>
+              <a:rPr lang="en-US" dirty="0"/>
+              <a:t>Fourth level</a:t>
             </a:r>
           </a:p>
           <a:p>
             <a:pPr lvl="4"/>
             <a:r>
-              <a:rPr lang="nl-NL"/>
-              <a:t>Vijfde niveau</a:t>
-            </a:r>
-          </a:p>
-        </p:txBody>
-      </p:sp>
-      <p:sp>
-        <p:nvSpPr>
-          <p:cNvPr id="4" name="Tijdelijke aanduiding voor datum 3">
-            <a:extLst>
-              <a:ext uri="{FF2B5EF4-FFF2-40B4-BE49-F238E27FC236}">
-                <a16:creationId xmlns:a16="http://schemas.microsoft.com/office/drawing/2014/main" id="{53B2347A-DC87-A0AA-144C-EBBE06A71DB1}"/>
+              <a:rPr lang="en-US" dirty="0"/>
+              <a:t>Fifth level</a:t>
+            </a:r>
+          </a:p>
+        </p:txBody>
+      </p:sp>
+      <p:sp>
+        <p:nvSpPr>
+          <p:cNvPr id="4" name="Date Placeholder 3">
+            <a:extLst>
+              <a:ext uri="{FF2B5EF4-FFF2-40B4-BE49-F238E27FC236}">
+                <a16:creationId xmlns:a16="http://schemas.microsoft.com/office/drawing/2014/main" id="{56ACD4D0-5BE6-412D-B08B-5DFFD593513E}"/>
               </a:ext>
             </a:extLst>
           </p:cNvPr>
@@ -916,20 +1591,20 @@
           <a:bodyPr/>
           <a:lstStyle/>
           <a:p>
-            <a:fld id="{D3A58194-11B3-4AEE-8F9C-7C4B4F2B911F}" type="datetimeFigureOut">
-              <a:rPr lang="nl-NL" smtClean="0"/>
-              <a:t>20-5-2025</a:t>
+            <a:fld id="{2A6007E4-95E8-4ABC-B20B-51235318A487}" type="datetimeFigureOut">
+              <a:rPr lang="en-US" dirty="0"/>
+              <a:t>5/21/2025</a:t>
             </a:fld>
-            <a:endParaRPr lang="nl-NL"/>
-          </a:p>
-        </p:txBody>
-      </p:sp>
-      <p:sp>
-        <p:nvSpPr>
-          <p:cNvPr id="5" name="Tijdelijke aanduiding voor voettekst 4">
-            <a:extLst>
-              <a:ext uri="{FF2B5EF4-FFF2-40B4-BE49-F238E27FC236}">
-                <a16:creationId xmlns:a16="http://schemas.microsoft.com/office/drawing/2014/main" id="{D028D326-A204-68F3-1F0E-2C6C1659DB54}"/>
+            <a:endParaRPr lang="en-US" dirty="0"/>
+          </a:p>
+        </p:txBody>
+      </p:sp>
+      <p:sp>
+        <p:nvSpPr>
+          <p:cNvPr id="5" name="Footer Placeholder 4">
+            <a:extLst>
+              <a:ext uri="{FF2B5EF4-FFF2-40B4-BE49-F238E27FC236}">
+                <a16:creationId xmlns:a16="http://schemas.microsoft.com/office/drawing/2014/main" id="{55021651-B786-4A39-A10F-F5231D0A2C5E}"/>
               </a:ext>
             </a:extLst>
           </p:cNvPr>
@@ -945,16 +1620,20 @@
           <a:bodyPr/>
           <a:lstStyle/>
           <a:p>
-            <a:endParaRPr lang="nl-NL"/>
-          </a:p>
-        </p:txBody>
-      </p:sp>
-      <p:sp>
-        <p:nvSpPr>
-          <p:cNvPr id="6" name="Tijdelijke aanduiding voor dianummer 5">
-            <a:extLst>
-              <a:ext uri="{FF2B5EF4-FFF2-40B4-BE49-F238E27FC236}">
-                <a16:creationId xmlns:a16="http://schemas.microsoft.com/office/drawing/2014/main" id="{DBF46EFA-D5D6-5C73-F5D9-14CCF8DF7EA9}"/>
+            <a:r>
+              <a:rPr lang="en-US" dirty="0"/>
+              <a:t>
+              </a:t>
+            </a:r>
+          </a:p>
+        </p:txBody>
+      </p:sp>
+      <p:sp>
+        <p:nvSpPr>
+          <p:cNvPr id="6" name="Slide Number Placeholder 5">
+            <a:extLst>
+              <a:ext uri="{FF2B5EF4-FFF2-40B4-BE49-F238E27FC236}">
+                <a16:creationId xmlns:a16="http://schemas.microsoft.com/office/drawing/2014/main" id="{74504D2D-9379-40DE-9F45-3004BE54F16B}"/>
               </a:ext>
             </a:extLst>
           </p:cNvPr>
@@ -970,30 +1649,35 @@
           <a:bodyPr/>
           <a:lstStyle/>
           <a:p>
-            <a:fld id="{E39FA209-AB76-4517-953C-48CC81EAE92A}" type="slidenum">
-              <a:rPr lang="nl-NL" smtClean="0"/>
+            <a:fld id="{E30AF5A0-43BB-4336-8627-9123B9144D80}" type="slidenum">
+              <a:rPr lang="en-US" dirty="0"/>
               <a:t>‹nr.›</a:t>
             </a:fld>
-            <a:endParaRPr lang="nl-NL"/>
+            <a:endParaRPr lang="en-US" dirty="0"/>
           </a:p>
         </p:txBody>
       </p:sp>
     </p:spTree>
     <p:extLst>
       <p:ext uri="{BB962C8B-B14F-4D97-AF65-F5344CB8AC3E}">
-        <p14:creationId xmlns:p14="http://schemas.microsoft.com/office/powerpoint/2010/main" val="3698474734"/>
+        <p14:creationId xmlns:p14="http://schemas.microsoft.com/office/powerpoint/2010/main" val="228536410"/>
       </p:ext>
     </p:extLst>
   </p:cSld>
   <p:clrMapOvr>
     <a:masterClrMapping/>
   </p:clrMapOvr>
+  <p:extLst>
+    <p:ext uri="{DCECCB84-F9BA-43D5-87BE-67443E8EF086}">
+      <p15:sldGuideLst xmlns:p15="http://schemas.microsoft.com/office/powerpoint/2012/main"/>
+    </p:ext>
+  </p:extLst>
 </p:sldLayout>
 </file>
 
 <file path=ppt/slideLayouts/slideLayout2.xml><?xml version="1.0" encoding="utf-8"?>
 <p:sldLayout xmlns:a="http://schemas.openxmlformats.org/drawingml/2006/main" xmlns:r="http://schemas.openxmlformats.org/officeDocument/2006/relationships" xmlns:p="http://schemas.openxmlformats.org/presentationml/2006/main" type="obj" preserve="1">
-  <p:cSld name="Titel en object">
+  <p:cSld name="Title and Content">
     <p:spTree>
       <p:nvGrpSpPr>
         <p:cNvPr id="1" name=""/>
@@ -1010,10 +1694,10 @@
       </p:grpSpPr>
       <p:sp>
         <p:nvSpPr>
-          <p:cNvPr id="2" name="Titel 1">
-            <a:extLst>
-              <a:ext uri="{FF2B5EF4-FFF2-40B4-BE49-F238E27FC236}">
-                <a16:creationId xmlns:a16="http://schemas.microsoft.com/office/drawing/2014/main" id="{C4968978-1EAB-035D-C034-0BF329163024}"/>
+          <p:cNvPr id="2" name="Title 1">
+            <a:extLst>
+              <a:ext uri="{FF2B5EF4-FFF2-40B4-BE49-F238E27FC236}">
+                <a16:creationId xmlns:a16="http://schemas.microsoft.com/office/drawing/2014/main" id="{5A987CA6-BFD9-4CB1-8892-F6B062E82445}"/>
               </a:ext>
             </a:extLst>
           </p:cNvPr>
@@ -1030,18 +1714,18 @@
           <a:lstStyle/>
           <a:p>
             <a:r>
-              <a:rPr lang="nl-NL"/>
-              <a:t>Klik om stijl te bewerken</a:t>
-            </a:r>
-          </a:p>
-        </p:txBody>
-      </p:sp>
-      <p:sp>
-        <p:nvSpPr>
-          <p:cNvPr id="3" name="Tijdelijke aanduiding voor inhoud 2">
-            <a:extLst>
-              <a:ext uri="{FF2B5EF4-FFF2-40B4-BE49-F238E27FC236}">
-                <a16:creationId xmlns:a16="http://schemas.microsoft.com/office/drawing/2014/main" id="{FF73A806-F859-7645-F9C6-338A6AE2DBF0}"/>
+              <a:rPr lang="en-US" dirty="0"/>
+              <a:t>Click to edit Master title style</a:t>
+            </a:r>
+          </a:p>
+        </p:txBody>
+      </p:sp>
+      <p:sp>
+        <p:nvSpPr>
+          <p:cNvPr id="3" name="Content Placeholder 2">
+            <a:extLst>
+              <a:ext uri="{FF2B5EF4-FFF2-40B4-BE49-F238E27FC236}">
+                <a16:creationId xmlns:a16="http://schemas.microsoft.com/office/drawing/2014/main" id="{E0CDA8C3-9C0C-4E52-9A62-E4DB159E6B0E}"/>
               </a:ext>
             </a:extLst>
           </p:cNvPr>
@@ -1059,46 +1743,46 @@
           <a:p>
             <a:pPr lvl="0"/>
             <a:r>
-              <a:rPr lang="nl-NL"/>
-              <a:t>Klikken om de tekststijl van het model te bewerken</a:t>
+              <a:rPr lang="en-US" dirty="0"/>
+              <a:t>Click to edit Master text styles</a:t>
             </a:r>
           </a:p>
           <a:p>
             <a:pPr lvl="1"/>
             <a:r>
-              <a:rPr lang="nl-NL"/>
-              <a:t>Tweede niveau</a:t>
+              <a:rPr lang="en-US" dirty="0"/>
+              <a:t>Second level</a:t>
             </a:r>
           </a:p>
           <a:p>
             <a:pPr lvl="2"/>
             <a:r>
-              <a:rPr lang="nl-NL"/>
-              <a:t>Derde niveau</a:t>
+              <a:rPr lang="en-US" dirty="0"/>
+              <a:t>Third level</a:t>
             </a:r>
           </a:p>
           <a:p>
             <a:pPr lvl="3"/>
             <a:r>
-              <a:rPr lang="nl-NL"/>
-              <a:t>Vierde niveau</a:t>
+              <a:rPr lang="en-US" dirty="0"/>
+              <a:t>Fourth level</a:t>
             </a:r>
           </a:p>
           <a:p>
             <a:pPr lvl="4"/>
             <a:r>
-              <a:rPr lang="nl-NL"/>
-              <a:t>Vijfde niveau</a:t>
-            </a:r>
-          </a:p>
-        </p:txBody>
-      </p:sp>
-      <p:sp>
-        <p:nvSpPr>
-          <p:cNvPr id="4" name="Tijdelijke aanduiding voor datum 3">
-            <a:extLst>
-              <a:ext uri="{FF2B5EF4-FFF2-40B4-BE49-F238E27FC236}">
-                <a16:creationId xmlns:a16="http://schemas.microsoft.com/office/drawing/2014/main" id="{15C9C042-B48A-5E5E-192A-3FB6DC4A6408}"/>
+              <a:rPr lang="en-US" dirty="0"/>
+              <a:t>Fifth level</a:t>
+            </a:r>
+          </a:p>
+        </p:txBody>
+      </p:sp>
+      <p:sp>
+        <p:nvSpPr>
+          <p:cNvPr id="4" name="Date Placeholder 3">
+            <a:extLst>
+              <a:ext uri="{FF2B5EF4-FFF2-40B4-BE49-F238E27FC236}">
+                <a16:creationId xmlns:a16="http://schemas.microsoft.com/office/drawing/2014/main" id="{7CC3EC35-E02F-41FF-9232-F90692A902FC}"/>
               </a:ext>
             </a:extLst>
           </p:cNvPr>
@@ -1114,20 +1798,20 @@
           <a:bodyPr/>
           <a:lstStyle/>
           <a:p>
-            <a:fld id="{D3A58194-11B3-4AEE-8F9C-7C4B4F2B911F}" type="datetimeFigureOut">
-              <a:rPr lang="nl-NL" smtClean="0"/>
-              <a:t>20-5-2025</a:t>
+            <a:fld id="{2A4BF121-2723-4D35-ADA9-215CD054C4BC}" type="datetimeFigureOut">
+              <a:rPr lang="en-US" dirty="0"/>
+              <a:t>5/21/2025</a:t>
             </a:fld>
-            <a:endParaRPr lang="nl-NL"/>
-          </a:p>
-        </p:txBody>
-      </p:sp>
-      <p:sp>
-        <p:nvSpPr>
-          <p:cNvPr id="5" name="Tijdelijke aanduiding voor voettekst 4">
-            <a:extLst>
-              <a:ext uri="{FF2B5EF4-FFF2-40B4-BE49-F238E27FC236}">
-                <a16:creationId xmlns:a16="http://schemas.microsoft.com/office/drawing/2014/main" id="{FBD6B8EC-94E0-058A-0D0F-1C785B64992A}"/>
+            <a:endParaRPr lang="en-US" dirty="0"/>
+          </a:p>
+        </p:txBody>
+      </p:sp>
+      <p:sp>
+        <p:nvSpPr>
+          <p:cNvPr id="5" name="Footer Placeholder 4">
+            <a:extLst>
+              <a:ext uri="{FF2B5EF4-FFF2-40B4-BE49-F238E27FC236}">
+                <a16:creationId xmlns:a16="http://schemas.microsoft.com/office/drawing/2014/main" id="{39D13D38-5DF1-443B-8A12-71E834FDC6A1}"/>
               </a:ext>
             </a:extLst>
           </p:cNvPr>
@@ -1143,16 +1827,20 @@
           <a:bodyPr/>
           <a:lstStyle/>
           <a:p>
-            <a:endParaRPr lang="nl-NL"/>
-          </a:p>
-        </p:txBody>
-      </p:sp>
-      <p:sp>
-        <p:nvSpPr>
-          <p:cNvPr id="6" name="Tijdelijke aanduiding voor dianummer 5">
-            <a:extLst>
-              <a:ext uri="{FF2B5EF4-FFF2-40B4-BE49-F238E27FC236}">
-                <a16:creationId xmlns:a16="http://schemas.microsoft.com/office/drawing/2014/main" id="{3C307A26-414C-24BD-266C-DA905BB7BF0E}"/>
+            <a:r>
+              <a:rPr lang="en-US" dirty="0"/>
+              <a:t>
+              </a:t>
+            </a:r>
+          </a:p>
+        </p:txBody>
+      </p:sp>
+      <p:sp>
+        <p:nvSpPr>
+          <p:cNvPr id="6" name="Slide Number Placeholder 5">
+            <a:extLst>
+              <a:ext uri="{FF2B5EF4-FFF2-40B4-BE49-F238E27FC236}">
+                <a16:creationId xmlns:a16="http://schemas.microsoft.com/office/drawing/2014/main" id="{F25E644A-4A37-4757-9809-5B035E2874E6}"/>
               </a:ext>
             </a:extLst>
           </p:cNvPr>
@@ -1168,30 +1856,35 @@
           <a:bodyPr/>
           <a:lstStyle/>
           <a:p>
-            <a:fld id="{E39FA209-AB76-4517-953C-48CC81EAE92A}" type="slidenum">
-              <a:rPr lang="nl-NL" smtClean="0"/>
+            <a:fld id="{E30AF5A0-43BB-4336-8627-9123B9144D80}" type="slidenum">
+              <a:rPr lang="en-US" dirty="0"/>
               <a:t>‹nr.›</a:t>
             </a:fld>
-            <a:endParaRPr lang="nl-NL"/>
+            <a:endParaRPr lang="en-US" dirty="0"/>
           </a:p>
         </p:txBody>
       </p:sp>
     </p:spTree>
     <p:extLst>
       <p:ext uri="{BB962C8B-B14F-4D97-AF65-F5344CB8AC3E}">
-        <p14:creationId xmlns:p14="http://schemas.microsoft.com/office/powerpoint/2010/main" val="132387843"/>
+        <p14:creationId xmlns:p14="http://schemas.microsoft.com/office/powerpoint/2010/main" val="981956986"/>
       </p:ext>
     </p:extLst>
   </p:cSld>
   <p:clrMapOvr>
     <a:masterClrMapping/>
   </p:clrMapOvr>
+  <p:extLst>
+    <p:ext uri="{DCECCB84-F9BA-43D5-87BE-67443E8EF086}">
+      <p15:sldGuideLst xmlns:p15="http://schemas.microsoft.com/office/powerpoint/2012/main"/>
+    </p:ext>
+  </p:extLst>
 </p:sldLayout>
 </file>
 
 <file path=ppt/slideLayouts/slideLayout3.xml><?xml version="1.0" encoding="utf-8"?>
 <p:sldLayout xmlns:a="http://schemas.openxmlformats.org/drawingml/2006/main" xmlns:r="http://schemas.openxmlformats.org/officeDocument/2006/relationships" xmlns:p="http://schemas.openxmlformats.org/presentationml/2006/main" type="secHead" preserve="1">
-  <p:cSld name="Sectiekop">
+  <p:cSld name="Section Header">
     <p:spTree>
       <p:nvGrpSpPr>
         <p:cNvPr id="1" name=""/>
@@ -1208,10 +1901,10 @@
       </p:grpSpPr>
       <p:sp>
         <p:nvSpPr>
-          <p:cNvPr id="2" name="Titel 1">
-            <a:extLst>
-              <a:ext uri="{FF2B5EF4-FFF2-40B4-BE49-F238E27FC236}">
-                <a16:creationId xmlns:a16="http://schemas.microsoft.com/office/drawing/2014/main" id="{8B25BF52-DFF7-6DAE-8F47-910D0CAC3834}"/>
+          <p:cNvPr id="2" name="Title 1">
+            <a:extLst>
+              <a:ext uri="{FF2B5EF4-FFF2-40B4-BE49-F238E27FC236}">
+                <a16:creationId xmlns:a16="http://schemas.microsoft.com/office/drawing/2014/main" id="{70E6578B-CD85-4BF1-A729-E8E8079B595F}"/>
               </a:ext>
             </a:extLst>
           </p:cNvPr>
@@ -1224,8 +1917,8 @@
         </p:nvSpPr>
         <p:spPr>
           <a:xfrm>
-            <a:off x="831850" y="1709738"/>
-            <a:ext cx="10515600" cy="2852737"/>
+            <a:off x="715383" y="1709738"/>
+            <a:ext cx="10632067" cy="2852737"/>
           </a:xfrm>
         </p:spPr>
         <p:txBody>
@@ -1237,18 +1930,18 @@
           </a:lstStyle>
           <a:p>
             <a:r>
-              <a:rPr lang="nl-NL"/>
-              <a:t>Klik om stijl te bewerken</a:t>
-            </a:r>
-          </a:p>
-        </p:txBody>
-      </p:sp>
-      <p:sp>
-        <p:nvSpPr>
-          <p:cNvPr id="3" name="Tijdelijke aanduiding voor tekst 2">
-            <a:extLst>
-              <a:ext uri="{FF2B5EF4-FFF2-40B4-BE49-F238E27FC236}">
-                <a16:creationId xmlns:a16="http://schemas.microsoft.com/office/drawing/2014/main" id="{D992E044-51B1-BF05-F837-94C866024C7A}"/>
+              <a:rPr lang="en-US" dirty="0"/>
+              <a:t>Click to edit Master title style</a:t>
+            </a:r>
+          </a:p>
+        </p:txBody>
+      </p:sp>
+      <p:sp>
+        <p:nvSpPr>
+          <p:cNvPr id="3" name="Text Placeholder 2">
+            <a:extLst>
+              <a:ext uri="{FF2B5EF4-FFF2-40B4-BE49-F238E27FC236}">
+                <a16:creationId xmlns:a16="http://schemas.microsoft.com/office/drawing/2014/main" id="{A58448C1-C13F-4826-8347-EEB00A6643D6}"/>
               </a:ext>
             </a:extLst>
           </p:cNvPr>
@@ -1261,8 +1954,8 @@
         </p:nvSpPr>
         <p:spPr>
           <a:xfrm>
-            <a:off x="831850" y="4589463"/>
-            <a:ext cx="10515600" cy="1500187"/>
+            <a:off x="715383" y="4589463"/>
+            <a:ext cx="10632067" cy="1500187"/>
           </a:xfrm>
         </p:spPr>
         <p:txBody>
@@ -1273,7 +1966,7 @@
               <a:defRPr sz="2400">
                 <a:solidFill>
                   <a:schemeClr val="tx1">
-                    <a:tint val="82000"/>
+                    <a:tint val="75000"/>
                   </a:schemeClr>
                 </a:solidFill>
               </a:defRPr>
@@ -1283,7 +1976,7 @@
               <a:defRPr sz="2000">
                 <a:solidFill>
                   <a:schemeClr val="tx1">
-                    <a:tint val="82000"/>
+                    <a:tint val="75000"/>
                   </a:schemeClr>
                 </a:solidFill>
               </a:defRPr>
@@ -1293,7 +1986,7 @@
               <a:defRPr sz="1800">
                 <a:solidFill>
                   <a:schemeClr val="tx1">
-                    <a:tint val="82000"/>
+                    <a:tint val="75000"/>
                   </a:schemeClr>
                 </a:solidFill>
               </a:defRPr>
@@ -1303,7 +1996,7 @@
               <a:defRPr sz="1600">
                 <a:solidFill>
                   <a:schemeClr val="tx1">
-                    <a:tint val="82000"/>
+                    <a:tint val="75000"/>
                   </a:schemeClr>
                 </a:solidFill>
               </a:defRPr>
@@ -1313,7 +2006,7 @@
               <a:defRPr sz="1600">
                 <a:solidFill>
                   <a:schemeClr val="tx1">
-                    <a:tint val="82000"/>
+                    <a:tint val="75000"/>
                   </a:schemeClr>
                 </a:solidFill>
               </a:defRPr>
@@ -1323,7 +2016,7 @@
               <a:defRPr sz="1600">
                 <a:solidFill>
                   <a:schemeClr val="tx1">
-                    <a:tint val="82000"/>
+                    <a:tint val="75000"/>
                   </a:schemeClr>
                 </a:solidFill>
               </a:defRPr>
@@ -1333,7 +2026,7 @@
               <a:defRPr sz="1600">
                 <a:solidFill>
                   <a:schemeClr val="tx1">
-                    <a:tint val="82000"/>
+                    <a:tint val="75000"/>
                   </a:schemeClr>
                 </a:solidFill>
               </a:defRPr>
@@ -1343,7 +2036,7 @@
               <a:defRPr sz="1600">
                 <a:solidFill>
                   <a:schemeClr val="tx1">
-                    <a:tint val="82000"/>
+                    <a:tint val="75000"/>
                   </a:schemeClr>
                 </a:solidFill>
               </a:defRPr>
@@ -1353,7 +2046,7 @@
               <a:defRPr sz="1600">
                 <a:solidFill>
                   <a:schemeClr val="tx1">
-                    <a:tint val="82000"/>
+                    <a:tint val="75000"/>
                   </a:schemeClr>
                 </a:solidFill>
               </a:defRPr>
@@ -1362,18 +2055,18 @@
           <a:p>
             <a:pPr lvl="0"/>
             <a:r>
-              <a:rPr lang="nl-NL"/>
-              <a:t>Klikken om de tekststijl van het model te bewerken</a:t>
-            </a:r>
-          </a:p>
-        </p:txBody>
-      </p:sp>
-      <p:sp>
-        <p:nvSpPr>
-          <p:cNvPr id="4" name="Tijdelijke aanduiding voor datum 3">
-            <a:extLst>
-              <a:ext uri="{FF2B5EF4-FFF2-40B4-BE49-F238E27FC236}">
-                <a16:creationId xmlns:a16="http://schemas.microsoft.com/office/drawing/2014/main" id="{024B872D-E3F2-894A-2017-439EDD766CA1}"/>
+              <a:rPr lang="en-US" dirty="0"/>
+              <a:t>Click to edit Master text styles</a:t>
+            </a:r>
+          </a:p>
+        </p:txBody>
+      </p:sp>
+      <p:sp>
+        <p:nvSpPr>
+          <p:cNvPr id="4" name="Date Placeholder 3">
+            <a:extLst>
+              <a:ext uri="{FF2B5EF4-FFF2-40B4-BE49-F238E27FC236}">
+                <a16:creationId xmlns:a16="http://schemas.microsoft.com/office/drawing/2014/main" id="{5806546A-957F-4C4D-9744-1177AD258E10}"/>
               </a:ext>
             </a:extLst>
           </p:cNvPr>
@@ -1389,20 +2082,20 @@
           <a:bodyPr/>
           <a:lstStyle/>
           <a:p>
-            <a:fld id="{D3A58194-11B3-4AEE-8F9C-7C4B4F2B911F}" type="datetimeFigureOut">
-              <a:rPr lang="nl-NL" smtClean="0"/>
-              <a:t>20-5-2025</a:t>
+            <a:fld id="{C54F54BA-4BC6-480F-839C-951A49B248A9}" type="datetimeFigureOut">
+              <a:rPr lang="en-US" dirty="0"/>
+              <a:t>5/21/2025</a:t>
             </a:fld>
-            <a:endParaRPr lang="nl-NL"/>
-          </a:p>
-        </p:txBody>
-      </p:sp>
-      <p:sp>
-        <p:nvSpPr>
-          <p:cNvPr id="5" name="Tijdelijke aanduiding voor voettekst 4">
-            <a:extLst>
-              <a:ext uri="{FF2B5EF4-FFF2-40B4-BE49-F238E27FC236}">
-                <a16:creationId xmlns:a16="http://schemas.microsoft.com/office/drawing/2014/main" id="{23D2CC0B-0DEE-3695-1416-9E0E20C440A9}"/>
+            <a:endParaRPr lang="en-US" dirty="0"/>
+          </a:p>
+        </p:txBody>
+      </p:sp>
+      <p:sp>
+        <p:nvSpPr>
+          <p:cNvPr id="5" name="Footer Placeholder 4">
+            <a:extLst>
+              <a:ext uri="{FF2B5EF4-FFF2-40B4-BE49-F238E27FC236}">
+                <a16:creationId xmlns:a16="http://schemas.microsoft.com/office/drawing/2014/main" id="{B1DB149C-CC63-4E3A-A83D-EF637EB51979}"/>
               </a:ext>
             </a:extLst>
           </p:cNvPr>
@@ -1418,16 +2111,20 @@
           <a:bodyPr/>
           <a:lstStyle/>
           <a:p>
-            <a:endParaRPr lang="nl-NL"/>
-          </a:p>
-        </p:txBody>
-      </p:sp>
-      <p:sp>
-        <p:nvSpPr>
-          <p:cNvPr id="6" name="Tijdelijke aanduiding voor dianummer 5">
-            <a:extLst>
-              <a:ext uri="{FF2B5EF4-FFF2-40B4-BE49-F238E27FC236}">
-                <a16:creationId xmlns:a16="http://schemas.microsoft.com/office/drawing/2014/main" id="{BC7ED204-0374-D84E-24A3-E7F55414D907}"/>
+            <a:r>
+              <a:rPr lang="en-US" dirty="0"/>
+              <a:t>
+              </a:t>
+            </a:r>
+          </a:p>
+        </p:txBody>
+      </p:sp>
+      <p:sp>
+        <p:nvSpPr>
+          <p:cNvPr id="6" name="Slide Number Placeholder 5">
+            <a:extLst>
+              <a:ext uri="{FF2B5EF4-FFF2-40B4-BE49-F238E27FC236}">
+                <a16:creationId xmlns:a16="http://schemas.microsoft.com/office/drawing/2014/main" id="{EDB94775-7982-41EC-B584-D51224D38F77}"/>
               </a:ext>
             </a:extLst>
           </p:cNvPr>
@@ -1443,30 +2140,35 @@
           <a:bodyPr/>
           <a:lstStyle/>
           <a:p>
-            <a:fld id="{E39FA209-AB76-4517-953C-48CC81EAE92A}" type="slidenum">
-              <a:rPr lang="nl-NL" smtClean="0"/>
+            <a:fld id="{E30AF5A0-43BB-4336-8627-9123B9144D80}" type="slidenum">
+              <a:rPr lang="en-US" dirty="0"/>
               <a:t>‹nr.›</a:t>
             </a:fld>
-            <a:endParaRPr lang="nl-NL"/>
+            <a:endParaRPr lang="en-US" dirty="0"/>
           </a:p>
         </p:txBody>
       </p:sp>
     </p:spTree>
     <p:extLst>
       <p:ext uri="{BB962C8B-B14F-4D97-AF65-F5344CB8AC3E}">
-        <p14:creationId xmlns:p14="http://schemas.microsoft.com/office/powerpoint/2010/main" val="3061280970"/>
+        <p14:creationId xmlns:p14="http://schemas.microsoft.com/office/powerpoint/2010/main" val="530790293"/>
       </p:ext>
     </p:extLst>
   </p:cSld>
   <p:clrMapOvr>
     <a:masterClrMapping/>
   </p:clrMapOvr>
+  <p:extLst>
+    <p:ext uri="{DCECCB84-F9BA-43D5-87BE-67443E8EF086}">
+      <p15:sldGuideLst xmlns:p15="http://schemas.microsoft.com/office/powerpoint/2012/main"/>
+    </p:ext>
+  </p:extLst>
 </p:sldLayout>
 </file>
 
 <file path=ppt/slideLayouts/slideLayout4.xml><?xml version="1.0" encoding="utf-8"?>
 <p:sldLayout xmlns:a="http://schemas.openxmlformats.org/drawingml/2006/main" xmlns:r="http://schemas.openxmlformats.org/officeDocument/2006/relationships" xmlns:p="http://schemas.openxmlformats.org/presentationml/2006/main" type="twoObj" preserve="1">
-  <p:cSld name="Inhoud van twee">
+  <p:cSld name="Two Content">
     <p:spTree>
       <p:nvGrpSpPr>
         <p:cNvPr id="1" name=""/>
@@ -1483,10 +2185,10 @@
       </p:grpSpPr>
       <p:sp>
         <p:nvSpPr>
-          <p:cNvPr id="2" name="Titel 1">
-            <a:extLst>
-              <a:ext uri="{FF2B5EF4-FFF2-40B4-BE49-F238E27FC236}">
-                <a16:creationId xmlns:a16="http://schemas.microsoft.com/office/drawing/2014/main" id="{CC4C157B-D7BF-6E5E-E309-F58DEBB52F08}"/>
+          <p:cNvPr id="2" name="Title 1">
+            <a:extLst>
+              <a:ext uri="{FF2B5EF4-FFF2-40B4-BE49-F238E27FC236}">
+                <a16:creationId xmlns:a16="http://schemas.microsoft.com/office/drawing/2014/main" id="{88CE4BD8-507D-48E4-A624-F16A741C3609}"/>
               </a:ext>
             </a:extLst>
           </p:cNvPr>
@@ -1495,102 +2197,45 @@
           </p:cNvSpPr>
           <p:nvPr>
             <p:ph type="title"/>
-          </p:nvPr>
-        </p:nvSpPr>
-        <p:spPr/>
-        <p:txBody>
-          <a:bodyPr/>
-          <a:lstStyle/>
-          <a:p>
-            <a:r>
-              <a:rPr lang="nl-NL"/>
-              <a:t>Klik om stijl te bewerken</a:t>
-            </a:r>
-          </a:p>
-        </p:txBody>
-      </p:sp>
-      <p:sp>
-        <p:nvSpPr>
-          <p:cNvPr id="3" name="Tijdelijke aanduiding voor inhoud 2">
-            <a:extLst>
-              <a:ext uri="{FF2B5EF4-FFF2-40B4-BE49-F238E27FC236}">
-                <a16:creationId xmlns:a16="http://schemas.microsoft.com/office/drawing/2014/main" id="{7F204906-2434-D575-DDFD-0299C3DB69C8}"/>
-              </a:ext>
-            </a:extLst>
-          </p:cNvPr>
-          <p:cNvSpPr>
-            <a:spLocks noGrp="1"/>
-          </p:cNvSpPr>
-          <p:nvPr>
-            <p:ph sz="half" idx="1"/>
           </p:nvPr>
         </p:nvSpPr>
         <p:spPr>
           <a:xfrm>
-            <a:off x="838200" y="1825625"/>
-            <a:ext cx="5181600" cy="4351338"/>
+            <a:off x="700635" y="922096"/>
+            <a:ext cx="10691265" cy="1127930"/>
           </a:xfrm>
         </p:spPr>
         <p:txBody>
           <a:bodyPr/>
           <a:lstStyle/>
           <a:p>
-            <a:pPr lvl="0"/>
-            <a:r>
-              <a:rPr lang="nl-NL"/>
-              <a:t>Klikken om de tekststijl van het model te bewerken</a:t>
-            </a:r>
-          </a:p>
-          <a:p>
-            <a:pPr lvl="1"/>
-            <a:r>
-              <a:rPr lang="nl-NL"/>
-              <a:t>Tweede niveau</a:t>
-            </a:r>
-          </a:p>
-          <a:p>
-            <a:pPr lvl="2"/>
-            <a:r>
-              <a:rPr lang="nl-NL"/>
-              <a:t>Derde niveau</a:t>
-            </a:r>
-          </a:p>
-          <a:p>
-            <a:pPr lvl="3"/>
-            <a:r>
-              <a:rPr lang="nl-NL"/>
-              <a:t>Vierde niveau</a:t>
-            </a:r>
-          </a:p>
-          <a:p>
-            <a:pPr lvl="4"/>
-            <a:r>
-              <a:rPr lang="nl-NL"/>
-              <a:t>Vijfde niveau</a:t>
-            </a:r>
-          </a:p>
-        </p:txBody>
-      </p:sp>
-      <p:sp>
-        <p:nvSpPr>
-          <p:cNvPr id="4" name="Tijdelijke aanduiding voor inhoud 3">
-            <a:extLst>
-              <a:ext uri="{FF2B5EF4-FFF2-40B4-BE49-F238E27FC236}">
-                <a16:creationId xmlns:a16="http://schemas.microsoft.com/office/drawing/2014/main" id="{6EC10499-0217-5F38-6308-AB65337116E4}"/>
-              </a:ext>
-            </a:extLst>
-          </p:cNvPr>
-          <p:cNvSpPr>
-            <a:spLocks noGrp="1"/>
-          </p:cNvSpPr>
-          <p:nvPr>
-            <p:ph sz="half" idx="2"/>
+            <a:r>
+              <a:rPr lang="en-US" dirty="0"/>
+              <a:t>Click to edit Master title style</a:t>
+            </a:r>
+          </a:p>
+        </p:txBody>
+      </p:sp>
+      <p:sp>
+        <p:nvSpPr>
+          <p:cNvPr id="3" name="Content Placeholder 2">
+            <a:extLst>
+              <a:ext uri="{FF2B5EF4-FFF2-40B4-BE49-F238E27FC236}">
+                <a16:creationId xmlns:a16="http://schemas.microsoft.com/office/drawing/2014/main" id="{810A07E4-3A39-457C-A059-7DFB6039D947}"/>
+              </a:ext>
+            </a:extLst>
+          </p:cNvPr>
+          <p:cNvSpPr>
+            <a:spLocks noGrp="1"/>
+          </p:cNvSpPr>
+          <p:nvPr>
+            <p:ph sz="half" idx="1"/>
           </p:nvPr>
         </p:nvSpPr>
         <p:spPr>
           <a:xfrm>
-            <a:off x="6172200" y="1825625"/>
-            <a:ext cx="5181600" cy="4351338"/>
+            <a:off x="715383" y="2128684"/>
+            <a:ext cx="5304417" cy="3844414"/>
           </a:xfrm>
         </p:spPr>
         <p:txBody>
@@ -1599,46 +2244,108 @@
           <a:p>
             <a:pPr lvl="0"/>
             <a:r>
-              <a:rPr lang="nl-NL"/>
-              <a:t>Klikken om de tekststijl van het model te bewerken</a:t>
+              <a:rPr lang="en-US" dirty="0"/>
+              <a:t>Click to edit Master text styles</a:t>
             </a:r>
           </a:p>
           <a:p>
             <a:pPr lvl="1"/>
             <a:r>
-              <a:rPr lang="nl-NL"/>
-              <a:t>Tweede niveau</a:t>
+              <a:rPr lang="en-US" dirty="0"/>
+              <a:t>Second level</a:t>
             </a:r>
           </a:p>
           <a:p>
             <a:pPr lvl="2"/>
             <a:r>
-              <a:rPr lang="nl-NL"/>
-              <a:t>Derde niveau</a:t>
+              <a:rPr lang="en-US" dirty="0"/>
+              <a:t>Third level</a:t>
             </a:r>
           </a:p>
           <a:p>
             <a:pPr lvl="3"/>
             <a:r>
-              <a:rPr lang="nl-NL"/>
-              <a:t>Vierde niveau</a:t>
+              <a:rPr lang="en-US" dirty="0"/>
+              <a:t>Fourth level</a:t>
             </a:r>
           </a:p>
           <a:p>
             <a:pPr lvl="4"/>
             <a:r>
-              <a:rPr lang="nl-NL"/>
-              <a:t>Vijfde niveau</a:t>
-            </a:r>
-          </a:p>
-        </p:txBody>
-      </p:sp>
-      <p:sp>
-        <p:nvSpPr>
-          <p:cNvPr id="5" name="Tijdelijke aanduiding voor datum 4">
-            <a:extLst>
-              <a:ext uri="{FF2B5EF4-FFF2-40B4-BE49-F238E27FC236}">
-                <a16:creationId xmlns:a16="http://schemas.microsoft.com/office/drawing/2014/main" id="{0AEEDED4-07DC-A5D1-23BD-DDDC3DBFF45D}"/>
+              <a:rPr lang="en-US" dirty="0"/>
+              <a:t>Fifth level</a:t>
+            </a:r>
+          </a:p>
+        </p:txBody>
+      </p:sp>
+      <p:sp>
+        <p:nvSpPr>
+          <p:cNvPr id="4" name="Content Placeholder 3">
+            <a:extLst>
+              <a:ext uri="{FF2B5EF4-FFF2-40B4-BE49-F238E27FC236}">
+                <a16:creationId xmlns:a16="http://schemas.microsoft.com/office/drawing/2014/main" id="{7B141E17-47CE-4A78-B0FA-0E9786DA67C5}"/>
+              </a:ext>
+            </a:extLst>
+          </p:cNvPr>
+          <p:cNvSpPr>
+            <a:spLocks noGrp="1"/>
+          </p:cNvSpPr>
+          <p:nvPr>
+            <p:ph sz="half" idx="2"/>
+          </p:nvPr>
+        </p:nvSpPr>
+        <p:spPr>
+          <a:xfrm>
+            <a:off x="6172200" y="2128684"/>
+            <a:ext cx="5219700" cy="3844414"/>
+          </a:xfrm>
+        </p:spPr>
+        <p:txBody>
+          <a:bodyPr/>
+          <a:lstStyle/>
+          <a:p>
+            <a:pPr lvl="0"/>
+            <a:r>
+              <a:rPr lang="en-US" dirty="0"/>
+              <a:t>Click to edit Master text styles</a:t>
+            </a:r>
+          </a:p>
+          <a:p>
+            <a:pPr lvl="1"/>
+            <a:r>
+              <a:rPr lang="en-US" dirty="0"/>
+              <a:t>Second level</a:t>
+            </a:r>
+          </a:p>
+          <a:p>
+            <a:pPr lvl="2"/>
+            <a:r>
+              <a:rPr lang="en-US" dirty="0"/>
+              <a:t>Third level</a:t>
+            </a:r>
+          </a:p>
+          <a:p>
+            <a:pPr lvl="3"/>
+            <a:r>
+              <a:rPr lang="en-US" dirty="0"/>
+              <a:t>Fourth level</a:t>
+            </a:r>
+          </a:p>
+          <a:p>
+            <a:pPr lvl="4"/>
+            <a:r>
+              <a:rPr lang="en-US" dirty="0"/>
+              <a:t>Fifth level</a:t>
+            </a:r>
+          </a:p>
+        </p:txBody>
+      </p:sp>
+      <p:sp>
+        <p:nvSpPr>
+          <p:cNvPr id="5" name="Date Placeholder 4">
+            <a:extLst>
+              <a:ext uri="{FF2B5EF4-FFF2-40B4-BE49-F238E27FC236}">
+                <a16:creationId xmlns:a16="http://schemas.microsoft.com/office/drawing/2014/main" id="{89F02C13-D3ED-4044-9716-F29D79A184C9}"/>
               </a:ext>
             </a:extLst>
           </p:cNvPr>
@@ -1654,20 +2361,20 @@
           <a:bodyPr/>
           <a:lstStyle/>
           <a:p>
-            <a:fld id="{D3A58194-11B3-4AEE-8F9C-7C4B4F2B911F}" type="datetimeFigureOut">
-              <a:rPr lang="nl-NL" smtClean="0"/>
-              <a:t>20-5-2025</a:t>
+            <a:fld id="{0F9DD0EA-4726-4440-BF9D-E88296FC3068}" type="datetimeFigureOut">
+              <a:rPr lang="en-US" dirty="0"/>
+              <a:t>5/21/2025</a:t>
             </a:fld>
-            <a:endParaRPr lang="nl-NL"/>
-          </a:p>
-        </p:txBody>
-      </p:sp>
-      <p:sp>
-        <p:nvSpPr>
-          <p:cNvPr id="6" name="Tijdelijke aanduiding voor voettekst 5">
-            <a:extLst>
-              <a:ext uri="{FF2B5EF4-FFF2-40B4-BE49-F238E27FC236}">
-                <a16:creationId xmlns:a16="http://schemas.microsoft.com/office/drawing/2014/main" id="{252ED2C3-B325-2215-F842-671FE72F953A}"/>
+            <a:endParaRPr lang="en-US" dirty="0"/>
+          </a:p>
+        </p:txBody>
+      </p:sp>
+      <p:sp>
+        <p:nvSpPr>
+          <p:cNvPr id="6" name="Footer Placeholder 5">
+            <a:extLst>
+              <a:ext uri="{FF2B5EF4-FFF2-40B4-BE49-F238E27FC236}">
+                <a16:creationId xmlns:a16="http://schemas.microsoft.com/office/drawing/2014/main" id="{8AF334AD-FB29-4355-B5CF-85E61B4F3409}"/>
               </a:ext>
             </a:extLst>
           </p:cNvPr>
@@ -1683,16 +2390,20 @@
           <a:bodyPr/>
           <a:lstStyle/>
           <a:p>
-            <a:endParaRPr lang="nl-NL"/>
-          </a:p>
-        </p:txBody>
-      </p:sp>
-      <p:sp>
-        <p:nvSpPr>
-          <p:cNvPr id="7" name="Tijdelijke aanduiding voor dianummer 6">
-            <a:extLst>
-              <a:ext uri="{FF2B5EF4-FFF2-40B4-BE49-F238E27FC236}">
-                <a16:creationId xmlns:a16="http://schemas.microsoft.com/office/drawing/2014/main" id="{03C97E4E-9234-8799-E4DD-A765F266E75E}"/>
+            <a:r>
+              <a:rPr lang="en-US" dirty="0"/>
+              <a:t>
+              </a:t>
+            </a:r>
+          </a:p>
+        </p:txBody>
+      </p:sp>
+      <p:sp>
+        <p:nvSpPr>
+          <p:cNvPr id="7" name="Slide Number Placeholder 6">
+            <a:extLst>
+              <a:ext uri="{FF2B5EF4-FFF2-40B4-BE49-F238E27FC236}">
+                <a16:creationId xmlns:a16="http://schemas.microsoft.com/office/drawing/2014/main" id="{BA5AA154-790C-4774-9C21-8C543E733F26}"/>
               </a:ext>
             </a:extLst>
           </p:cNvPr>
@@ -1708,30 +2419,35 @@
           <a:bodyPr/>
           <a:lstStyle/>
           <a:p>
-            <a:fld id="{E39FA209-AB76-4517-953C-48CC81EAE92A}" type="slidenum">
-              <a:rPr lang="nl-NL" smtClean="0"/>
+            <a:fld id="{E30AF5A0-43BB-4336-8627-9123B9144D80}" type="slidenum">
+              <a:rPr lang="en-US" dirty="0"/>
               <a:t>‹nr.›</a:t>
             </a:fld>
-            <a:endParaRPr lang="nl-NL"/>
+            <a:endParaRPr lang="en-US" dirty="0"/>
           </a:p>
         </p:txBody>
       </p:sp>
     </p:spTree>
     <p:extLst>
       <p:ext uri="{BB962C8B-B14F-4D97-AF65-F5344CB8AC3E}">
-        <p14:creationId xmlns:p14="http://schemas.microsoft.com/office/powerpoint/2010/main" val="2333097451"/>
+        <p14:creationId xmlns:p14="http://schemas.microsoft.com/office/powerpoint/2010/main" val="3347561464"/>
       </p:ext>
     </p:extLst>
   </p:cSld>
   <p:clrMapOvr>
     <a:masterClrMapping/>
   </p:clrMapOvr>
+  <p:extLst>
+    <p:ext uri="{DCECCB84-F9BA-43D5-87BE-67443E8EF086}">
+      <p15:sldGuideLst xmlns:p15="http://schemas.microsoft.com/office/powerpoint/2012/main"/>
+    </p:ext>
+  </p:extLst>
 </p:sldLayout>
 </file>
 
 <file path=ppt/slideLayouts/slideLayout5.xml><?xml version="1.0" encoding="utf-8"?>
 <p:sldLayout xmlns:a="http://schemas.openxmlformats.org/drawingml/2006/main" xmlns:r="http://schemas.openxmlformats.org/officeDocument/2006/relationships" xmlns:p="http://schemas.openxmlformats.org/presentationml/2006/main" type="twoTxTwoObj" preserve="1">
-  <p:cSld name="Vergelijking">
+  <p:cSld name="Comparison">
     <p:spTree>
       <p:nvGrpSpPr>
         <p:cNvPr id="1" name=""/>
@@ -1748,10 +2464,10 @@
       </p:grpSpPr>
       <p:sp>
         <p:nvSpPr>
-          <p:cNvPr id="2" name="Titel 1">
-            <a:extLst>
-              <a:ext uri="{FF2B5EF4-FFF2-40B4-BE49-F238E27FC236}">
-                <a16:creationId xmlns:a16="http://schemas.microsoft.com/office/drawing/2014/main" id="{812560DA-8AC1-A7C1-ACFA-370E5A881D62}"/>
+          <p:cNvPr id="2" name="Title 1">
+            <a:extLst>
+              <a:ext uri="{FF2B5EF4-FFF2-40B4-BE49-F238E27FC236}">
+                <a16:creationId xmlns:a16="http://schemas.microsoft.com/office/drawing/2014/main" id="{9E07DD35-7673-4F88-86B0-634883B5E345}"/>
               </a:ext>
             </a:extLst>
           </p:cNvPr>
@@ -1764,8 +2480,8 @@
         </p:nvSpPr>
         <p:spPr>
           <a:xfrm>
-            <a:off x="839788" y="365125"/>
-            <a:ext cx="10515600" cy="1325563"/>
+            <a:off x="685887" y="929148"/>
+            <a:ext cx="10640005" cy="761540"/>
           </a:xfrm>
         </p:spPr>
         <p:txBody>
@@ -1773,18 +2489,18 @@
           <a:lstStyle/>
           <a:p>
             <a:r>
-              <a:rPr lang="nl-NL"/>
-              <a:t>Klik om stijl te bewerken</a:t>
-            </a:r>
-          </a:p>
-        </p:txBody>
-      </p:sp>
-      <p:sp>
-        <p:nvSpPr>
-          <p:cNvPr id="3" name="Tijdelijke aanduiding voor tekst 2">
-            <a:extLst>
-              <a:ext uri="{FF2B5EF4-FFF2-40B4-BE49-F238E27FC236}">
-                <a16:creationId xmlns:a16="http://schemas.microsoft.com/office/drawing/2014/main" id="{8B6E1F4C-2D16-5EB6-08CE-B7AE2206A3DA}"/>
+              <a:rPr lang="en-US" dirty="0"/>
+              <a:t>Click to edit Master title style</a:t>
+            </a:r>
+          </a:p>
+        </p:txBody>
+      </p:sp>
+      <p:sp>
+        <p:nvSpPr>
+          <p:cNvPr id="3" name="Text Placeholder 2">
+            <a:extLst>
+              <a:ext uri="{FF2B5EF4-FFF2-40B4-BE49-F238E27FC236}">
+                <a16:creationId xmlns:a16="http://schemas.microsoft.com/office/drawing/2014/main" id="{5EC820D7-3E0B-47C6-A583-C4C839C5AF03}"/>
               </a:ext>
             </a:extLst>
           </p:cNvPr>
@@ -1797,24 +2513,28 @@
         </p:nvSpPr>
         <p:spPr>
           <a:xfrm>
-            <a:off x="839788" y="1681163"/>
-            <a:ext cx="5157787" cy="823912"/>
+            <a:off x="715384" y="1681163"/>
+            <a:ext cx="5282192" cy="657225"/>
           </a:xfrm>
         </p:spPr>
         <p:txBody>
-          <a:bodyPr anchor="b"/>
+          <a:bodyPr anchor="b">
+            <a:normAutofit/>
+          </a:bodyPr>
           <a:lstStyle>
             <a:lvl1pPr marL="0" indent="0">
               <a:buNone/>
-              <a:defRPr sz="2400" b="1"/>
+              <a:defRPr sz="1600" b="1">
+                <a:latin typeface="+mj-lt"/>
+              </a:defRPr>
             </a:lvl1pPr>
             <a:lvl2pPr marL="457200" indent="0">
               <a:buNone/>
-              <a:defRPr sz="2000" b="1"/>
+              <a:defRPr sz="1600" b="1"/>
             </a:lvl2pPr>
             <a:lvl3pPr marL="914400" indent="0">
               <a:buNone/>
-              <a:defRPr sz="1800" b="1"/>
+              <a:defRPr sz="1600" b="1"/>
             </a:lvl3pPr>
             <a:lvl4pPr marL="1371600" indent="0">
               <a:buNone/>
@@ -1844,18 +2564,18 @@
           <a:p>
             <a:pPr lvl="0"/>
             <a:r>
-              <a:rPr lang="nl-NL"/>
-              <a:t>Klikken om de tekststijl van het model te bewerken</a:t>
-            </a:r>
-          </a:p>
-        </p:txBody>
-      </p:sp>
-      <p:sp>
-        <p:nvSpPr>
-          <p:cNvPr id="4" name="Tijdelijke aanduiding voor inhoud 3">
-            <a:extLst>
-              <a:ext uri="{FF2B5EF4-FFF2-40B4-BE49-F238E27FC236}">
-                <a16:creationId xmlns:a16="http://schemas.microsoft.com/office/drawing/2014/main" id="{98580A19-92F2-6220-9E26-7073FED10503}"/>
+              <a:rPr lang="en-US" dirty="0"/>
+              <a:t>Click to edit Master text styles</a:t>
+            </a:r>
+          </a:p>
+        </p:txBody>
+      </p:sp>
+      <p:sp>
+        <p:nvSpPr>
+          <p:cNvPr id="4" name="Content Placeholder 3">
+            <a:extLst>
+              <a:ext uri="{FF2B5EF4-FFF2-40B4-BE49-F238E27FC236}">
+                <a16:creationId xmlns:a16="http://schemas.microsoft.com/office/drawing/2014/main" id="{6A839A7B-97D5-400F-B802-A0FF28FE9F15}"/>
               </a:ext>
             </a:extLst>
           </p:cNvPr>
@@ -1868,8 +2588,8 @@
         </p:nvSpPr>
         <p:spPr>
           <a:xfrm>
-            <a:off x="839788" y="2505075"/>
-            <a:ext cx="5157787" cy="3684588"/>
+            <a:off x="715384" y="2505075"/>
+            <a:ext cx="5282192" cy="3423777"/>
           </a:xfrm>
         </p:spPr>
         <p:txBody>
@@ -1878,46 +2598,46 @@
           <a:p>
             <a:pPr lvl="0"/>
             <a:r>
-              <a:rPr lang="nl-NL"/>
-              <a:t>Klikken om de tekststijl van het model te bewerken</a:t>
+              <a:rPr lang="en-US" dirty="0"/>
+              <a:t>Click to edit Master text styles</a:t>
             </a:r>
           </a:p>
           <a:p>
             <a:pPr lvl="1"/>
             <a:r>
-              <a:rPr lang="nl-NL"/>
-              <a:t>Tweede niveau</a:t>
+              <a:rPr lang="en-US" dirty="0"/>
+              <a:t>Second level</a:t>
             </a:r>
           </a:p>
           <a:p>
             <a:pPr lvl="2"/>
             <a:r>
-              <a:rPr lang="nl-NL"/>
-              <a:t>Derde niveau</a:t>
+              <a:rPr lang="en-US" dirty="0"/>
+              <a:t>Third level</a:t>
             </a:r>
           </a:p>
           <a:p>
             <a:pPr lvl="3"/>
             <a:r>
-              <a:rPr lang="nl-NL"/>
-              <a:t>Vierde niveau</a:t>
+              <a:rPr lang="en-US" dirty="0"/>
+              <a:t>Fourth level</a:t>
             </a:r>
           </a:p>
           <a:p>
             <a:pPr lvl="4"/>
             <a:r>
-              <a:rPr lang="nl-NL"/>
-              <a:t>Vijfde niveau</a:t>
-            </a:r>
-          </a:p>
-        </p:txBody>
-      </p:sp>
-      <p:sp>
-        <p:nvSpPr>
-          <p:cNvPr id="5" name="Tijdelijke aanduiding voor tekst 4">
-            <a:extLst>
-              <a:ext uri="{FF2B5EF4-FFF2-40B4-BE49-F238E27FC236}">
-                <a16:creationId xmlns:a16="http://schemas.microsoft.com/office/drawing/2014/main" id="{5B742189-E423-9E06-2D98-3784B2A36FD5}"/>
+              <a:rPr lang="en-US" dirty="0"/>
+              <a:t>Fifth level</a:t>
+            </a:r>
+          </a:p>
+        </p:txBody>
+      </p:sp>
+      <p:sp>
+        <p:nvSpPr>
+          <p:cNvPr id="5" name="Text Placeholder 4">
+            <a:extLst>
+              <a:ext uri="{FF2B5EF4-FFF2-40B4-BE49-F238E27FC236}">
+                <a16:creationId xmlns:a16="http://schemas.microsoft.com/office/drawing/2014/main" id="{C2E0ECA2-DBF1-4681-9DFA-93AFD1B371DB}"/>
               </a:ext>
             </a:extLst>
           </p:cNvPr>
@@ -1931,23 +2651,27 @@
         <p:spPr>
           <a:xfrm>
             <a:off x="6172200" y="1681163"/>
-            <a:ext cx="5183188" cy="823912"/>
+            <a:ext cx="5183188" cy="657225"/>
           </a:xfrm>
         </p:spPr>
         <p:txBody>
-          <a:bodyPr anchor="b"/>
+          <a:bodyPr anchor="b">
+            <a:normAutofit/>
+          </a:bodyPr>
           <a:lstStyle>
             <a:lvl1pPr marL="0" indent="0">
               <a:buNone/>
-              <a:defRPr sz="2400" b="1"/>
+              <a:defRPr sz="1600" b="1">
+                <a:latin typeface="+mj-lt"/>
+              </a:defRPr>
             </a:lvl1pPr>
             <a:lvl2pPr marL="457200" indent="0">
               <a:buNone/>
-              <a:defRPr sz="2000" b="1"/>
+              <a:defRPr sz="1600" b="1"/>
             </a:lvl2pPr>
             <a:lvl3pPr marL="914400" indent="0">
               <a:buNone/>
-              <a:defRPr sz="1800" b="1"/>
+              <a:defRPr sz="1600" b="1"/>
             </a:lvl3pPr>
             <a:lvl4pPr marL="1371600" indent="0">
               <a:buNone/>
@@ -1977,18 +2701,18 @@
           <a:p>
             <a:pPr lvl="0"/>
             <a:r>
-              <a:rPr lang="nl-NL"/>
-              <a:t>Klikken om de tekststijl van het model te bewerken</a:t>
-            </a:r>
-          </a:p>
-        </p:txBody>
-      </p:sp>
-      <p:sp>
-        <p:nvSpPr>
-          <p:cNvPr id="6" name="Tijdelijke aanduiding voor inhoud 5">
-            <a:extLst>
-              <a:ext uri="{FF2B5EF4-FFF2-40B4-BE49-F238E27FC236}">
-                <a16:creationId xmlns:a16="http://schemas.microsoft.com/office/drawing/2014/main" id="{F4BB9B59-8151-97CB-A94D-C48AEF0771AB}"/>
+              <a:rPr lang="en-US" dirty="0"/>
+              <a:t>Click to edit Master text styles</a:t>
+            </a:r>
+          </a:p>
+        </p:txBody>
+      </p:sp>
+      <p:sp>
+        <p:nvSpPr>
+          <p:cNvPr id="6" name="Content Placeholder 5">
+            <a:extLst>
+              <a:ext uri="{FF2B5EF4-FFF2-40B4-BE49-F238E27FC236}">
+                <a16:creationId xmlns:a16="http://schemas.microsoft.com/office/drawing/2014/main" id="{390EBBBB-517F-4ED7-9E51-CF0F7590B4D4}"/>
               </a:ext>
             </a:extLst>
           </p:cNvPr>
@@ -2002,7 +2726,7 @@
         <p:spPr>
           <a:xfrm>
             <a:off x="6172200" y="2505075"/>
-            <a:ext cx="5183188" cy="3684588"/>
+            <a:ext cx="5183188" cy="3423777"/>
           </a:xfrm>
         </p:spPr>
         <p:txBody>
@@ -2011,46 +2735,46 @@
           <a:p>
             <a:pPr lvl="0"/>
             <a:r>
-              <a:rPr lang="nl-NL"/>
-              <a:t>Klikken om de tekststijl van het model te bewerken</a:t>
+              <a:rPr lang="en-US" dirty="0"/>
+              <a:t>Click to edit Master text styles</a:t>
             </a:r>
           </a:p>
           <a:p>
             <a:pPr lvl="1"/>
             <a:r>
-              <a:rPr lang="nl-NL"/>
-              <a:t>Tweede niveau</a:t>
+              <a:rPr lang="en-US" dirty="0"/>
+              <a:t>Second level</a:t>
             </a:r>
           </a:p>
           <a:p>
             <a:pPr lvl="2"/>
             <a:r>
-              <a:rPr lang="nl-NL"/>
-              <a:t>Derde niveau</a:t>
+              <a:rPr lang="en-US" dirty="0"/>
+              <a:t>Third level</a:t>
             </a:r>
           </a:p>
           <a:p>
             <a:pPr lvl="3"/>
             <a:r>
-              <a:rPr lang="nl-NL"/>
-              <a:t>Vierde niveau</a:t>
+              <a:rPr lang="en-US" dirty="0"/>
+              <a:t>Fourth level</a:t>
             </a:r>
           </a:p>
           <a:p>
             <a:pPr lvl="4"/>
             <a:r>
-              <a:rPr lang="nl-NL"/>
-              <a:t>Vijfde niveau</a:t>
-            </a:r>
-          </a:p>
-        </p:txBody>
-      </p:sp>
-      <p:sp>
-        <p:nvSpPr>
-          <p:cNvPr id="7" name="Tijdelijke aanduiding voor datum 6">
-            <a:extLst>
-              <a:ext uri="{FF2B5EF4-FFF2-40B4-BE49-F238E27FC236}">
-                <a16:creationId xmlns:a16="http://schemas.microsoft.com/office/drawing/2014/main" id="{ED07347A-81F2-2CAB-1DD5-6DB85D4AC932}"/>
+              <a:rPr lang="en-US" dirty="0"/>
+              <a:t>Fifth level</a:t>
+            </a:r>
+          </a:p>
+        </p:txBody>
+      </p:sp>
+      <p:sp>
+        <p:nvSpPr>
+          <p:cNvPr id="7" name="Date Placeholder 6">
+            <a:extLst>
+              <a:ext uri="{FF2B5EF4-FFF2-40B4-BE49-F238E27FC236}">
+                <a16:creationId xmlns:a16="http://schemas.microsoft.com/office/drawing/2014/main" id="{2511B5C7-1E37-478F-B4B0-C7202FFE41B9}"/>
               </a:ext>
             </a:extLst>
           </p:cNvPr>
@@ -2066,20 +2790,20 @@
           <a:bodyPr/>
           <a:lstStyle/>
           <a:p>
-            <a:fld id="{D3A58194-11B3-4AEE-8F9C-7C4B4F2B911F}" type="datetimeFigureOut">
-              <a:rPr lang="nl-NL" smtClean="0"/>
-              <a:t>20-5-2025</a:t>
+            <a:fld id="{19CAD10D-99D1-46B2-A85A-C16850FCF8CF}" type="datetimeFigureOut">
+              <a:rPr lang="en-US" dirty="0"/>
+              <a:t>5/21/2025</a:t>
             </a:fld>
-            <a:endParaRPr lang="nl-NL"/>
-          </a:p>
-        </p:txBody>
-      </p:sp>
-      <p:sp>
-        <p:nvSpPr>
-          <p:cNvPr id="8" name="Tijdelijke aanduiding voor voettekst 7">
-            <a:extLst>
-              <a:ext uri="{FF2B5EF4-FFF2-40B4-BE49-F238E27FC236}">
-                <a16:creationId xmlns:a16="http://schemas.microsoft.com/office/drawing/2014/main" id="{0494B1F7-A904-EF38-B5C6-D64A51DC9A86}"/>
+            <a:endParaRPr lang="en-US" dirty="0"/>
+          </a:p>
+        </p:txBody>
+      </p:sp>
+      <p:sp>
+        <p:nvSpPr>
+          <p:cNvPr id="8" name="Footer Placeholder 7">
+            <a:extLst>
+              <a:ext uri="{FF2B5EF4-FFF2-40B4-BE49-F238E27FC236}">
+                <a16:creationId xmlns:a16="http://schemas.microsoft.com/office/drawing/2014/main" id="{9153F7EF-507C-4CB3-86C5-8B34FFFC1D86}"/>
               </a:ext>
             </a:extLst>
           </p:cNvPr>
@@ -2095,16 +2819,20 @@
           <a:bodyPr/>
           <a:lstStyle/>
           <a:p>
-            <a:endParaRPr lang="nl-NL"/>
-          </a:p>
-        </p:txBody>
-      </p:sp>
-      <p:sp>
-        <p:nvSpPr>
-          <p:cNvPr id="9" name="Tijdelijke aanduiding voor dianummer 8">
-            <a:extLst>
-              <a:ext uri="{FF2B5EF4-FFF2-40B4-BE49-F238E27FC236}">
-                <a16:creationId xmlns:a16="http://schemas.microsoft.com/office/drawing/2014/main" id="{B8CBCC92-FE01-6083-3793-33EA8FCA7862}"/>
+            <a:r>
+              <a:rPr lang="en-US" dirty="0"/>
+              <a:t>
+              </a:t>
+            </a:r>
+          </a:p>
+        </p:txBody>
+      </p:sp>
+      <p:sp>
+        <p:nvSpPr>
+          <p:cNvPr id="9" name="Slide Number Placeholder 8">
+            <a:extLst>
+              <a:ext uri="{FF2B5EF4-FFF2-40B4-BE49-F238E27FC236}">
+                <a16:creationId xmlns:a16="http://schemas.microsoft.com/office/drawing/2014/main" id="{58E3DEA6-E4EB-4C2A-8B4F-55EC965B6219}"/>
               </a:ext>
             </a:extLst>
           </p:cNvPr>
@@ -2120,18 +2848,18 @@
           <a:bodyPr/>
           <a:lstStyle/>
           <a:p>
-            <a:fld id="{E39FA209-AB76-4517-953C-48CC81EAE92A}" type="slidenum">
-              <a:rPr lang="nl-NL" smtClean="0"/>
+            <a:fld id="{E30AF5A0-43BB-4336-8627-9123B9144D80}" type="slidenum">
+              <a:rPr lang="en-US" dirty="0"/>
               <a:t>‹nr.›</a:t>
             </a:fld>
-            <a:endParaRPr lang="nl-NL"/>
+            <a:endParaRPr lang="en-US" dirty="0"/>
           </a:p>
         </p:txBody>
       </p:sp>
     </p:spTree>
     <p:extLst>
       <p:ext uri="{BB962C8B-B14F-4D97-AF65-F5344CB8AC3E}">
-        <p14:creationId xmlns:p14="http://schemas.microsoft.com/office/powerpoint/2010/main" val="1933292807"/>
+        <p14:creationId xmlns:p14="http://schemas.microsoft.com/office/powerpoint/2010/main" val="699020197"/>
       </p:ext>
     </p:extLst>
   </p:cSld>
@@ -2143,7 +2871,7 @@
 
 <file path=ppt/slideLayouts/slideLayout6.xml><?xml version="1.0" encoding="utf-8"?>
 <p:sldLayout xmlns:a="http://schemas.openxmlformats.org/drawingml/2006/main" xmlns:r="http://schemas.openxmlformats.org/officeDocument/2006/relationships" xmlns:p="http://schemas.openxmlformats.org/presentationml/2006/main" type="titleOnly" preserve="1">
-  <p:cSld name="Alleen titel">
+  <p:cSld name="Title Only">
     <p:spTree>
       <p:nvGrpSpPr>
         <p:cNvPr id="1" name=""/>
@@ -2160,10 +2888,10 @@
       </p:grpSpPr>
       <p:sp>
         <p:nvSpPr>
-          <p:cNvPr id="2" name="Titel 1">
-            <a:extLst>
-              <a:ext uri="{FF2B5EF4-FFF2-40B4-BE49-F238E27FC236}">
-                <a16:creationId xmlns:a16="http://schemas.microsoft.com/office/drawing/2014/main" id="{B325F5FF-C1CF-BF17-B418-DDF0B2E20C25}"/>
+          <p:cNvPr id="2" name="Title 1">
+            <a:extLst>
+              <a:ext uri="{FF2B5EF4-FFF2-40B4-BE49-F238E27FC236}">
+                <a16:creationId xmlns:a16="http://schemas.microsoft.com/office/drawing/2014/main" id="{38032964-A933-4B98-A141-A4B316DAFA9F}"/>
               </a:ext>
             </a:extLst>
           </p:cNvPr>
@@ -2180,18 +2908,18 @@
           <a:lstStyle/>
           <a:p>
             <a:r>
-              <a:rPr lang="nl-NL"/>
-              <a:t>Klik om stijl te bewerken</a:t>
-            </a:r>
-          </a:p>
-        </p:txBody>
-      </p:sp>
-      <p:sp>
-        <p:nvSpPr>
-          <p:cNvPr id="3" name="Tijdelijke aanduiding voor datum 2">
-            <a:extLst>
-              <a:ext uri="{FF2B5EF4-FFF2-40B4-BE49-F238E27FC236}">
-                <a16:creationId xmlns:a16="http://schemas.microsoft.com/office/drawing/2014/main" id="{3CCC67A4-31C1-9080-B5EA-08F4E504DA1E}"/>
+              <a:rPr lang="en-US" dirty="0"/>
+              <a:t>Click to edit Master title style</a:t>
+            </a:r>
+          </a:p>
+        </p:txBody>
+      </p:sp>
+      <p:sp>
+        <p:nvSpPr>
+          <p:cNvPr id="3" name="Date Placeholder 2">
+            <a:extLst>
+              <a:ext uri="{FF2B5EF4-FFF2-40B4-BE49-F238E27FC236}">
+                <a16:creationId xmlns:a16="http://schemas.microsoft.com/office/drawing/2014/main" id="{5D684C9D-23DA-42B0-9DD3-7592F72E8DC9}"/>
               </a:ext>
             </a:extLst>
           </p:cNvPr>
@@ -2207,20 +2935,20 @@
           <a:bodyPr/>
           <a:lstStyle/>
           <a:p>
-            <a:fld id="{D3A58194-11B3-4AEE-8F9C-7C4B4F2B911F}" type="datetimeFigureOut">
-              <a:rPr lang="nl-NL" smtClean="0"/>
-              <a:t>20-5-2025</a:t>
+            <a:fld id="{48C67E51-34D6-4E3D-8F41-CC63EA446EDD}" type="datetimeFigureOut">
+              <a:rPr lang="en-US" dirty="0"/>
+              <a:t>5/21/2025</a:t>
             </a:fld>
-            <a:endParaRPr lang="nl-NL"/>
-          </a:p>
-        </p:txBody>
-      </p:sp>
-      <p:sp>
-        <p:nvSpPr>
-          <p:cNvPr id="4" name="Tijdelijke aanduiding voor voettekst 3">
-            <a:extLst>
-              <a:ext uri="{FF2B5EF4-FFF2-40B4-BE49-F238E27FC236}">
-                <a16:creationId xmlns:a16="http://schemas.microsoft.com/office/drawing/2014/main" id="{4443BFC7-C62A-1D62-4BA5-A6BD6A620A8A}"/>
+            <a:endParaRPr lang="en-US" dirty="0"/>
+          </a:p>
+        </p:txBody>
+      </p:sp>
+      <p:sp>
+        <p:nvSpPr>
+          <p:cNvPr id="4" name="Footer Placeholder 3">
+            <a:extLst>
+              <a:ext uri="{FF2B5EF4-FFF2-40B4-BE49-F238E27FC236}">
+                <a16:creationId xmlns:a16="http://schemas.microsoft.com/office/drawing/2014/main" id="{68BF8F05-876F-49D8-AE30-5BB2A91ECD59}"/>
               </a:ext>
             </a:extLst>
           </p:cNvPr>
@@ -2236,16 +2964,20 @@
           <a:bodyPr/>
           <a:lstStyle/>
           <a:p>
-            <a:endParaRPr lang="nl-NL"/>
-          </a:p>
-        </p:txBody>
-      </p:sp>
-      <p:sp>
-        <p:nvSpPr>
-          <p:cNvPr id="5" name="Tijdelijke aanduiding voor dianummer 4">
-            <a:extLst>
-              <a:ext uri="{FF2B5EF4-FFF2-40B4-BE49-F238E27FC236}">
-                <a16:creationId xmlns:a16="http://schemas.microsoft.com/office/drawing/2014/main" id="{7CB0E977-95E9-9D60-C36D-DAFD4467F2BD}"/>
+            <a:r>
+              <a:rPr lang="en-US" dirty="0"/>
+              <a:t>
+              </a:t>
+            </a:r>
+          </a:p>
+        </p:txBody>
+      </p:sp>
+      <p:sp>
+        <p:nvSpPr>
+          <p:cNvPr id="5" name="Slide Number Placeholder 4">
+            <a:extLst>
+              <a:ext uri="{FF2B5EF4-FFF2-40B4-BE49-F238E27FC236}">
+                <a16:creationId xmlns:a16="http://schemas.microsoft.com/office/drawing/2014/main" id="{153D20DA-9260-4577-BB51-789570A243AF}"/>
               </a:ext>
             </a:extLst>
           </p:cNvPr>
@@ -2261,18 +2993,18 @@
           <a:bodyPr/>
           <a:lstStyle/>
           <a:p>
-            <a:fld id="{E39FA209-AB76-4517-953C-48CC81EAE92A}" type="slidenum">
-              <a:rPr lang="nl-NL" smtClean="0"/>
+            <a:fld id="{E30AF5A0-43BB-4336-8627-9123B9144D80}" type="slidenum">
+              <a:rPr lang="en-US" dirty="0"/>
               <a:t>‹nr.›</a:t>
             </a:fld>
-            <a:endParaRPr lang="nl-NL"/>
+            <a:endParaRPr lang="en-US" dirty="0"/>
           </a:p>
         </p:txBody>
       </p:sp>
     </p:spTree>
     <p:extLst>
       <p:ext uri="{BB962C8B-B14F-4D97-AF65-F5344CB8AC3E}">
-        <p14:creationId xmlns:p14="http://schemas.microsoft.com/office/powerpoint/2010/main" val="3888566098"/>
+        <p14:creationId xmlns:p14="http://schemas.microsoft.com/office/powerpoint/2010/main" val="3387393070"/>
       </p:ext>
     </p:extLst>
   </p:cSld>
@@ -2284,7 +3016,7 @@
 
 <file path=ppt/slideLayouts/slideLayout7.xml><?xml version="1.0" encoding="utf-8"?>
 <p:sldLayout xmlns:a="http://schemas.openxmlformats.org/drawingml/2006/main" xmlns:r="http://schemas.openxmlformats.org/officeDocument/2006/relationships" xmlns:p="http://schemas.openxmlformats.org/presentationml/2006/main" type="blank" preserve="1">
-  <p:cSld name="Leeg">
+  <p:cSld name="Blank">
     <p:spTree>
       <p:nvGrpSpPr>
         <p:cNvPr id="1" name=""/>
@@ -2301,10 +3033,10 @@
       </p:grpSpPr>
       <p:sp>
         <p:nvSpPr>
-          <p:cNvPr id="2" name="Tijdelijke aanduiding voor datum 1">
-            <a:extLst>
-              <a:ext uri="{FF2B5EF4-FFF2-40B4-BE49-F238E27FC236}">
-                <a16:creationId xmlns:a16="http://schemas.microsoft.com/office/drawing/2014/main" id="{ACAC76AC-E40E-6D24-CC0D-1FEBEB470A96}"/>
+          <p:cNvPr id="2" name="Date Placeholder 1">
+            <a:extLst>
+              <a:ext uri="{FF2B5EF4-FFF2-40B4-BE49-F238E27FC236}">
+                <a16:creationId xmlns:a16="http://schemas.microsoft.com/office/drawing/2014/main" id="{AD2C1F24-E0A1-45A7-8EF5-92CD9799341C}"/>
               </a:ext>
             </a:extLst>
           </p:cNvPr>
@@ -2320,20 +3052,20 @@
           <a:bodyPr/>
           <a:lstStyle/>
           <a:p>
-            <a:fld id="{D3A58194-11B3-4AEE-8F9C-7C4B4F2B911F}" type="datetimeFigureOut">
-              <a:rPr lang="nl-NL" smtClean="0"/>
-              <a:t>20-5-2025</a:t>
+            <a:fld id="{8D49E550-CE3F-497F-B953-7DE0932F91C0}" type="datetimeFigureOut">
+              <a:rPr lang="en-US" dirty="0"/>
+              <a:t>5/21/2025</a:t>
             </a:fld>
-            <a:endParaRPr lang="nl-NL"/>
-          </a:p>
-        </p:txBody>
-      </p:sp>
-      <p:sp>
-        <p:nvSpPr>
-          <p:cNvPr id="3" name="Tijdelijke aanduiding voor voettekst 2">
-            <a:extLst>
-              <a:ext uri="{FF2B5EF4-FFF2-40B4-BE49-F238E27FC236}">
-                <a16:creationId xmlns:a16="http://schemas.microsoft.com/office/drawing/2014/main" id="{207A4FD0-0002-66A5-6A2A-BA743B82E338}"/>
+            <a:endParaRPr lang="en-US" dirty="0"/>
+          </a:p>
+        </p:txBody>
+      </p:sp>
+      <p:sp>
+        <p:nvSpPr>
+          <p:cNvPr id="3" name="Footer Placeholder 2">
+            <a:extLst>
+              <a:ext uri="{FF2B5EF4-FFF2-40B4-BE49-F238E27FC236}">
+                <a16:creationId xmlns:a16="http://schemas.microsoft.com/office/drawing/2014/main" id="{3E021C19-210E-46B0-9036-5D8AECC9260C}"/>
               </a:ext>
             </a:extLst>
           </p:cNvPr>
@@ -2349,16 +3081,20 @@
           <a:bodyPr/>
           <a:lstStyle/>
           <a:p>
-            <a:endParaRPr lang="nl-NL"/>
-          </a:p>
-        </p:txBody>
-      </p:sp>
-      <p:sp>
-        <p:nvSpPr>
-          <p:cNvPr id="4" name="Tijdelijke aanduiding voor dianummer 3">
-            <a:extLst>
-              <a:ext uri="{FF2B5EF4-FFF2-40B4-BE49-F238E27FC236}">
-                <a16:creationId xmlns:a16="http://schemas.microsoft.com/office/drawing/2014/main" id="{63084F55-80C8-55E0-CB9D-204FD6756EF2}"/>
+            <a:r>
+              <a:rPr lang="en-US" dirty="0"/>
+              <a:t>
+              </a:t>
+            </a:r>
+          </a:p>
+        </p:txBody>
+      </p:sp>
+      <p:sp>
+        <p:nvSpPr>
+          <p:cNvPr id="4" name="Slide Number Placeholder 3">
+            <a:extLst>
+              <a:ext uri="{FF2B5EF4-FFF2-40B4-BE49-F238E27FC236}">
+                <a16:creationId xmlns:a16="http://schemas.microsoft.com/office/drawing/2014/main" id="{1A880FEF-487E-44DF-8615-DF2210419602}"/>
               </a:ext>
             </a:extLst>
           </p:cNvPr>
@@ -2374,18 +3110,18 @@
           <a:bodyPr/>
           <a:lstStyle/>
           <a:p>
-            <a:fld id="{E39FA209-AB76-4517-953C-48CC81EAE92A}" type="slidenum">
-              <a:rPr lang="nl-NL" smtClean="0"/>
+            <a:fld id="{E30AF5A0-43BB-4336-8627-9123B9144D80}" type="slidenum">
+              <a:rPr lang="en-US" dirty="0"/>
               <a:t>‹nr.›</a:t>
             </a:fld>
-            <a:endParaRPr lang="nl-NL"/>
+            <a:endParaRPr lang="en-US" dirty="0"/>
           </a:p>
         </p:txBody>
       </p:sp>
     </p:spTree>
     <p:extLst>
       <p:ext uri="{BB962C8B-B14F-4D97-AF65-F5344CB8AC3E}">
-        <p14:creationId xmlns:p14="http://schemas.microsoft.com/office/powerpoint/2010/main" val="1714124319"/>
+        <p14:creationId xmlns:p14="http://schemas.microsoft.com/office/powerpoint/2010/main" val="559999285"/>
       </p:ext>
     </p:extLst>
   </p:cSld>
@@ -2397,7 +3133,7 @@
 
 <file path=ppt/slideLayouts/slideLayout8.xml><?xml version="1.0" encoding="utf-8"?>
 <p:sldLayout xmlns:a="http://schemas.openxmlformats.org/drawingml/2006/main" xmlns:r="http://schemas.openxmlformats.org/officeDocument/2006/relationships" xmlns:p="http://schemas.openxmlformats.org/presentationml/2006/main" type="objTx" preserve="1">
-  <p:cSld name="Inhoud met bijschrift">
+  <p:cSld name="Content with Caption">
     <p:spTree>
       <p:nvGrpSpPr>
         <p:cNvPr id="1" name=""/>
@@ -2414,10 +3150,10 @@
       </p:grpSpPr>
       <p:sp>
         <p:nvSpPr>
-          <p:cNvPr id="2" name="Titel 1">
-            <a:extLst>
-              <a:ext uri="{FF2B5EF4-FFF2-40B4-BE49-F238E27FC236}">
-                <a16:creationId xmlns:a16="http://schemas.microsoft.com/office/drawing/2014/main" id="{E3F0F2AF-2645-C7EC-9FFA-F9FD7F3D6A1D}"/>
+          <p:cNvPr id="2" name="Title 1">
+            <a:extLst>
+              <a:ext uri="{FF2B5EF4-FFF2-40B4-BE49-F238E27FC236}">
+                <a16:creationId xmlns:a16="http://schemas.microsoft.com/office/drawing/2014/main" id="{11A568EE-74C8-43A6-90BC-2DDD965CF64A}"/>
               </a:ext>
             </a:extLst>
           </p:cNvPr>
@@ -2430,8 +3166,8 @@
         </p:nvSpPr>
         <p:spPr>
           <a:xfrm>
-            <a:off x="839788" y="457200"/>
-            <a:ext cx="3932237" cy="1600200"/>
+            <a:off x="678426" y="781665"/>
+            <a:ext cx="4093599" cy="1223452"/>
           </a:xfrm>
         </p:spPr>
         <p:txBody>
@@ -2443,18 +3179,18 @@
           </a:lstStyle>
           <a:p>
             <a:r>
-              <a:rPr lang="nl-NL"/>
-              <a:t>Klik om stijl te bewerken</a:t>
-            </a:r>
-          </a:p>
-        </p:txBody>
-      </p:sp>
-      <p:sp>
-        <p:nvSpPr>
-          <p:cNvPr id="3" name="Tijdelijke aanduiding voor inhoud 2">
-            <a:extLst>
-              <a:ext uri="{FF2B5EF4-FFF2-40B4-BE49-F238E27FC236}">
-                <a16:creationId xmlns:a16="http://schemas.microsoft.com/office/drawing/2014/main" id="{8E556579-B7D9-61ED-300B-468F3C9FAA20}"/>
+              <a:rPr lang="en-US" dirty="0"/>
+              <a:t>Click to edit Master title style</a:t>
+            </a:r>
+          </a:p>
+        </p:txBody>
+      </p:sp>
+      <p:sp>
+        <p:nvSpPr>
+          <p:cNvPr id="3" name="Content Placeholder 2">
+            <a:extLst>
+              <a:ext uri="{FF2B5EF4-FFF2-40B4-BE49-F238E27FC236}">
+                <a16:creationId xmlns:a16="http://schemas.microsoft.com/office/drawing/2014/main" id="{971C35AC-CAE3-48CF-A3E4-A075C9FDD71B}"/>
               </a:ext>
             </a:extLst>
           </p:cNvPr>
@@ -2505,46 +3241,46 @@
           <a:p>
             <a:pPr lvl="0"/>
             <a:r>
-              <a:rPr lang="nl-NL"/>
-              <a:t>Klikken om de tekststijl van het model te bewerken</a:t>
+              <a:rPr lang="en-US" dirty="0"/>
+              <a:t>Click to edit Master text styles</a:t>
             </a:r>
           </a:p>
           <a:p>
             <a:pPr lvl="1"/>
             <a:r>
-              <a:rPr lang="nl-NL"/>
-              <a:t>Tweede niveau</a:t>
+              <a:rPr lang="en-US" dirty="0"/>
+              <a:t>Second level</a:t>
             </a:r>
           </a:p>
           <a:p>
             <a:pPr lvl="2"/>
             <a:r>
-              <a:rPr lang="nl-NL"/>
-              <a:t>Derde niveau</a:t>
+              <a:rPr lang="en-US" dirty="0"/>
+              <a:t>Third level</a:t>
             </a:r>
           </a:p>
           <a:p>
             <a:pPr lvl="3"/>
             <a:r>
-              <a:rPr lang="nl-NL"/>
-              <a:t>Vierde niveau</a:t>
+              <a:rPr lang="en-US" dirty="0"/>
+              <a:t>Fourth level</a:t>
             </a:r>
           </a:p>
           <a:p>
             <a:pPr lvl="4"/>
             <a:r>
-              <a:rPr lang="nl-NL"/>
-              <a:t>Vijfde niveau</a:t>
-            </a:r>
-          </a:p>
-        </p:txBody>
-      </p:sp>
-      <p:sp>
-        <p:nvSpPr>
-          <p:cNvPr id="4" name="Tijdelijke aanduiding voor tekst 3">
-            <a:extLst>
-              <a:ext uri="{FF2B5EF4-FFF2-40B4-BE49-F238E27FC236}">
-                <a16:creationId xmlns:a16="http://schemas.microsoft.com/office/drawing/2014/main" id="{80CD8B2D-6C8F-DF70-3A06-8DC6819E40E9}"/>
+              <a:rPr lang="en-US" dirty="0"/>
+              <a:t>Fifth level</a:t>
+            </a:r>
+          </a:p>
+        </p:txBody>
+      </p:sp>
+      <p:sp>
+        <p:nvSpPr>
+          <p:cNvPr id="4" name="Text Placeholder 3">
+            <a:extLst>
+              <a:ext uri="{FF2B5EF4-FFF2-40B4-BE49-F238E27FC236}">
+                <a16:creationId xmlns:a16="http://schemas.microsoft.com/office/drawing/2014/main" id="{2D9D03EA-5FAD-4609-A2B8-624E426847E3}"/>
               </a:ext>
             </a:extLst>
           </p:cNvPr>
@@ -2557,8 +3293,8 @@
         </p:nvSpPr>
         <p:spPr>
           <a:xfrm>
-            <a:off x="839788" y="2057400"/>
-            <a:ext cx="3932237" cy="3811588"/>
+            <a:off x="688258" y="2315497"/>
+            <a:ext cx="4093599" cy="3553491"/>
           </a:xfrm>
         </p:spPr>
         <p:txBody>
@@ -2604,18 +3340,18 @@
           <a:p>
             <a:pPr lvl="0"/>
             <a:r>
-              <a:rPr lang="nl-NL"/>
-              <a:t>Klikken om de tekststijl van het model te bewerken</a:t>
-            </a:r>
-          </a:p>
-        </p:txBody>
-      </p:sp>
-      <p:sp>
-        <p:nvSpPr>
-          <p:cNvPr id="5" name="Tijdelijke aanduiding voor datum 4">
-            <a:extLst>
-              <a:ext uri="{FF2B5EF4-FFF2-40B4-BE49-F238E27FC236}">
-                <a16:creationId xmlns:a16="http://schemas.microsoft.com/office/drawing/2014/main" id="{42E29797-6957-20F0-B8F9-4B9307D3FD18}"/>
+              <a:rPr lang="en-US" dirty="0"/>
+              <a:t>Click to edit Master text styles</a:t>
+            </a:r>
+          </a:p>
+        </p:txBody>
+      </p:sp>
+      <p:sp>
+        <p:nvSpPr>
+          <p:cNvPr id="5" name="Date Placeholder 4">
+            <a:extLst>
+              <a:ext uri="{FF2B5EF4-FFF2-40B4-BE49-F238E27FC236}">
+                <a16:creationId xmlns:a16="http://schemas.microsoft.com/office/drawing/2014/main" id="{0B58D2EA-2191-4216-B64D-067BDFE12375}"/>
               </a:ext>
             </a:extLst>
           </p:cNvPr>
@@ -2631,20 +3367,20 @@
           <a:bodyPr/>
           <a:lstStyle/>
           <a:p>
-            <a:fld id="{D3A58194-11B3-4AEE-8F9C-7C4B4F2B911F}" type="datetimeFigureOut">
-              <a:rPr lang="nl-NL" smtClean="0"/>
-              <a:t>20-5-2025</a:t>
+            <a:fld id="{217A0BF4-BAA0-4539-95F2-9C4277F97478}" type="datetimeFigureOut">
+              <a:rPr lang="en-US" dirty="0"/>
+              <a:t>5/21/2025</a:t>
             </a:fld>
-            <a:endParaRPr lang="nl-NL"/>
-          </a:p>
-        </p:txBody>
-      </p:sp>
-      <p:sp>
-        <p:nvSpPr>
-          <p:cNvPr id="6" name="Tijdelijke aanduiding voor voettekst 5">
-            <a:extLst>
-              <a:ext uri="{FF2B5EF4-FFF2-40B4-BE49-F238E27FC236}">
-                <a16:creationId xmlns:a16="http://schemas.microsoft.com/office/drawing/2014/main" id="{E332305F-5447-132C-EC66-1958C689322B}"/>
+            <a:endParaRPr lang="en-US" dirty="0"/>
+          </a:p>
+        </p:txBody>
+      </p:sp>
+      <p:sp>
+        <p:nvSpPr>
+          <p:cNvPr id="6" name="Footer Placeholder 5">
+            <a:extLst>
+              <a:ext uri="{FF2B5EF4-FFF2-40B4-BE49-F238E27FC236}">
+                <a16:creationId xmlns:a16="http://schemas.microsoft.com/office/drawing/2014/main" id="{78042128-DAB4-481C-BEE6-3523E8E88BAD}"/>
               </a:ext>
             </a:extLst>
           </p:cNvPr>
@@ -2660,16 +3396,20 @@
           <a:bodyPr/>
           <a:lstStyle/>
           <a:p>
-            <a:endParaRPr lang="nl-NL"/>
-          </a:p>
-        </p:txBody>
-      </p:sp>
-      <p:sp>
-        <p:nvSpPr>
-          <p:cNvPr id="7" name="Tijdelijke aanduiding voor dianummer 6">
-            <a:extLst>
-              <a:ext uri="{FF2B5EF4-FFF2-40B4-BE49-F238E27FC236}">
-                <a16:creationId xmlns:a16="http://schemas.microsoft.com/office/drawing/2014/main" id="{5158B08F-75F1-16AA-0CBE-CDE407865DE4}"/>
+            <a:r>
+              <a:rPr lang="en-US" dirty="0"/>
+              <a:t>
+              </a:t>
+            </a:r>
+          </a:p>
+        </p:txBody>
+      </p:sp>
+      <p:sp>
+        <p:nvSpPr>
+          <p:cNvPr id="7" name="Slide Number Placeholder 6">
+            <a:extLst>
+              <a:ext uri="{FF2B5EF4-FFF2-40B4-BE49-F238E27FC236}">
+                <a16:creationId xmlns:a16="http://schemas.microsoft.com/office/drawing/2014/main" id="{AE50E382-C500-4A4C-A7C6-43860383AB91}"/>
               </a:ext>
             </a:extLst>
           </p:cNvPr>
@@ -2685,30 +3425,35 @@
           <a:bodyPr/>
           <a:lstStyle/>
           <a:p>
-            <a:fld id="{E39FA209-AB76-4517-953C-48CC81EAE92A}" type="slidenum">
-              <a:rPr lang="nl-NL" smtClean="0"/>
+            <a:fld id="{E30AF5A0-43BB-4336-8627-9123B9144D80}" type="slidenum">
+              <a:rPr lang="en-US" dirty="0"/>
               <a:t>‹nr.›</a:t>
             </a:fld>
-            <a:endParaRPr lang="nl-NL"/>
+            <a:endParaRPr lang="en-US" dirty="0"/>
           </a:p>
         </p:txBody>
       </p:sp>
     </p:spTree>
     <p:extLst>
       <p:ext uri="{BB962C8B-B14F-4D97-AF65-F5344CB8AC3E}">
-        <p14:creationId xmlns:p14="http://schemas.microsoft.com/office/powerpoint/2010/main" val="674766694"/>
+        <p14:creationId xmlns:p14="http://schemas.microsoft.com/office/powerpoint/2010/main" val="2132262262"/>
       </p:ext>
     </p:extLst>
   </p:cSld>
   <p:clrMapOvr>
     <a:masterClrMapping/>
   </p:clrMapOvr>
+  <p:extLst>
+    <p:ext uri="{DCECCB84-F9BA-43D5-87BE-67443E8EF086}">
+      <p15:sldGuideLst xmlns:p15="http://schemas.microsoft.com/office/powerpoint/2012/main"/>
+    </p:ext>
+  </p:extLst>
 </p:sldLayout>
 </file>
 
 <file path=ppt/slideLayouts/slideLayout9.xml><?xml version="1.0" encoding="utf-8"?>
 <p:sldLayout xmlns:a="http://schemas.openxmlformats.org/drawingml/2006/main" xmlns:r="http://schemas.openxmlformats.org/officeDocument/2006/relationships" xmlns:p="http://schemas.openxmlformats.org/presentationml/2006/main" type="picTx" preserve="1">
-  <p:cSld name="Afbeelding met bijschrift">
+  <p:cSld name="Picture with Caption">
     <p:spTree>
       <p:nvGrpSpPr>
         <p:cNvPr id="1" name=""/>
@@ -2725,10 +3470,10 @@
       </p:grpSpPr>
       <p:sp>
         <p:nvSpPr>
-          <p:cNvPr id="2" name="Titel 1">
-            <a:extLst>
-              <a:ext uri="{FF2B5EF4-FFF2-40B4-BE49-F238E27FC236}">
-                <a16:creationId xmlns:a16="http://schemas.microsoft.com/office/drawing/2014/main" id="{D7869B1D-5402-EAC0-FCCF-9291E0D651B7}"/>
+          <p:cNvPr id="2" name="Title 1">
+            <a:extLst>
+              <a:ext uri="{FF2B5EF4-FFF2-40B4-BE49-F238E27FC236}">
+                <a16:creationId xmlns:a16="http://schemas.microsoft.com/office/drawing/2014/main" id="{139FE98B-EACF-4251-A8AF-0D9EDD17C664}"/>
               </a:ext>
             </a:extLst>
           </p:cNvPr>
@@ -2741,8 +3486,8 @@
         </p:nvSpPr>
         <p:spPr>
           <a:xfrm>
-            <a:off x="839788" y="457200"/>
-            <a:ext cx="3932237" cy="1600200"/>
+            <a:off x="683342" y="1066800"/>
+            <a:ext cx="4103431" cy="1317523"/>
           </a:xfrm>
         </p:spPr>
         <p:txBody>
@@ -2754,23 +3499,23 @@
           </a:lstStyle>
           <a:p>
             <a:r>
-              <a:rPr lang="nl-NL"/>
-              <a:t>Klik om stijl te bewerken</a:t>
-            </a:r>
-          </a:p>
-        </p:txBody>
-      </p:sp>
-      <p:sp>
-        <p:nvSpPr>
-          <p:cNvPr id="3" name="Tijdelijke aanduiding voor afbeelding 2">
-            <a:extLst>
-              <a:ext uri="{FF2B5EF4-FFF2-40B4-BE49-F238E27FC236}">
-                <a16:creationId xmlns:a16="http://schemas.microsoft.com/office/drawing/2014/main" id="{2999C653-4775-AB5E-D139-D6C51E8E7EC2}"/>
-              </a:ext>
-            </a:extLst>
-          </p:cNvPr>
-          <p:cNvSpPr>
-            <a:spLocks noGrp="1"/>
+              <a:rPr lang="en-US" dirty="0"/>
+              <a:t>Click to edit Master title style</a:t>
+            </a:r>
+          </a:p>
+        </p:txBody>
+      </p:sp>
+      <p:sp>
+        <p:nvSpPr>
+          <p:cNvPr id="3" name="Picture Placeholder 2">
+            <a:extLst>
+              <a:ext uri="{FF2B5EF4-FFF2-40B4-BE49-F238E27FC236}">
+                <a16:creationId xmlns:a16="http://schemas.microsoft.com/office/drawing/2014/main" id="{3905F473-761A-4002-AF70-9FF878D0139E}"/>
+              </a:ext>
+            </a:extLst>
+          </p:cNvPr>
+          <p:cNvSpPr>
+            <a:spLocks noGrp="1" noChangeAspect="1"/>
           </p:cNvSpPr>
           <p:nvPr>
             <p:ph type="pic" idx="1"/>
@@ -2778,8 +3523,75 @@
         </p:nvSpPr>
         <p:spPr>
           <a:xfrm>
-            <a:off x="5183188" y="987425"/>
-            <a:ext cx="6172200" cy="4873625"/>
+            <a:off x="5183188" y="1066800"/>
+            <a:ext cx="6172200" cy="4794250"/>
+          </a:xfrm>
+        </p:spPr>
+        <p:txBody>
+          <a:bodyPr anchor="t"/>
+          <a:lstStyle>
+            <a:lvl1pPr marL="0" indent="0">
+              <a:buNone/>
+              <a:defRPr sz="3200"/>
+            </a:lvl1pPr>
+            <a:lvl2pPr marL="457200" indent="0">
+              <a:buNone/>
+              <a:defRPr sz="2800"/>
+            </a:lvl2pPr>
+            <a:lvl3pPr marL="914400" indent="0">
+              <a:buNone/>
+              <a:defRPr sz="2400"/>
+            </a:lvl3pPr>
+            <a:lvl4pPr marL="1371600" indent="0">
+              <a:buNone/>
+              <a:defRPr sz="2000"/>
+            </a:lvl4pPr>
+            <a:lvl5pPr marL="1828800" indent="0">
+              <a:buNone/>
+              <a:defRPr sz="2000"/>
+            </a:lvl5pPr>
+            <a:lvl6pPr marL="2286000" indent="0">
+              <a:buNone/>
+              <a:defRPr sz="2000"/>
+            </a:lvl6pPr>
+            <a:lvl7pPr marL="2743200" indent="0">
+              <a:buNone/>
+              <a:defRPr sz="2000"/>
+            </a:lvl7pPr>
+            <a:lvl8pPr marL="3200400" indent="0">
+              <a:buNone/>
+              <a:defRPr sz="2000"/>
+            </a:lvl8pPr>
+            <a:lvl9pPr marL="3657600" indent="0">
+              <a:buNone/>
+              <a:defRPr sz="2000"/>
+            </a:lvl9pPr>
+          </a:lstStyle>
+          <a:p>
+            <a:endParaRPr lang="en-US" dirty="0"/>
+          </a:p>
+        </p:txBody>
+      </p:sp>
+      <p:sp>
+        <p:nvSpPr>
+          <p:cNvPr id="4" name="Text Placeholder 3">
+            <a:extLst>
+              <a:ext uri="{FF2B5EF4-FFF2-40B4-BE49-F238E27FC236}">
+                <a16:creationId xmlns:a16="http://schemas.microsoft.com/office/drawing/2014/main" id="{FA0C2E6A-F834-4540-BB00-E13CB45DC362}"/>
+              </a:ext>
+            </a:extLst>
+          </p:cNvPr>
+          <p:cNvSpPr>
+            <a:spLocks noGrp="1"/>
+          </p:cNvSpPr>
+          <p:nvPr>
+            <p:ph type="body" sz="half" idx="2"/>
+          </p:nvPr>
+        </p:nvSpPr>
+        <p:spPr>
+          <a:xfrm>
+            <a:off x="683342" y="2552700"/>
+            <a:ext cx="4103431" cy="3316288"/>
           </a:xfrm>
         </p:spPr>
         <p:txBody>
@@ -2787,73 +3599,6 @@
           <a:lstStyle>
             <a:lvl1pPr marL="0" indent="0">
               <a:buNone/>
-              <a:defRPr sz="3200"/>
-            </a:lvl1pPr>
-            <a:lvl2pPr marL="457200" indent="0">
-              <a:buNone/>
-              <a:defRPr sz="2800"/>
-            </a:lvl2pPr>
-            <a:lvl3pPr marL="914400" indent="0">
-              <a:buNone/>
-              <a:defRPr sz="2400"/>
-            </a:lvl3pPr>
-            <a:lvl4pPr marL="1371600" indent="0">
-              <a:buNone/>
-              <a:defRPr sz="2000"/>
-            </a:lvl4pPr>
-            <a:lvl5pPr marL="1828800" indent="0">
-              <a:buNone/>
-              <a:defRPr sz="2000"/>
-            </a:lvl5pPr>
-            <a:lvl6pPr marL="2286000" indent="0">
-              <a:buNone/>
-              <a:defRPr sz="2000"/>
-            </a:lvl6pPr>
-            <a:lvl7pPr marL="2743200" indent="0">
-              <a:buNone/>
-              <a:defRPr sz="2000"/>
-            </a:lvl7pPr>
-            <a:lvl8pPr marL="3200400" indent="0">
-              <a:buNone/>
-              <a:defRPr sz="2000"/>
-            </a:lvl8pPr>
-            <a:lvl9pPr marL="3657600" indent="0">
-              <a:buNone/>
-              <a:defRPr sz="2000"/>
-            </a:lvl9pPr>
-          </a:lstStyle>
-          <a:p>
-            <a:endParaRPr lang="nl-NL"/>
-          </a:p>
-        </p:txBody>
-      </p:sp>
-      <p:sp>
-        <p:nvSpPr>
-          <p:cNvPr id="4" name="Tijdelijke aanduiding voor tekst 3">
-            <a:extLst>
-              <a:ext uri="{FF2B5EF4-FFF2-40B4-BE49-F238E27FC236}">
-                <a16:creationId xmlns:a16="http://schemas.microsoft.com/office/drawing/2014/main" id="{9DC38B77-52F2-8DC3-3A1E-A13FCC150621}"/>
-              </a:ext>
-            </a:extLst>
-          </p:cNvPr>
-          <p:cNvSpPr>
-            <a:spLocks noGrp="1"/>
-          </p:cNvSpPr>
-          <p:nvPr>
-            <p:ph type="body" sz="half" idx="2"/>
-          </p:nvPr>
-        </p:nvSpPr>
-        <p:spPr>
-          <a:xfrm>
-            <a:off x="839788" y="2057400"/>
-            <a:ext cx="3932237" cy="3811588"/>
-          </a:xfrm>
-        </p:spPr>
-        <p:txBody>
-          <a:bodyPr/>
-          <a:lstStyle>
-            <a:lvl1pPr marL="0" indent="0">
-              <a:buNone/>
               <a:defRPr sz="1600"/>
             </a:lvl1pPr>
             <a:lvl2pPr marL="457200" indent="0">
@@ -2892,18 +3637,18 @@
           <a:p>
             <a:pPr lvl="0"/>
             <a:r>
-              <a:rPr lang="nl-NL"/>
-              <a:t>Klikken om de tekststijl van het model te bewerken</a:t>
-            </a:r>
-          </a:p>
-        </p:txBody>
-      </p:sp>
-      <p:sp>
-        <p:nvSpPr>
-          <p:cNvPr id="5" name="Tijdelijke aanduiding voor datum 4">
-            <a:extLst>
-              <a:ext uri="{FF2B5EF4-FFF2-40B4-BE49-F238E27FC236}">
-                <a16:creationId xmlns:a16="http://schemas.microsoft.com/office/drawing/2014/main" id="{E4CB4E75-56C3-2DA1-6C40-19A212C9D444}"/>
+              <a:rPr lang="en-US" dirty="0"/>
+              <a:t>Click to edit Master text styles</a:t>
+            </a:r>
+          </a:p>
+        </p:txBody>
+      </p:sp>
+      <p:sp>
+        <p:nvSpPr>
+          <p:cNvPr id="5" name="Date Placeholder 4">
+            <a:extLst>
+              <a:ext uri="{FF2B5EF4-FFF2-40B4-BE49-F238E27FC236}">
+                <a16:creationId xmlns:a16="http://schemas.microsoft.com/office/drawing/2014/main" id="{F0C38EAB-AD63-415C-B263-BA1D8FBE3CB0}"/>
               </a:ext>
             </a:extLst>
           </p:cNvPr>
@@ -2919,20 +3664,20 @@
           <a:bodyPr/>
           <a:lstStyle/>
           <a:p>
-            <a:fld id="{D3A58194-11B3-4AEE-8F9C-7C4B4F2B911F}" type="datetimeFigureOut">
-              <a:rPr lang="nl-NL" smtClean="0"/>
-              <a:t>20-5-2025</a:t>
+            <a:fld id="{52E9884E-D945-496C-84BE-49C61F78F9EC}" type="datetimeFigureOut">
+              <a:rPr lang="en-US" dirty="0"/>
+              <a:t>5/21/2025</a:t>
             </a:fld>
-            <a:endParaRPr lang="nl-NL"/>
-          </a:p>
-        </p:txBody>
-      </p:sp>
-      <p:sp>
-        <p:nvSpPr>
-          <p:cNvPr id="6" name="Tijdelijke aanduiding voor voettekst 5">
-            <a:extLst>
-              <a:ext uri="{FF2B5EF4-FFF2-40B4-BE49-F238E27FC236}">
-                <a16:creationId xmlns:a16="http://schemas.microsoft.com/office/drawing/2014/main" id="{C49C7A44-6842-3B47-0D0F-5487994CE6D5}"/>
+            <a:endParaRPr lang="en-US" dirty="0"/>
+          </a:p>
+        </p:txBody>
+      </p:sp>
+      <p:sp>
+        <p:nvSpPr>
+          <p:cNvPr id="6" name="Footer Placeholder 5">
+            <a:extLst>
+              <a:ext uri="{FF2B5EF4-FFF2-40B4-BE49-F238E27FC236}">
+                <a16:creationId xmlns:a16="http://schemas.microsoft.com/office/drawing/2014/main" id="{422E5541-B6DE-45E8-BCFE-0DFC4F574079}"/>
               </a:ext>
             </a:extLst>
           </p:cNvPr>
@@ -2948,16 +3693,20 @@
           <a:bodyPr/>
           <a:lstStyle/>
           <a:p>
-            <a:endParaRPr lang="nl-NL"/>
-          </a:p>
-        </p:txBody>
-      </p:sp>
-      <p:sp>
-        <p:nvSpPr>
-          <p:cNvPr id="7" name="Tijdelijke aanduiding voor dianummer 6">
-            <a:extLst>
-              <a:ext uri="{FF2B5EF4-FFF2-40B4-BE49-F238E27FC236}">
-                <a16:creationId xmlns:a16="http://schemas.microsoft.com/office/drawing/2014/main" id="{2CB275F7-97BC-6EBC-7B7D-22F99DA044C9}"/>
+            <a:r>
+              <a:rPr lang="en-US" dirty="0"/>
+              <a:t>
+              </a:t>
+            </a:r>
+          </a:p>
+        </p:txBody>
+      </p:sp>
+      <p:sp>
+        <p:nvSpPr>
+          <p:cNvPr id="7" name="Slide Number Placeholder 6">
+            <a:extLst>
+              <a:ext uri="{FF2B5EF4-FFF2-40B4-BE49-F238E27FC236}">
+                <a16:creationId xmlns:a16="http://schemas.microsoft.com/office/drawing/2014/main" id="{DBB78D45-289B-46AF-8CB9-E6150BEA17ED}"/>
               </a:ext>
             </a:extLst>
           </p:cNvPr>
@@ -2973,24 +3722,29 @@
           <a:bodyPr/>
           <a:lstStyle/>
           <a:p>
-            <a:fld id="{E39FA209-AB76-4517-953C-48CC81EAE92A}" type="slidenum">
-              <a:rPr lang="nl-NL" smtClean="0"/>
+            <a:fld id="{E30AF5A0-43BB-4336-8627-9123B9144D80}" type="slidenum">
+              <a:rPr lang="en-US" dirty="0"/>
               <a:t>‹nr.›</a:t>
             </a:fld>
-            <a:endParaRPr lang="nl-NL"/>
+            <a:endParaRPr lang="en-US" dirty="0"/>
           </a:p>
         </p:txBody>
       </p:sp>
     </p:spTree>
     <p:extLst>
       <p:ext uri="{BB962C8B-B14F-4D97-AF65-F5344CB8AC3E}">
-        <p14:creationId xmlns:p14="http://schemas.microsoft.com/office/powerpoint/2010/main" val="2208058834"/>
+        <p14:creationId xmlns:p14="http://schemas.microsoft.com/office/powerpoint/2010/main" val="2933474894"/>
       </p:ext>
     </p:extLst>
   </p:cSld>
   <p:clrMapOvr>
     <a:masterClrMapping/>
   </p:clrMapOvr>
+  <p:extLst>
+    <p:ext uri="{DCECCB84-F9BA-43D5-87BE-67443E8EF086}">
+      <p15:sldGuideLst xmlns:p15="http://schemas.microsoft.com/office/powerpoint/2012/main"/>
+    </p:ext>
+  </p:extLst>
 </p:sldLayout>
 </file>
 
@@ -3018,10 +3772,10 @@
       </p:grpSpPr>
       <p:sp>
         <p:nvSpPr>
-          <p:cNvPr id="2" name="Tijdelijke aanduiding voor titel 1">
-            <a:extLst>
-              <a:ext uri="{FF2B5EF4-FFF2-40B4-BE49-F238E27FC236}">
-                <a16:creationId xmlns:a16="http://schemas.microsoft.com/office/drawing/2014/main" id="{8C0BE85C-DE20-EF86-F057-6D8BE1332738}"/>
+          <p:cNvPr id="2" name="Title Placeholder 1">
+            <a:extLst>
+              <a:ext uri="{FF2B5EF4-FFF2-40B4-BE49-F238E27FC236}">
+                <a16:creationId xmlns:a16="http://schemas.microsoft.com/office/drawing/2014/main" id="{47A362AC-B59F-4AC7-B279-57DDD5336BCA}"/>
               </a:ext>
             </a:extLst>
           </p:cNvPr>
@@ -3034,32 +3788,32 @@
         </p:nvSpPr>
         <p:spPr>
           <a:xfrm>
-            <a:off x="838200" y="365125"/>
-            <a:ext cx="10515600" cy="1325563"/>
+            <a:off x="700635" y="922096"/>
+            <a:ext cx="10691265" cy="1371030"/>
           </a:xfrm>
           <a:prstGeom prst="rect">
             <a:avLst/>
           </a:prstGeom>
         </p:spPr>
         <p:txBody>
-          <a:bodyPr vert="horz" lIns="91440" tIns="45720" rIns="91440" bIns="45720" rtlCol="0" anchor="ctr">
+          <a:bodyPr vert="horz" lIns="91440" tIns="45720" rIns="91440" bIns="45720" rtlCol="0" anchor="t">
             <a:normAutofit/>
           </a:bodyPr>
           <a:lstStyle/>
           <a:p>
             <a:r>
-              <a:rPr lang="nl-NL"/>
-              <a:t>Klik om stijl te bewerken</a:t>
-            </a:r>
-          </a:p>
-        </p:txBody>
-      </p:sp>
-      <p:sp>
-        <p:nvSpPr>
-          <p:cNvPr id="3" name="Tijdelijke aanduiding voor tekst 2">
-            <a:extLst>
-              <a:ext uri="{FF2B5EF4-FFF2-40B4-BE49-F238E27FC236}">
-                <a16:creationId xmlns:a16="http://schemas.microsoft.com/office/drawing/2014/main" id="{43364F83-B8D0-CF32-9E21-9027F63EB485}"/>
+              <a:rPr lang="en-US" dirty="0"/>
+              <a:t>Click to edit Master title style</a:t>
+            </a:r>
+          </a:p>
+        </p:txBody>
+      </p:sp>
+      <p:sp>
+        <p:nvSpPr>
+          <p:cNvPr id="3" name="Text Placeholder 2">
+            <a:extLst>
+              <a:ext uri="{FF2B5EF4-FFF2-40B4-BE49-F238E27FC236}">
+                <a16:creationId xmlns:a16="http://schemas.microsoft.com/office/drawing/2014/main" id="{0E6042DB-75BD-4EC1-B6D9-8A72EF940CAA}"/>
               </a:ext>
             </a:extLst>
           </p:cNvPr>
@@ -3072,8 +3826,8 @@
         </p:nvSpPr>
         <p:spPr>
           <a:xfrm>
-            <a:off x="838200" y="1825625"/>
-            <a:ext cx="10515600" cy="4351338"/>
+            <a:off x="700635" y="2293126"/>
+            <a:ext cx="10691265" cy="3636088"/>
           </a:xfrm>
           <a:prstGeom prst="rect">
             <a:avLst/>
@@ -3087,46 +3841,46 @@
           <a:p>
             <a:pPr lvl="0"/>
             <a:r>
-              <a:rPr lang="nl-NL"/>
-              <a:t>Klikken om de tekststijl van het model te bewerken</a:t>
+              <a:rPr lang="en-US" dirty="0"/>
+              <a:t>Click to edit Master text styles</a:t>
             </a:r>
           </a:p>
           <a:p>
             <a:pPr lvl="1"/>
             <a:r>
-              <a:rPr lang="nl-NL"/>
-              <a:t>Tweede niveau</a:t>
+              <a:rPr lang="en-US" dirty="0"/>
+              <a:t>Second level</a:t>
             </a:r>
           </a:p>
           <a:p>
             <a:pPr lvl="2"/>
             <a:r>
-              <a:rPr lang="nl-NL"/>
-              <a:t>Derde niveau</a:t>
+              <a:rPr lang="en-US" dirty="0"/>
+              <a:t>Third level</a:t>
             </a:r>
           </a:p>
           <a:p>
             <a:pPr lvl="3"/>
             <a:r>
-              <a:rPr lang="nl-NL"/>
-              <a:t>Vierde niveau</a:t>
+              <a:rPr lang="en-US" dirty="0"/>
+              <a:t>Fourth level</a:t>
             </a:r>
           </a:p>
           <a:p>
             <a:pPr lvl="4"/>
             <a:r>
-              <a:rPr lang="nl-NL"/>
-              <a:t>Vijfde niveau</a:t>
-            </a:r>
-          </a:p>
-        </p:txBody>
-      </p:sp>
-      <p:sp>
-        <p:nvSpPr>
-          <p:cNvPr id="4" name="Tijdelijke aanduiding voor datum 3">
-            <a:extLst>
-              <a:ext uri="{FF2B5EF4-FFF2-40B4-BE49-F238E27FC236}">
-                <a16:creationId xmlns:a16="http://schemas.microsoft.com/office/drawing/2014/main" id="{7E7901BE-1361-928E-301A-729AA0292658}"/>
+              <a:rPr lang="en-US" dirty="0"/>
+              <a:t>Fifth level</a:t>
+            </a:r>
+          </a:p>
+        </p:txBody>
+      </p:sp>
+      <p:sp>
+        <p:nvSpPr>
+          <p:cNvPr id="4" name="Date Placeholder 3">
+            <a:extLst>
+              <a:ext uri="{FF2B5EF4-FFF2-40B4-BE49-F238E27FC236}">
+                <a16:creationId xmlns:a16="http://schemas.microsoft.com/office/drawing/2014/main" id="{21DD1378-7C96-4079-B44C-3D86B4657596}"/>
               </a:ext>
             </a:extLst>
           </p:cNvPr>
@@ -3139,8 +3893,8 @@
         </p:nvSpPr>
         <p:spPr>
           <a:xfrm>
-            <a:off x="838200" y="6356350"/>
-            <a:ext cx="2743200" cy="365125"/>
+            <a:off x="8369448" y="6356350"/>
+            <a:ext cx="2592594" cy="365125"/>
           </a:xfrm>
           <a:prstGeom prst="rect">
             <a:avLst/>
@@ -3149,31 +3903,30 @@
         <p:txBody>
           <a:bodyPr vert="horz" lIns="91440" tIns="45720" rIns="91440" bIns="45720" rtlCol="0" anchor="ctr"/>
           <a:lstStyle>
-            <a:lvl1pPr algn="l">
-              <a:defRPr sz="1200">
+            <a:lvl1pPr algn="r">
+              <a:defRPr sz="1050">
                 <a:solidFill>
-                  <a:schemeClr val="tx1">
-                    <a:tint val="82000"/>
-                  </a:schemeClr>
+                  <a:schemeClr val="tx1"/>
                 </a:solidFill>
+                <a:latin typeface="+mj-lt"/>
               </a:defRPr>
             </a:lvl1pPr>
           </a:lstStyle>
           <a:p>
-            <a:fld id="{D3A58194-11B3-4AEE-8F9C-7C4B4F2B911F}" type="datetimeFigureOut">
-              <a:rPr lang="nl-NL" smtClean="0"/>
-              <a:t>20-5-2025</a:t>
+            <a:fld id="{CD438618-DEE5-47CF-A8B2-A9E090D503CD}" type="datetimeFigureOut">
+              <a:rPr lang="en-US" dirty="0"/>
+              <a:t>5/21/2025</a:t>
             </a:fld>
-            <a:endParaRPr lang="nl-NL"/>
-          </a:p>
-        </p:txBody>
-      </p:sp>
-      <p:sp>
-        <p:nvSpPr>
-          <p:cNvPr id="5" name="Tijdelijke aanduiding voor voettekst 4">
-            <a:extLst>
-              <a:ext uri="{FF2B5EF4-FFF2-40B4-BE49-F238E27FC236}">
-                <a16:creationId xmlns:a16="http://schemas.microsoft.com/office/drawing/2014/main" id="{E295918B-23B8-E893-B58C-957B1BDB0A2E}"/>
+            <a:endParaRPr lang="en-US" dirty="0"/>
+          </a:p>
+        </p:txBody>
+      </p:sp>
+      <p:sp>
+        <p:nvSpPr>
+          <p:cNvPr id="5" name="Footer Placeholder 4">
+            <a:extLst>
+              <a:ext uri="{FF2B5EF4-FFF2-40B4-BE49-F238E27FC236}">
+                <a16:creationId xmlns:a16="http://schemas.microsoft.com/office/drawing/2014/main" id="{D19B6B78-577F-43F5-BAEE-BF72484C9850}"/>
               </a:ext>
             </a:extLst>
           </p:cNvPr>
@@ -3186,8 +3939,8 @@
         </p:nvSpPr>
         <p:spPr>
           <a:xfrm>
-            <a:off x="4038600" y="6356350"/>
-            <a:ext cx="4114800" cy="365125"/>
+            <a:off x="715383" y="6356350"/>
+            <a:ext cx="4539727" cy="365125"/>
           </a:xfrm>
           <a:prstGeom prst="rect">
             <a:avLst/>
@@ -3196,27 +3949,30 @@
         <p:txBody>
           <a:bodyPr vert="horz" lIns="91440" tIns="45720" rIns="91440" bIns="45720" rtlCol="0" anchor="ctr"/>
           <a:lstStyle>
-            <a:lvl1pPr algn="ctr">
-              <a:defRPr sz="1200">
+            <a:lvl1pPr algn="l">
+              <a:defRPr sz="1050">
                 <a:solidFill>
-                  <a:schemeClr val="tx1">
-                    <a:tint val="82000"/>
-                  </a:schemeClr>
+                  <a:schemeClr val="tx1"/>
                 </a:solidFill>
+                <a:latin typeface="+mj-lt"/>
               </a:defRPr>
             </a:lvl1pPr>
           </a:lstStyle>
           <a:p>
-            <a:endParaRPr lang="nl-NL"/>
-          </a:p>
-        </p:txBody>
-      </p:sp>
-      <p:sp>
-        <p:nvSpPr>
-          <p:cNvPr id="6" name="Tijdelijke aanduiding voor dianummer 5">
-            <a:extLst>
-              <a:ext uri="{FF2B5EF4-FFF2-40B4-BE49-F238E27FC236}">
-                <a16:creationId xmlns:a16="http://schemas.microsoft.com/office/drawing/2014/main" id="{1EE13AF4-E96A-4ADB-7139-8F4E1C33E7DB}"/>
+            <a:r>
+              <a:rPr lang="en-US" dirty="0"/>
+              <a:t>
+              </a:t>
+            </a:r>
+          </a:p>
+        </p:txBody>
+      </p:sp>
+      <p:sp>
+        <p:nvSpPr>
+          <p:cNvPr id="6" name="Slide Number Placeholder 5">
+            <a:extLst>
+              <a:ext uri="{FF2B5EF4-FFF2-40B4-BE49-F238E27FC236}">
+                <a16:creationId xmlns:a16="http://schemas.microsoft.com/office/drawing/2014/main" id="{A8CC75B8-AF8F-4D8A-9B3D-D1951A64BADB}"/>
               </a:ext>
             </a:extLst>
           </p:cNvPr>
@@ -3229,8 +3985,8 @@
         </p:nvSpPr>
         <p:spPr>
           <a:xfrm>
-            <a:off x="8610600" y="6356350"/>
-            <a:ext cx="2743200" cy="365125"/>
+            <a:off x="10919012" y="6356350"/>
+            <a:ext cx="672354" cy="365125"/>
           </a:xfrm>
           <a:prstGeom prst="rect">
             <a:avLst/>
@@ -3240,56 +3996,141 @@
           <a:bodyPr vert="horz" lIns="91440" tIns="45720" rIns="91440" bIns="45720" rtlCol="0" anchor="ctr"/>
           <a:lstStyle>
             <a:lvl1pPr algn="r">
-              <a:defRPr sz="1200">
+              <a:defRPr sz="1800">
                 <a:solidFill>
-                  <a:schemeClr val="tx1">
-                    <a:tint val="82000"/>
-                  </a:schemeClr>
+                  <a:schemeClr val="tx1"/>
                 </a:solidFill>
               </a:defRPr>
             </a:lvl1pPr>
           </a:lstStyle>
           <a:p>
-            <a:fld id="{E39FA209-AB76-4517-953C-48CC81EAE92A}" type="slidenum">
-              <a:rPr lang="nl-NL" smtClean="0"/>
+            <a:fld id="{E30AF5A0-43BB-4336-8627-9123B9144D80}" type="slidenum">
+              <a:rPr lang="en-US" dirty="0"/>
               <a:t>‹nr.›</a:t>
             </a:fld>
-            <a:endParaRPr lang="nl-NL"/>
-          </a:p>
-        </p:txBody>
-      </p:sp>
+            <a:endParaRPr lang="en-US" dirty="0"/>
+          </a:p>
+        </p:txBody>
+      </p:sp>
+      <p:cxnSp>
+        <p:nvCxnSpPr>
+          <p:cNvPr id="7" name="Straight Connector 6">
+            <a:extLst>
+              <a:ext uri="{FF2B5EF4-FFF2-40B4-BE49-F238E27FC236}">
+                <a16:creationId xmlns:a16="http://schemas.microsoft.com/office/drawing/2014/main" id="{F64F9B95-9045-48D2-B9F3-2927E98F54AA}"/>
+              </a:ext>
+            </a:extLst>
+          </p:cNvPr>
+          <p:cNvCxnSpPr>
+            <a:cxnSpLocks/>
+          </p:cNvCxnSpPr>
+          <p:nvPr/>
+        </p:nvCxnSpPr>
+        <p:spPr>
+          <a:xfrm>
+            <a:off x="800100" y="723900"/>
+            <a:ext cx="10591800" cy="0"/>
+          </a:xfrm>
+          <a:prstGeom prst="line">
+            <a:avLst/>
+          </a:prstGeom>
+          <a:ln w="44450">
+            <a:solidFill>
+              <a:schemeClr val="tx1"/>
+            </a:solidFill>
+          </a:ln>
+        </p:spPr>
+        <p:style>
+          <a:lnRef idx="1">
+            <a:schemeClr val="accent1"/>
+          </a:lnRef>
+          <a:fillRef idx="0">
+            <a:schemeClr val="accent1"/>
+          </a:fillRef>
+          <a:effectRef idx="0">
+            <a:schemeClr val="accent1"/>
+          </a:effectRef>
+          <a:fontRef idx="minor">
+            <a:schemeClr val="tx1"/>
+          </a:fontRef>
+        </p:style>
+      </p:cxnSp>
+      <p:cxnSp>
+        <p:nvCxnSpPr>
+          <p:cNvPr id="8" name="Straight Connector 7">
+            <a:extLst>
+              <a:ext uri="{FF2B5EF4-FFF2-40B4-BE49-F238E27FC236}">
+                <a16:creationId xmlns:a16="http://schemas.microsoft.com/office/drawing/2014/main" id="{085AA86F-6A4D-4BCB-A045-D992CDC2959B}"/>
+              </a:ext>
+            </a:extLst>
+          </p:cNvPr>
+          <p:cNvCxnSpPr>
+            <a:cxnSpLocks/>
+          </p:cNvCxnSpPr>
+          <p:nvPr/>
+        </p:nvCxnSpPr>
+        <p:spPr>
+          <a:xfrm>
+            <a:off x="800100" y="6142781"/>
+            <a:ext cx="10591800" cy="0"/>
+          </a:xfrm>
+          <a:prstGeom prst="line">
+            <a:avLst/>
+          </a:prstGeom>
+          <a:ln w="12700">
+            <a:solidFill>
+              <a:schemeClr val="tx1"/>
+            </a:solidFill>
+          </a:ln>
+        </p:spPr>
+        <p:style>
+          <a:lnRef idx="1">
+            <a:schemeClr val="accent1"/>
+          </a:lnRef>
+          <a:fillRef idx="0">
+            <a:schemeClr val="accent1"/>
+          </a:fillRef>
+          <a:effectRef idx="0">
+            <a:schemeClr val="accent1"/>
+          </a:effectRef>
+          <a:fontRef idx="minor">
+            <a:schemeClr val="tx1"/>
+          </a:fontRef>
+        </p:style>
+      </p:cxnSp>
     </p:spTree>
     <p:extLst>
       <p:ext uri="{BB962C8B-B14F-4D97-AF65-F5344CB8AC3E}">
-        <p14:creationId xmlns:p14="http://schemas.microsoft.com/office/powerpoint/2010/main" val="3411261727"/>
+        <p14:creationId xmlns:p14="http://schemas.microsoft.com/office/powerpoint/2010/main" val="3841217708"/>
       </p:ext>
     </p:extLst>
   </p:cSld>
   <p:clrMap bg1="lt1" tx1="dk1" bg2="lt2" tx2="dk2" accent1="accent1" accent2="accent2" accent3="accent3" accent4="accent4" accent5="accent5" accent6="accent6" hlink="hlink" folHlink="folHlink"/>
   <p:sldLayoutIdLst>
-    <p:sldLayoutId id="2147483649" r:id="rId1"/>
-    <p:sldLayoutId id="2147483650" r:id="rId2"/>
-    <p:sldLayoutId id="2147483651" r:id="rId3"/>
-    <p:sldLayoutId id="2147483652" r:id="rId4"/>
-    <p:sldLayoutId id="2147483653" r:id="rId5"/>
-    <p:sldLayoutId id="2147483654" r:id="rId6"/>
-    <p:sldLayoutId id="2147483655" r:id="rId7"/>
-    <p:sldLayoutId id="2147483656" r:id="rId8"/>
-    <p:sldLayoutId id="2147483657" r:id="rId9"/>
-    <p:sldLayoutId id="2147483658" r:id="rId10"/>
-    <p:sldLayoutId id="2147483659" r:id="rId11"/>
+    <p:sldLayoutId id="2147483673" r:id="rId1"/>
+    <p:sldLayoutId id="2147483674" r:id="rId2"/>
+    <p:sldLayoutId id="2147483675" r:id="rId3"/>
+    <p:sldLayoutId id="2147483676" r:id="rId4"/>
+    <p:sldLayoutId id="2147483677" r:id="rId5"/>
+    <p:sldLayoutId id="2147483678" r:id="rId6"/>
+    <p:sldLayoutId id="2147483679" r:id="rId7"/>
+    <p:sldLayoutId id="2147483680" r:id="rId8"/>
+    <p:sldLayoutId id="2147483681" r:id="rId9"/>
+    <p:sldLayoutId id="2147483682" r:id="rId10"/>
+    <p:sldLayoutId id="2147483683" r:id="rId11"/>
   </p:sldLayoutIdLst>
+  <p:hf hdr="0"/>
   <p:txStyles>
     <p:titleStyle>
       <a:lvl1pPr algn="l" defTabSz="914400" rtl="0" eaLnBrk="1" latinLnBrk="0" hangingPunct="1">
         <a:lnSpc>
-          <a:spcPct val="90000"/>
+          <a:spcPct val="100000"/>
         </a:lnSpc>
         <a:spcBef>
           <a:spcPct val="0"/>
         </a:spcBef>
         <a:buNone/>
-        <a:defRPr sz="4400" kern="1200">
+        <a:defRPr sz="4000" kern="1200" cap="all" spc="30" baseline="0">
           <a:solidFill>
             <a:schemeClr val="tx1"/>
           </a:solidFill>
@@ -3302,46 +4143,10 @@
     <p:bodyStyle>
       <a:lvl1pPr marL="228600" indent="-228600" algn="l" defTabSz="914400" rtl="0" eaLnBrk="1" latinLnBrk="0" hangingPunct="1">
         <a:lnSpc>
-          <a:spcPct val="90000"/>
+          <a:spcPct val="110000"/>
         </a:lnSpc>
         <a:spcBef>
           <a:spcPts val="1000"/>
-        </a:spcBef>
-        <a:buFont typeface="Arial" panose="020B0604020202020204" pitchFamily="34" charset="0"/>
-        <a:buChar char="•"/>
-        <a:defRPr sz="2800" kern="1200">
-          <a:solidFill>
-            <a:schemeClr val="tx1"/>
-          </a:solidFill>
-          <a:latin typeface="+mn-lt"/>
-          <a:ea typeface="+mn-ea"/>
-          <a:cs typeface="+mn-cs"/>
-        </a:defRPr>
-      </a:lvl1pPr>
-      <a:lvl2pPr marL="685800" indent="-228600" algn="l" defTabSz="914400" rtl="0" eaLnBrk="1" latinLnBrk="0" hangingPunct="1">
-        <a:lnSpc>
-          <a:spcPct val="90000"/>
-        </a:lnSpc>
-        <a:spcBef>
-          <a:spcPts val="500"/>
-        </a:spcBef>
-        <a:buFont typeface="Arial" panose="020B0604020202020204" pitchFamily="34" charset="0"/>
-        <a:buChar char="•"/>
-        <a:defRPr sz="2400" kern="1200">
-          <a:solidFill>
-            <a:schemeClr val="tx1"/>
-          </a:solidFill>
-          <a:latin typeface="+mn-lt"/>
-          <a:ea typeface="+mn-ea"/>
-          <a:cs typeface="+mn-cs"/>
-        </a:defRPr>
-      </a:lvl2pPr>
-      <a:lvl3pPr marL="1143000" indent="-228600" algn="l" defTabSz="914400" rtl="0" eaLnBrk="1" latinLnBrk="0" hangingPunct="1">
-        <a:lnSpc>
-          <a:spcPct val="90000"/>
-        </a:lnSpc>
-        <a:spcBef>
-          <a:spcPts val="500"/>
         </a:spcBef>
         <a:buFont typeface="Arial" panose="020B0604020202020204" pitchFamily="34" charset="0"/>
         <a:buChar char="•"/>
@@ -3353,10 +4158,10 @@
           <a:ea typeface="+mn-ea"/>
           <a:cs typeface="+mn-cs"/>
         </a:defRPr>
-      </a:lvl3pPr>
-      <a:lvl4pPr marL="1600200" indent="-228600" algn="l" defTabSz="914400" rtl="0" eaLnBrk="1" latinLnBrk="0" hangingPunct="1">
+      </a:lvl1pPr>
+      <a:lvl2pPr marL="685800" indent="-228600" algn="l" defTabSz="914400" rtl="0" eaLnBrk="1" latinLnBrk="0" hangingPunct="1">
         <a:lnSpc>
-          <a:spcPct val="90000"/>
+          <a:spcPct val="110000"/>
         </a:lnSpc>
         <a:spcBef>
           <a:spcPts val="500"/>
@@ -3371,17 +4176,53 @@
           <a:ea typeface="+mn-ea"/>
           <a:cs typeface="+mn-cs"/>
         </a:defRPr>
-      </a:lvl4pPr>
-      <a:lvl5pPr marL="2057400" indent="-228600" algn="l" defTabSz="914400" rtl="0" eaLnBrk="1" latinLnBrk="0" hangingPunct="1">
+      </a:lvl2pPr>
+      <a:lvl3pPr marL="1143000" indent="-228600" algn="l" defTabSz="914400" rtl="0" eaLnBrk="1" latinLnBrk="0" hangingPunct="1">
         <a:lnSpc>
-          <a:spcPct val="90000"/>
+          <a:spcPct val="110000"/>
         </a:lnSpc>
         <a:spcBef>
           <a:spcPts val="500"/>
         </a:spcBef>
         <a:buFont typeface="Arial" panose="020B0604020202020204" pitchFamily="34" charset="0"/>
         <a:buChar char="•"/>
-        <a:defRPr sz="1800" kern="1200">
+        <a:defRPr sz="1600" kern="1200">
+          <a:solidFill>
+            <a:schemeClr val="tx1"/>
+          </a:solidFill>
+          <a:latin typeface="+mn-lt"/>
+          <a:ea typeface="+mn-ea"/>
+          <a:cs typeface="+mn-cs"/>
+        </a:defRPr>
+      </a:lvl3pPr>
+      <a:lvl4pPr marL="1600200" indent="-228600" algn="l" defTabSz="914400" rtl="0" eaLnBrk="1" latinLnBrk="0" hangingPunct="1">
+        <a:lnSpc>
+          <a:spcPct val="110000"/>
+        </a:lnSpc>
+        <a:spcBef>
+          <a:spcPts val="500"/>
+        </a:spcBef>
+        <a:buFont typeface="Arial" panose="020B0604020202020204" pitchFamily="34" charset="0"/>
+        <a:buChar char="•"/>
+        <a:defRPr sz="1400" kern="1200">
+          <a:solidFill>
+            <a:schemeClr val="tx1"/>
+          </a:solidFill>
+          <a:latin typeface="+mn-lt"/>
+          <a:ea typeface="+mn-ea"/>
+          <a:cs typeface="+mn-cs"/>
+        </a:defRPr>
+      </a:lvl4pPr>
+      <a:lvl5pPr marL="2057400" indent="-228600" algn="l" defTabSz="914400" rtl="0" eaLnBrk="1" latinLnBrk="0" hangingPunct="1">
+        <a:lnSpc>
+          <a:spcPct val="110000"/>
+        </a:lnSpc>
+        <a:spcBef>
+          <a:spcPts val="500"/>
+        </a:spcBef>
+        <a:buFont typeface="Arial" panose="020B0604020202020204" pitchFamily="34" charset="0"/>
+        <a:buChar char="•"/>
+        <a:defRPr sz="1400" kern="1200">
           <a:solidFill>
             <a:schemeClr val="tx1"/>
           </a:solidFill>
@@ -3465,7 +4306,7 @@
     </p:bodyStyle>
     <p:otherStyle>
       <a:defPPr>
-        <a:defRPr lang="nl-NL"/>
+        <a:defRPr lang="en-US"/>
       </a:defPPr>
       <a:lvl1pPr marL="0" algn="l" defTabSz="914400" rtl="0" eaLnBrk="1" latinLnBrk="0" hangingPunct="1">
         <a:defRPr sz="1800" kern="1200">
@@ -3559,12 +4400,66 @@
       </a:lvl9pPr>
     </p:otherStyle>
   </p:txStyles>
+  <p:extLst>
+    <p:ext uri="{27BBF7A9-308A-43DC-89C8-2F10F3537804}">
+      <p15:sldGuideLst xmlns:p15="http://schemas.microsoft.com/office/powerpoint/2012/main">
+        <p15:guide id="1" orient="horz" pos="2160">
+          <p15:clr>
+            <a:srgbClr val="F26B43"/>
+          </p15:clr>
+        </p15:guide>
+        <p15:guide id="2" pos="3840">
+          <p15:clr>
+            <a:srgbClr val="F26B43"/>
+          </p15:clr>
+        </p15:guide>
+        <p15:guide id="3" orient="horz" pos="672">
+          <p15:clr>
+            <a:srgbClr val="F26B43"/>
+          </p15:clr>
+        </p15:guide>
+        <p15:guide id="4" orient="horz" pos="912">
+          <p15:clr>
+            <a:srgbClr val="F26B43"/>
+          </p15:clr>
+        </p15:guide>
+        <p15:guide id="5" pos="7176">
+          <p15:clr>
+            <a:srgbClr val="F26B43"/>
+          </p15:clr>
+        </p15:guide>
+        <p15:guide id="6" pos="504">
+          <p15:clr>
+            <a:srgbClr val="F26B43"/>
+          </p15:clr>
+        </p15:guide>
+        <p15:guide id="7" orient="horz" pos="3864">
+          <p15:clr>
+            <a:srgbClr val="F26B43"/>
+          </p15:clr>
+        </p15:guide>
+        <p15:guide id="8" orient="horz" pos="456">
+          <p15:clr>
+            <a:srgbClr val="F26B43"/>
+          </p15:clr>
+        </p15:guide>
+      </p15:sldGuideLst>
+    </p:ext>
+  </p:extLst>
 </p:sldMaster>
 </file>
 
 <file path=ppt/slides/slide1.xml><?xml version="1.0" encoding="utf-8"?>
 <p:sld xmlns:a="http://schemas.openxmlformats.org/drawingml/2006/main" xmlns:r="http://schemas.openxmlformats.org/officeDocument/2006/relationships" xmlns:p="http://schemas.openxmlformats.org/presentationml/2006/main">
   <p:cSld>
+    <p:bg>
+      <p:bgPr>
+        <a:solidFill>
+          <a:schemeClr val="bg1"/>
+        </a:solidFill>
+        <a:effectLst/>
+      </p:bgPr>
+    </p:bg>
     <p:spTree>
       <p:nvGrpSpPr>
         <p:cNvPr id="1" name=""/>
@@ -3595,22 +4490,59 @@
             <p:ph type="ctrTitle"/>
           </p:nvPr>
         </p:nvSpPr>
-        <p:spPr/>
-        <p:txBody>
-          <a:bodyPr/>
-          <a:lstStyle/>
-          <a:p>
-            <a:r>
-              <a:rPr lang="nl-NL" dirty="0" err="1"/>
+        <p:spPr>
+          <a:xfrm>
+            <a:off x="744567" y="2446987"/>
+            <a:ext cx="8219060" cy="3072821"/>
+          </a:xfrm>
+        </p:spPr>
+        <p:txBody>
+          <a:bodyPr vert="horz" lIns="91440" tIns="45720" rIns="91440" bIns="45720" rtlCol="0" anchor="ctr">
+            <a:noAutofit/>
+          </a:bodyPr>
+          <a:lstStyle/>
+          <a:p>
+            <a:pPr algn="l"/>
+            <a:r>
+              <a:rPr lang="nl-NL" dirty="0" err="1">
+                <a:solidFill>
+                  <a:srgbClr val="000000"/>
+                </a:solidFill>
+              </a:rPr>
               <a:t>Graadsproef</a:t>
+            </a:r>
+            <a:r>
+              <a:rPr lang="nl-NL" dirty="0">
+                <a:solidFill>
+                  <a:srgbClr val="000000"/>
+                </a:solidFill>
+              </a:rPr>
+              <a:t>:</a:t>
             </a:r>
             <a:br>
               <a:rPr lang="nl-NL" dirty="0"/>
             </a:br>
             <a:r>
-              <a:rPr lang="nl-NL" dirty="0"/>
-              <a:t>oude robot vernieuwen</a:t>
-            </a:r>
+              <a:rPr lang="nl-NL" dirty="0">
+                <a:solidFill>
+                  <a:srgbClr val="000000"/>
+                </a:solidFill>
+              </a:rPr>
+              <a:t>oude robot </a:t>
+            </a:r>
+            <a:r>
+              <a:rPr lang="nl-NL" dirty="0" err="1">
+                <a:solidFill>
+                  <a:srgbClr val="000000"/>
+                </a:solidFill>
+              </a:rPr>
+              <a:t>modernizeren</a:t>
+            </a:r>
+            <a:endParaRPr lang="nl-NL" dirty="0">
+              <a:solidFill>
+                <a:srgbClr val="000000"/>
+              </a:solidFill>
+            </a:endParaRPr>
           </a:p>
         </p:txBody>
       </p:sp>
@@ -3630,18 +4562,90 @@
             <p:ph type="subTitle" idx="1"/>
           </p:nvPr>
         </p:nvSpPr>
-        <p:spPr/>
-        <p:txBody>
-          <a:bodyPr/>
-          <a:lstStyle/>
-          <a:p>
-            <a:r>
-              <a:rPr lang="nl-NL" dirty="0"/>
+        <p:spPr>
+          <a:xfrm>
+            <a:off x="8543629" y="703175"/>
+            <a:ext cx="3291839" cy="830453"/>
+          </a:xfrm>
+        </p:spPr>
+        <p:txBody>
+          <a:bodyPr anchor="ctr">
+            <a:normAutofit/>
+          </a:bodyPr>
+          <a:lstStyle/>
+          <a:p>
+            <a:pPr algn="l"/>
+            <a:r>
+              <a:rPr lang="nl-NL" sz="2000">
+                <a:solidFill>
+                  <a:srgbClr val="000000"/>
+                </a:solidFill>
+              </a:rPr>
               <a:t>Stan Debakker 6TWEA</a:t>
             </a:r>
           </a:p>
         </p:txBody>
       </p:sp>
+      <p:pic>
+        <p:nvPicPr>
+          <p:cNvPr id="5" name="Afbeelding 4" descr="Afbeelding met Graphics, grafische vormgeving, Lettertype, logo&#10;&#10;Door AI gegenereerde inhoud is mogelijk onjuist.">
+            <a:extLst>
+              <a:ext uri="{FF2B5EF4-FFF2-40B4-BE49-F238E27FC236}">
+                <a16:creationId xmlns:a16="http://schemas.microsoft.com/office/drawing/2014/main" id="{3DB743BA-F190-16AD-A517-5B878FA686E9}"/>
+              </a:ext>
+            </a:extLst>
+          </p:cNvPr>
+          <p:cNvPicPr>
+            <a:picLocks noChangeAspect="1"/>
+          </p:cNvPicPr>
+          <p:nvPr/>
+        </p:nvPicPr>
+        <p:blipFill>
+          <a:blip r:embed="rId2"/>
+          <a:stretch>
+            <a:fillRect/>
+          </a:stretch>
+        </p:blipFill>
+        <p:spPr>
+          <a:xfrm>
+            <a:off x="539063" y="830370"/>
+            <a:ext cx="2631728" cy="1399697"/>
+          </a:xfrm>
+          <a:prstGeom prst="rect">
+            <a:avLst/>
+          </a:prstGeom>
+        </p:spPr>
+      </p:pic>
+      <p:pic>
+        <p:nvPicPr>
+          <p:cNvPr id="4" name="Afbeelding 3" descr="Afbeelding met machine, speelgoed, rood, automaat&#10;&#10;Door AI gegenereerde inhoud is mogelijk onjuist.">
+            <a:extLst>
+              <a:ext uri="{FF2B5EF4-FFF2-40B4-BE49-F238E27FC236}">
+                <a16:creationId xmlns:a16="http://schemas.microsoft.com/office/drawing/2014/main" id="{410A9A31-1962-E1D5-5CDC-FAF444849BA9}"/>
+              </a:ext>
+            </a:extLst>
+          </p:cNvPr>
+          <p:cNvPicPr>
+            <a:picLocks noChangeAspect="1"/>
+          </p:cNvPicPr>
+          <p:nvPr/>
+        </p:nvPicPr>
+        <p:blipFill>
+          <a:blip r:embed="rId3"/>
+          <a:stretch>
+            <a:fillRect/>
+          </a:stretch>
+        </p:blipFill>
+        <p:spPr>
+          <a:xfrm>
+            <a:off x="7956764" y="1635474"/>
+            <a:ext cx="3750709" cy="5054471"/>
+          </a:xfrm>
+          <a:prstGeom prst="rect">
+            <a:avLst/>
+          </a:prstGeom>
+        </p:spPr>
+      </p:pic>
     </p:spTree>
     <p:extLst>
       <p:ext uri="{BB962C8B-B14F-4D97-AF65-F5344CB8AC3E}">
@@ -3695,7 +4699,7 @@
           <a:p>
             <a:r>
               <a:rPr lang="nl-NL" dirty="0"/>
-              <a:t>Robot</a:t>
+              <a:t>Voorstelling van de robot</a:t>
             </a:r>
           </a:p>
         </p:txBody>
@@ -3718,22 +4722,30 @@
         </p:nvSpPr>
         <p:spPr/>
         <p:txBody>
-          <a:bodyPr/>
-          <a:lstStyle/>
-          <a:p>
+          <a:bodyPr vert="horz" lIns="91440" tIns="45720" rIns="91440" bIns="45720" rtlCol="0" anchor="t">
+            <a:normAutofit/>
+          </a:bodyPr>
+          <a:lstStyle/>
+          <a:p>
+            <a:r>
+              <a:rPr lang="nl-NL" dirty="0"/>
+              <a:t>Type: proton robot</a:t>
+            </a:r>
+          </a:p>
+          <a:p>
+            <a:r>
+              <a:rPr lang="nl-NL" dirty="0"/>
+              <a:t>Productiedatum: 2011</a:t>
+            </a:r>
+          </a:p>
+          <a:p>
+            <a:r>
+              <a:rPr lang="nl-NL" dirty="0"/>
+              <a:t>Producent: </a:t>
+            </a:r>
             <a:r>
               <a:rPr lang="nl-NL" dirty="0" err="1"/>
-              <a:t>Elector</a:t>
-            </a:r>
-            <a:r>
-              <a:rPr lang="nl-NL" dirty="0"/>
-              <a:t> proton robot</a:t>
-            </a:r>
-          </a:p>
-          <a:p>
-            <a:r>
-              <a:rPr lang="nl-NL" dirty="0"/>
-              <a:t>Van 2011</a:t>
+              <a:t>Elektor</a:t>
             </a:r>
           </a:p>
           <a:p>
@@ -3741,6 +4753,36 @@
           </a:p>
         </p:txBody>
       </p:sp>
+      <p:pic>
+        <p:nvPicPr>
+          <p:cNvPr id="5" name="Afbeelding 4" descr="Afbeelding met machine, speelgoed, rood, automaat&#10;&#10;Door AI gegenereerde inhoud is mogelijk onjuist.">
+            <a:extLst>
+              <a:ext uri="{FF2B5EF4-FFF2-40B4-BE49-F238E27FC236}">
+                <a16:creationId xmlns:a16="http://schemas.microsoft.com/office/drawing/2014/main" id="{C0201DDE-E7C0-6863-96A5-375545235C51}"/>
+              </a:ext>
+            </a:extLst>
+          </p:cNvPr>
+          <p:cNvPicPr>
+            <a:picLocks noChangeAspect="1"/>
+          </p:cNvPicPr>
+          <p:nvPr/>
+        </p:nvPicPr>
+        <p:blipFill>
+          <a:blip r:embed="rId2"/>
+          <a:stretch>
+            <a:fillRect/>
+          </a:stretch>
+        </p:blipFill>
+        <p:spPr>
+          <a:xfrm>
+            <a:off x="8625837" y="1932840"/>
+            <a:ext cx="2765685" cy="3753496"/>
+          </a:xfrm>
+          <a:prstGeom prst="rect">
+            <a:avLst/>
+          </a:prstGeom>
+        </p:spPr>
+      </p:pic>
     </p:spTree>
     <p:extLst>
       <p:ext uri="{BB962C8B-B14F-4D97-AF65-F5344CB8AC3E}">
@@ -3794,7 +4836,7 @@
           <a:p>
             <a:r>
               <a:rPr lang="nl-NL" dirty="0"/>
-              <a:t>goede</a:t>
+              <a:t>Onderdelen </a:t>
             </a:r>
           </a:p>
         </p:txBody>
@@ -3817,8 +4859,19 @@
         </p:nvSpPr>
         <p:spPr/>
         <p:txBody>
-          <a:bodyPr/>
-          <a:lstStyle/>
+          <a:bodyPr vert="horz" lIns="91440" tIns="45720" rIns="91440" bIns="45720" rtlCol="0" anchor="t">
+            <a:normAutofit/>
+          </a:bodyPr>
+          <a:lstStyle/>
+          <a:p>
+            <a:pPr marL="0" indent="0">
+              <a:buNone/>
+            </a:pPr>
+            <a:r>
+              <a:rPr lang="nl-NL" dirty="0"/>
+              <a:t>Onderdelen die nog goed zijn, en behouden kunnen worden:</a:t>
+            </a:r>
+          </a:p>
           <a:p>
             <a:r>
               <a:rPr lang="nl-NL" dirty="0"/>
@@ -3828,13 +4881,8 @@
           <a:p>
             <a:r>
               <a:rPr lang="nl-NL" dirty="0"/>
-              <a:t>IR </a:t>
-            </a:r>
-            <a:r>
-              <a:rPr lang="nl-NL" dirty="0" err="1"/>
-              <a:t>afstandsensor</a:t>
-            </a:r>
-            <a:endParaRPr lang="nl-NL" dirty="0"/>
+              <a:t>IR afstandssensor</a:t>
+            </a:r>
           </a:p>
           <a:p>
             <a:r>
@@ -3918,7 +4966,7 @@
           <a:p>
             <a:r>
               <a:rPr lang="nl-NL" dirty="0"/>
-              <a:t>Verouderde / interessant te vernieuwen</a:t>
+              <a:t>onderdelen</a:t>
             </a:r>
           </a:p>
         </p:txBody>
@@ -3941,8 +4989,19 @@
         </p:nvSpPr>
         <p:spPr/>
         <p:txBody>
-          <a:bodyPr/>
-          <a:lstStyle/>
+          <a:bodyPr vert="horz" lIns="91440" tIns="45720" rIns="91440" bIns="45720" rtlCol="0" anchor="t">
+            <a:normAutofit/>
+          </a:bodyPr>
+          <a:lstStyle/>
+          <a:p>
+            <a:pPr marL="0" indent="0">
+              <a:buNone/>
+            </a:pPr>
+            <a:r>
+              <a:rPr lang="nl-NL" dirty="0"/>
+              <a:t>Onderdelen die verouderd zijn, en daarom interessant om te vernieuwen:</a:t>
+            </a:r>
+          </a:p>
           <a:p>
             <a:r>
               <a:rPr lang="nl-NL" dirty="0"/>
@@ -3954,6 +5013,7 @@
               </a:rPr>
               <a:t>13 Chanels)(38 sensoren)</a:t>
             </a:r>
+            <a:endParaRPr lang="nl-NL"/>
           </a:p>
           <a:p>
             <a:r>
@@ -3972,19 +5032,7 @@
               <a:rPr lang="nl-NL" dirty="0">
                 <a:sym typeface="Wingdings" panose="05000000000000000000" pitchFamily="2" charset="2"/>
               </a:rPr>
-              <a:t>  </a:t>
-            </a:r>
-            <a:r>
-              <a:rPr lang="nl-NL" dirty="0" err="1">
-                <a:sym typeface="Wingdings" panose="05000000000000000000" pitchFamily="2" charset="2"/>
-              </a:rPr>
-              <a:t>adreseerbare</a:t>
-            </a:r>
-            <a:r>
-              <a:rPr lang="nl-NL" dirty="0">
-                <a:sym typeface="Wingdings" panose="05000000000000000000" pitchFamily="2" charset="2"/>
-              </a:rPr>
-              <a:t> RGB </a:t>
+              <a:t>  adresseerbare RGB </a:t>
             </a:r>
             <a:r>
               <a:rPr lang="nl-NL" dirty="0" err="1">
@@ -3998,26 +5046,11 @@
           </a:p>
           <a:p>
             <a:r>
-              <a:rPr lang="nl-NL" dirty="0" err="1">
-                <a:sym typeface="Wingdings" panose="05000000000000000000" pitchFamily="2" charset="2"/>
-              </a:rPr>
-              <a:t>Microcontroler</a:t>
-            </a:r>
-            <a:r>
               <a:rPr lang="nl-NL" dirty="0">
                 <a:sym typeface="Wingdings" panose="05000000000000000000" pitchFamily="2" charset="2"/>
               </a:rPr>
-              <a:t>  </a:t>
-            </a:r>
-            <a:r>
-              <a:rPr lang="nl-NL" dirty="0" err="1">
-                <a:sym typeface="Wingdings" panose="05000000000000000000" pitchFamily="2" charset="2"/>
-              </a:rPr>
-              <a:t>microprosessor</a:t>
-            </a:r>
-            <a:endParaRPr lang="nl-NL" dirty="0">
-              <a:sym typeface="Wingdings" panose="05000000000000000000" pitchFamily="2" charset="2"/>
-            </a:endParaRPr>
+              <a:t>Microcontroller  microprocessor</a:t>
+            </a:r>
           </a:p>
           <a:p>
             <a:r>
@@ -4162,6 +5195,64 @@
           </a:p>
         </p:txBody>
       </p:sp>
+      <p:pic>
+        <p:nvPicPr>
+          <p:cNvPr id="5" name="Afbeelding 4">
+            <a:extLst>
+              <a:ext uri="{FF2B5EF4-FFF2-40B4-BE49-F238E27FC236}">
+                <a16:creationId xmlns:a16="http://schemas.microsoft.com/office/drawing/2014/main" id="{67152253-B16D-FF82-3650-15DE4511B656}"/>
+              </a:ext>
+            </a:extLst>
+          </p:cNvPr>
+          <p:cNvPicPr>
+            <a:picLocks noChangeAspect="1"/>
+          </p:cNvPicPr>
+          <p:nvPr/>
+        </p:nvPicPr>
+        <p:blipFill>
+          <a:blip r:embed="rId2"/>
+          <a:srcRect l="34737" t="6790" r="34237" b="9644"/>
+          <a:stretch/>
+        </p:blipFill>
+        <p:spPr>
+          <a:xfrm>
+            <a:off x="7950466" y="929064"/>
+            <a:ext cx="3441433" cy="5000149"/>
+          </a:xfrm>
+          <a:prstGeom prst="rect">
+            <a:avLst/>
+          </a:prstGeom>
+        </p:spPr>
+      </p:pic>
+      <p:pic>
+        <p:nvPicPr>
+          <p:cNvPr id="7" name="Afbeelding 6">
+            <a:extLst>
+              <a:ext uri="{FF2B5EF4-FFF2-40B4-BE49-F238E27FC236}">
+                <a16:creationId xmlns:a16="http://schemas.microsoft.com/office/drawing/2014/main" id="{CA1307D1-04A8-24C3-BD12-5F2A810DAFF5}"/>
+              </a:ext>
+            </a:extLst>
+          </p:cNvPr>
+          <p:cNvPicPr>
+            <a:picLocks noChangeAspect="1"/>
+          </p:cNvPicPr>
+          <p:nvPr/>
+        </p:nvPicPr>
+        <p:blipFill>
+          <a:blip r:embed="rId3"/>
+          <a:srcRect l="36328" t="7566" r="35445" b="10173"/>
+          <a:stretch/>
+        </p:blipFill>
+        <p:spPr>
+          <a:xfrm>
+            <a:off x="4626195" y="935754"/>
+            <a:ext cx="3180600" cy="5000149"/>
+          </a:xfrm>
+          <a:prstGeom prst="rect">
+            <a:avLst/>
+          </a:prstGeom>
+        </p:spPr>
+      </p:pic>
     </p:spTree>
     <p:extLst>
       <p:ext uri="{BB962C8B-B14F-4D97-AF65-F5344CB8AC3E}">
@@ -4275,8 +5366,37 @@
         </p:blipFill>
         <p:spPr>
           <a:xfrm>
-            <a:off x="4697129" y="2370290"/>
-            <a:ext cx="7494872" cy="4487710"/>
+            <a:off x="5171055" y="2295949"/>
+            <a:ext cx="6221775" cy="3725710"/>
+          </a:xfrm>
+          <a:prstGeom prst="rect">
+            <a:avLst/>
+          </a:prstGeom>
+        </p:spPr>
+      </p:pic>
+      <p:pic>
+        <p:nvPicPr>
+          <p:cNvPr id="6" name="Afbeelding 5">
+            <a:extLst>
+              <a:ext uri="{FF2B5EF4-FFF2-40B4-BE49-F238E27FC236}">
+                <a16:creationId xmlns:a16="http://schemas.microsoft.com/office/drawing/2014/main" id="{8C820836-5DAA-0459-A144-23DC8FF18198}"/>
+              </a:ext>
+            </a:extLst>
+          </p:cNvPr>
+          <p:cNvPicPr>
+            <a:picLocks noChangeAspect="1"/>
+          </p:cNvPicPr>
+          <p:nvPr/>
+        </p:nvPicPr>
+        <p:blipFill>
+          <a:blip r:embed="rId3"/>
+          <a:srcRect l="16895" t="4595" r="14895" b="1010"/>
+          <a:stretch/>
+        </p:blipFill>
+        <p:spPr>
+          <a:xfrm>
+            <a:off x="1821002" y="3429000"/>
+            <a:ext cx="3349123" cy="2500214"/>
           </a:xfrm>
           <a:prstGeom prst="rect">
             <a:avLst/>
@@ -4329,9 +5449,16 @@
             <p:ph type="title"/>
           </p:nvPr>
         </p:nvSpPr>
-        <p:spPr/>
-        <p:txBody>
-          <a:bodyPr/>
+        <p:spPr>
+          <a:xfrm>
+            <a:off x="700635" y="922096"/>
+            <a:ext cx="10691265" cy="1127930"/>
+          </a:xfrm>
+        </p:spPr>
+        <p:txBody>
+          <a:bodyPr anchor="t">
+            <a:normAutofit/>
+          </a:bodyPr>
           <a:lstStyle/>
           <a:p>
             <a:r>
@@ -4354,12 +5481,19 @@
             <a:spLocks noGrp="1"/>
           </p:cNvSpPr>
           <p:nvPr>
-            <p:ph idx="1"/>
-          </p:nvPr>
-        </p:nvSpPr>
-        <p:spPr/>
-        <p:txBody>
-          <a:bodyPr/>
+            <p:ph sz="half" idx="1"/>
+          </p:nvPr>
+        </p:nvSpPr>
+        <p:spPr>
+          <a:xfrm>
+            <a:off x="715383" y="2128684"/>
+            <a:ext cx="5304417" cy="3844414"/>
+          </a:xfrm>
+        </p:spPr>
+        <p:txBody>
+          <a:bodyPr>
+            <a:normAutofit/>
+          </a:bodyPr>
           <a:lstStyle/>
           <a:p>
             <a:r>
@@ -4391,6 +5525,162 @@
           </a:p>
         </p:txBody>
       </p:sp>
+      <p:sp>
+        <p:nvSpPr>
+          <p:cNvPr id="10" name="Date Placeholder 4">
+            <a:extLst>
+              <a:ext uri="{FF2B5EF4-FFF2-40B4-BE49-F238E27FC236}">
+                <a16:creationId xmlns:a16="http://schemas.microsoft.com/office/drawing/2014/main" id="{B0C82FC4-0042-AA28-A1E6-5C35D3EC9E8E}"/>
+              </a:ext>
+            </a:extLst>
+          </p:cNvPr>
+          <p:cNvSpPr>
+            <a:spLocks noGrp="1"/>
+          </p:cNvSpPr>
+          <p:nvPr>
+            <p:ph type="dt" sz="half" idx="10"/>
+          </p:nvPr>
+        </p:nvSpPr>
+        <p:spPr>
+          <a:xfrm>
+            <a:off x="8369448" y="6356350"/>
+            <a:ext cx="2592594" cy="365125"/>
+          </a:xfrm>
+        </p:spPr>
+        <p:txBody>
+          <a:bodyPr/>
+          <a:lstStyle/>
+          <a:p>
+            <a:pPr>
+              <a:spcAft>
+                <a:spcPts val="600"/>
+              </a:spcAft>
+            </a:pPr>
+            <a:fld id="{0DB41F73-2260-460A-B8B6-5419B232F632}" type="datetime1">
+              <a:rPr lang="nl-NL" smtClean="0"/>
+              <a:pPr>
+                <a:spcAft>
+                  <a:spcPts val="600"/>
+                </a:spcAft>
+              </a:pPr>
+              <a:t>21-5-2025</a:t>
+            </a:fld>
+            <a:endParaRPr lang="en-US"/>
+          </a:p>
+        </p:txBody>
+      </p:sp>
+      <p:sp>
+        <p:nvSpPr>
+          <p:cNvPr id="12" name="Footer Placeholder 5">
+            <a:extLst>
+              <a:ext uri="{FF2B5EF4-FFF2-40B4-BE49-F238E27FC236}">
+                <a16:creationId xmlns:a16="http://schemas.microsoft.com/office/drawing/2014/main" id="{FCB605D1-0A35-E65F-5439-04B9568CD4ED}"/>
+              </a:ext>
+            </a:extLst>
+          </p:cNvPr>
+          <p:cNvSpPr>
+            <a:spLocks noGrp="1"/>
+          </p:cNvSpPr>
+          <p:nvPr>
+            <p:ph type="ftr" sz="quarter" idx="11"/>
+          </p:nvPr>
+        </p:nvSpPr>
+        <p:spPr>
+          <a:xfrm>
+            <a:off x="715383" y="6356350"/>
+            <a:ext cx="4539727" cy="365125"/>
+          </a:xfrm>
+        </p:spPr>
+        <p:txBody>
+          <a:bodyPr/>
+          <a:lstStyle/>
+          <a:p>
+            <a:pPr>
+              <a:spcAft>
+                <a:spcPts val="600"/>
+              </a:spcAft>
+            </a:pPr>
+            <a:r>
+              <a:rPr lang="en-US"/>
+              <a:t>
+              </a:t>
+            </a:r>
+          </a:p>
+        </p:txBody>
+      </p:sp>
+      <p:sp>
+        <p:nvSpPr>
+          <p:cNvPr id="14" name="Slide Number Placeholder 6">
+            <a:extLst>
+              <a:ext uri="{FF2B5EF4-FFF2-40B4-BE49-F238E27FC236}">
+                <a16:creationId xmlns:a16="http://schemas.microsoft.com/office/drawing/2014/main" id="{F2A1BFEA-1D99-2933-BD82-9751BAC68E98}"/>
+              </a:ext>
+            </a:extLst>
+          </p:cNvPr>
+          <p:cNvSpPr>
+            <a:spLocks noGrp="1"/>
+          </p:cNvSpPr>
+          <p:nvPr>
+            <p:ph type="sldNum" sz="quarter" idx="12"/>
+          </p:nvPr>
+        </p:nvSpPr>
+        <p:spPr>
+          <a:xfrm>
+            <a:off x="10919012" y="6356350"/>
+            <a:ext cx="672354" cy="365125"/>
+          </a:xfrm>
+        </p:spPr>
+        <p:txBody>
+          <a:bodyPr/>
+          <a:lstStyle/>
+          <a:p>
+            <a:pPr>
+              <a:spcAft>
+                <a:spcPts val="600"/>
+              </a:spcAft>
+            </a:pPr>
+            <a:fld id="{E30AF5A0-43BB-4336-8627-9123B9144D80}" type="slidenum">
+              <a:rPr lang="en-US" smtClean="0"/>
+              <a:pPr>
+                <a:spcAft>
+                  <a:spcPts val="600"/>
+                </a:spcAft>
+              </a:pPr>
+              <a:t>7</a:t>
+            </a:fld>
+            <a:endParaRPr lang="en-US"/>
+          </a:p>
+        </p:txBody>
+      </p:sp>
+      <p:pic>
+        <p:nvPicPr>
+          <p:cNvPr id="13" name="Afbeelding 12">
+            <a:extLst>
+              <a:ext uri="{FF2B5EF4-FFF2-40B4-BE49-F238E27FC236}">
+                <a16:creationId xmlns:a16="http://schemas.microsoft.com/office/drawing/2014/main" id="{28A9E81A-F788-C008-0CAC-BF479FE893CF}"/>
+              </a:ext>
+            </a:extLst>
+          </p:cNvPr>
+          <p:cNvPicPr>
+            <a:picLocks noChangeAspect="1"/>
+          </p:cNvPicPr>
+          <p:nvPr/>
+        </p:nvPicPr>
+        <p:blipFill>
+          <a:blip r:embed="rId2"/>
+          <a:srcRect l="23984" t="29033" r="24297" b="29033"/>
+          <a:stretch/>
+        </p:blipFill>
+        <p:spPr>
+          <a:xfrm>
+            <a:off x="5562600" y="3423454"/>
+            <a:ext cx="5829300" cy="2549644"/>
+          </a:xfrm>
+          <a:prstGeom prst="rect">
+            <a:avLst/>
+          </a:prstGeom>
+        </p:spPr>
+      </p:pic>
     </p:spTree>
     <p:extLst>
       <p:ext uri="{BB962C8B-B14F-4D97-AF65-F5344CB8AC3E}">
@@ -4444,7 +5734,7 @@
           <a:p>
             <a:r>
               <a:rPr lang="nl-NL" dirty="0"/>
-              <a:t>hoe</a:t>
+              <a:t>methode</a:t>
             </a:r>
           </a:p>
         </p:txBody>
@@ -4578,153 +5868,59 @@
 </file>
 
 <file path=ppt/theme/theme1.xml><?xml version="1.0" encoding="utf-8"?>
-<a:theme xmlns:a="http://schemas.openxmlformats.org/drawingml/2006/main" name="Kantoorthema">
+<a:theme xmlns:a="http://schemas.openxmlformats.org/drawingml/2006/main" name="ChronicleVTI">
   <a:themeElements>
-    <a:clrScheme name="Office">
+    <a:clrScheme name="ChronicleVTI">
       <a:dk1>
-        <a:sysClr val="windowText" lastClr="000000"/>
+        <a:srgbClr val="000000"/>
       </a:dk1>
       <a:lt1>
-        <a:sysClr val="window" lastClr="FFFFFF"/>
+        <a:srgbClr val="FFFFFF"/>
       </a:lt1>
       <a:dk2>
-        <a:srgbClr val="0E2841"/>
+        <a:srgbClr val="1C1C32"/>
       </a:dk2>
       <a:lt2>
-        <a:srgbClr val="E8E8E8"/>
+        <a:srgbClr val="F8F4F1"/>
       </a:lt2>
       <a:accent1>
-        <a:srgbClr val="156082"/>
+        <a:srgbClr val="734B67"/>
       </a:accent1>
       <a:accent2>
-        <a:srgbClr val="E97132"/>
+        <a:srgbClr val="959EBB"/>
       </a:accent2>
       <a:accent3>
-        <a:srgbClr val="196B24"/>
+        <a:srgbClr val="596781"/>
       </a:accent3>
       <a:accent4>
-        <a:srgbClr val="0F9ED5"/>
+        <a:srgbClr val="7F6E8C"/>
       </a:accent4>
       <a:accent5>
-        <a:srgbClr val="A02B93"/>
+        <a:srgbClr val="DB9A8F"/>
       </a:accent5>
       <a:accent6>
-        <a:srgbClr val="4EA72E"/>
+        <a:srgbClr val="C29AB1"/>
       </a:accent6>
       <a:hlink>
-        <a:srgbClr val="467886"/>
+        <a:srgbClr val="778BA2"/>
       </a:hlink>
       <a:folHlink>
-        <a:srgbClr val="96607D"/>
+        <a:srgbClr val="A27C99"/>
       </a:folHlink>
     </a:clrScheme>
-    <a:fontScheme name="Office">
+    <a:fontScheme name="ChronicleVTI">
       <a:majorFont>
-        <a:latin typeface="Aptos Display" panose="02110004020202020204"/>
+        <a:latin typeface="Univers Condensed"/>
         <a:ea typeface=""/>
         <a:cs typeface=""/>
-        <a:font script="Jpan" typeface="游ゴシック Light"/>
-        <a:font script="Hang" typeface="맑은 고딕"/>
-        <a:font script="Hans" typeface="等线 Light"/>
-        <a:font script="Hant" typeface="新細明體"/>
-        <a:font script="Arab" typeface="Times New Roman"/>
-        <a:font script="Hebr" typeface="Times New Roman"/>
-        <a:font script="Thai" typeface="Angsana New"/>
-        <a:font script="Ethi" typeface="Nyala"/>
-        <a:font script="Beng" typeface="Vrinda"/>
-        <a:font script="Gujr" typeface="Shruti"/>
-        <a:font script="Khmr" typeface="MoolBoran"/>
-        <a:font script="Knda" typeface="Tunga"/>
-        <a:font script="Guru" typeface="Raavi"/>
-        <a:font script="Cans" typeface="Euphemia"/>
-        <a:font script="Cher" typeface="Plantagenet Cherokee"/>
-        <a:font script="Yiii" typeface="Microsoft Yi Baiti"/>
-        <a:font script="Tibt" typeface="Microsoft Himalaya"/>
-        <a:font script="Thaa" typeface="MV Boli"/>
-        <a:font script="Deva" typeface="Mangal"/>
-        <a:font script="Telu" typeface="Gautami"/>
-        <a:font script="Taml" typeface="Latha"/>
-        <a:font script="Syrc" typeface="Estrangelo Edessa"/>
-        <a:font script="Orya" typeface="Kalinga"/>
-        <a:font script="Mlym" typeface="Kartika"/>
-        <a:font script="Laoo" typeface="DokChampa"/>
-        <a:font script="Sinh" typeface="Iskoola Pota"/>
-        <a:font script="Mong" typeface="Mongolian Baiti"/>
-        <a:font script="Viet" typeface="Times New Roman"/>
-        <a:font script="Uigh" typeface="Microsoft Uighur"/>
-        <a:font script="Geor" typeface="Sylfaen"/>
-        <a:font script="Armn" typeface="Arial"/>
-        <a:font script="Bugi" typeface="Leelawadee UI"/>
-        <a:font script="Bopo" typeface="Microsoft JhengHei"/>
-        <a:font script="Java" typeface="Javanese Text"/>
-        <a:font script="Lisu" typeface="Segoe UI"/>
-        <a:font script="Mymr" typeface="Myanmar Text"/>
-        <a:font script="Nkoo" typeface="Ebrima"/>
-        <a:font script="Olck" typeface="Nirmala UI"/>
-        <a:font script="Osma" typeface="Ebrima"/>
-        <a:font script="Phag" typeface="Phagspa"/>
-        <a:font script="Syrn" typeface="Estrangelo Edessa"/>
-        <a:font script="Syrj" typeface="Estrangelo Edessa"/>
-        <a:font script="Syre" typeface="Estrangelo Edessa"/>
-        <a:font script="Sora" typeface="Nirmala UI"/>
-        <a:font script="Tale" typeface="Microsoft Tai Le"/>
-        <a:font script="Talu" typeface="Microsoft New Tai Lue"/>
-        <a:font script="Tfng" typeface="Ebrima"/>
       </a:majorFont>
       <a:minorFont>
-        <a:latin typeface="Aptos" panose="02110004020202020204"/>
+        <a:latin typeface="Calisto MT" panose="02040603050505030304"/>
         <a:ea typeface=""/>
         <a:cs typeface=""/>
-        <a:font script="Jpan" typeface="游ゴシック"/>
-        <a:font script="Hang" typeface="맑은 고딕"/>
-        <a:font script="Hans" typeface="等线"/>
-        <a:font script="Hant" typeface="新細明體"/>
-        <a:font script="Arab" typeface="Arial"/>
-        <a:font script="Hebr" typeface="Arial"/>
-        <a:font script="Thai" typeface="Cordia New"/>
-        <a:font script="Ethi" typeface="Nyala"/>
-        <a:font script="Beng" typeface="Vrinda"/>
-        <a:font script="Gujr" typeface="Shruti"/>
-        <a:font script="Khmr" typeface="DaunPenh"/>
-        <a:font script="Knda" typeface="Tunga"/>
-        <a:font script="Guru" typeface="Raavi"/>
-        <a:font script="Cans" typeface="Euphemia"/>
-        <a:font script="Cher" typeface="Plantagenet Cherokee"/>
-        <a:font script="Yiii" typeface="Microsoft Yi Baiti"/>
-        <a:font script="Tibt" typeface="Microsoft Himalaya"/>
-        <a:font script="Thaa" typeface="MV Boli"/>
-        <a:font script="Deva" typeface="Mangal"/>
-        <a:font script="Telu" typeface="Gautami"/>
-        <a:font script="Taml" typeface="Latha"/>
-        <a:font script="Syrc" typeface="Estrangelo Edessa"/>
-        <a:font script="Orya" typeface="Kalinga"/>
-        <a:font script="Mlym" typeface="Kartika"/>
-        <a:font script="Laoo" typeface="DokChampa"/>
-        <a:font script="Sinh" typeface="Iskoola Pota"/>
-        <a:font script="Mong" typeface="Mongolian Baiti"/>
-        <a:font script="Viet" typeface="Arial"/>
-        <a:font script="Uigh" typeface="Microsoft Uighur"/>
-        <a:font script="Geor" typeface="Sylfaen"/>
-        <a:font script="Armn" typeface="Arial"/>
-        <a:font script="Bugi" typeface="Leelawadee UI"/>
-        <a:font script="Bopo" typeface="Microsoft JhengHei"/>
-        <a:font script="Java" typeface="Javanese Text"/>
-        <a:font script="Lisu" typeface="Segoe UI"/>
-        <a:font script="Mymr" typeface="Myanmar Text"/>
-        <a:font script="Nkoo" typeface="Ebrima"/>
-        <a:font script="Olck" typeface="Nirmala UI"/>
-        <a:font script="Osma" typeface="Ebrima"/>
-        <a:font script="Phag" typeface="Phagspa"/>
-        <a:font script="Syrn" typeface="Estrangelo Edessa"/>
-        <a:font script="Syrj" typeface="Estrangelo Edessa"/>
-        <a:font script="Syre" typeface="Estrangelo Edessa"/>
-        <a:font script="Sora" typeface="Nirmala UI"/>
-        <a:font script="Tale" typeface="Microsoft Tai Le"/>
-        <a:font script="Talu" typeface="Microsoft New Tai Lue"/>
-        <a:font script="Tfng" typeface="Ebrima"/>
       </a:minorFont>
     </a:fontScheme>
-    <a:fmtScheme name="Office">
+    <a:fmtScheme name="ChronicleVTI">
       <a:fillStyleLst>
         <a:solidFill>
           <a:schemeClr val="phClr"/>
@@ -4783,6 +5979,13 @@
         </a:gradFill>
       </a:fillStyleLst>
       <a:lnStyleLst>
+        <a:ln w="6350" cap="flat" cmpd="sng" algn="ctr">
+          <a:solidFill>
+            <a:schemeClr val="phClr"/>
+          </a:solidFill>
+          <a:prstDash val="solid"/>
+          <a:miter lim="800000"/>
+        </a:ln>
         <a:ln w="12700" cap="flat" cmpd="sng" algn="ctr">
           <a:solidFill>
             <a:schemeClr val="phClr"/>
@@ -4791,13 +5994,6 @@
           <a:miter lim="800000"/>
         </a:ln>
         <a:ln w="19050" cap="flat" cmpd="sng" algn="ctr">
-          <a:solidFill>
-            <a:schemeClr val="phClr"/>
-          </a:solidFill>
-          <a:prstDash val="solid"/>
-          <a:miter lim="800000"/>
-        </a:ln>
-        <a:ln w="25400" cap="flat" cmpd="sng" algn="ctr">
           <a:solidFill>
             <a:schemeClr val="phClr"/>
           </a:solidFill>
@@ -4862,31 +6058,11 @@
       </a:bgFillStyleLst>
     </a:fmtScheme>
   </a:themeElements>
-  <a:objectDefaults>
-    <a:lnDef>
-      <a:spPr/>
-      <a:bodyPr/>
-      <a:lstStyle/>
-      <a:style>
-        <a:lnRef idx="2">
-          <a:schemeClr val="accent1"/>
-        </a:lnRef>
-        <a:fillRef idx="0">
-          <a:schemeClr val="accent1"/>
-        </a:fillRef>
-        <a:effectRef idx="1">
-          <a:schemeClr val="accent1"/>
-        </a:effectRef>
-        <a:fontRef idx="minor">
-          <a:schemeClr val="tx1"/>
-        </a:fontRef>
-      </a:style>
-    </a:lnDef>
-  </a:objectDefaults>
+  <a:objectDefaults/>
   <a:extraClrSchemeLst/>
   <a:extLst>
     <a:ext uri="{05A4C25C-085E-4340-85A3-A5531E510DB2}">
-      <thm15:themeFamily xmlns:thm15="http://schemas.microsoft.com/office/thememl/2012/main" name="Office Theme" id="{2E142A2C-CD16-42D6-873A-C26D2A0506FA}" vid="{1BDDFF52-6CD6-40A5-AB3C-68EB2F1E4D0A}"/>
+      <thm15:themeFamily xmlns:thm15="http://schemas.microsoft.com/office/thememl/2012/main" name="ChronicleVTI" id="{534FD3B1-53CD-4A5C-943C-C44DFF248C3E}" vid="{19A790DA-2E4D-4134-98A6-7DECB1A1B842}"/>
     </a:ext>
   </a:extLst>
 </a:theme>
